--- a/proj_AI/1st week/AI프로젝트 1차발표.pptx
+++ b/proj_AI/1st week/AI프로젝트 1차발표.pptx
@@ -12,10 +12,10 @@
     <p:sldId id="291" r:id="rId3"/>
     <p:sldId id="266" r:id="rId4"/>
     <p:sldId id="315" r:id="rId5"/>
-    <p:sldId id="313" r:id="rId6"/>
-    <p:sldId id="314" r:id="rId7"/>
-    <p:sldId id="317" r:id="rId8"/>
-    <p:sldId id="312" r:id="rId9"/>
+    <p:sldId id="312" r:id="rId6"/>
+    <p:sldId id="313" r:id="rId7"/>
+    <p:sldId id="314" r:id="rId8"/>
+    <p:sldId id="317" r:id="rId9"/>
     <p:sldId id="319" r:id="rId10"/>
     <p:sldId id="277" r:id="rId11"/>
   </p:sldIdLst>
@@ -10142,79 +10142,6 @@
       </p:grpSpPr>
       <p:sp>
         <p:nvSpPr>
-          <p:cNvPr id="57" name="직사각형 56">
-            <a:extLst>
-              <a:ext uri="{FF2B5EF4-FFF2-40B4-BE49-F238E27FC236}">
-                <a16:creationId xmlns:a16="http://schemas.microsoft.com/office/drawing/2014/main" id="{D19E2EFE-89A6-4C97-88AF-612CA9418785}"/>
-              </a:ext>
-            </a:extLst>
-          </p:cNvPr>
-          <p:cNvSpPr/>
-          <p:nvPr/>
-        </p:nvSpPr>
-        <p:spPr>
-          <a:xfrm>
-            <a:off x="448345" y="1508825"/>
-            <a:ext cx="5299827" cy="532807"/>
-          </a:xfrm>
-          <a:prstGeom prst="rect">
-            <a:avLst/>
-          </a:prstGeom>
-          <a:solidFill>
-            <a:schemeClr val="accent5">
-              <a:lumMod val="20000"/>
-              <a:lumOff val="80000"/>
-            </a:schemeClr>
-          </a:solidFill>
-          <a:ln>
-            <a:noFill/>
-          </a:ln>
-        </p:spPr>
-        <p:style>
-          <a:lnRef idx="2">
-            <a:schemeClr val="accent1">
-              <a:shade val="50000"/>
-            </a:schemeClr>
-          </a:lnRef>
-          <a:fillRef idx="1">
-            <a:schemeClr val="accent1"/>
-          </a:fillRef>
-          <a:effectRef idx="0">
-            <a:schemeClr val="accent1"/>
-          </a:effectRef>
-          <a:fontRef idx="minor">
-            <a:schemeClr val="lt1"/>
-          </a:fontRef>
-        </p:style>
-        <p:txBody>
-          <a:bodyPr rtlCol="0" anchor="ctr"/>
-          <a:lstStyle/>
-          <a:p>
-            <a:pPr algn="ctr"/>
-            <a:r>
-              <a:rPr lang="ko-KR" altLang="en-US" sz="2000" b="1">
-                <a:solidFill>
-                  <a:schemeClr val="tx1"/>
-                </a:solidFill>
-                <a:latin typeface="KoPubWorld돋움체 Medium" panose="00000600000000000000" pitchFamily="2" charset="-127"/>
-                <a:ea typeface="KoPubWorld돋움체 Medium" panose="00000600000000000000" pitchFamily="2" charset="-127"/>
-                <a:cs typeface="KoPubWorld돋움체 Medium" panose="00000600000000000000" pitchFamily="2" charset="-127"/>
-              </a:rPr>
-              <a:t>사용자 학습 퍼포먼스 향상</a:t>
-            </a:r>
-            <a:endParaRPr lang="ko-KR" altLang="en-US" sz="2000" b="1" dirty="0">
-              <a:solidFill>
-                <a:schemeClr val="tx1"/>
-              </a:solidFill>
-              <a:latin typeface="KoPubWorld돋움체 Medium" panose="00000600000000000000" pitchFamily="2" charset="-127"/>
-              <a:ea typeface="KoPubWorld돋움체 Medium" panose="00000600000000000000" pitchFamily="2" charset="-127"/>
-              <a:cs typeface="KoPubWorld돋움체 Medium" panose="00000600000000000000" pitchFamily="2" charset="-127"/>
-            </a:endParaRPr>
-          </a:p>
-        </p:txBody>
-      </p:sp>
-      <p:sp>
-        <p:nvSpPr>
           <p:cNvPr id="40" name="TextBox 39">
             <a:extLst>
               <a:ext uri="{FF2B5EF4-FFF2-40B4-BE49-F238E27FC236}">
@@ -10373,7 +10300,7 @@
                 <a:ea typeface="KoPubWorld돋움체 Bold" panose="00000800000000000000" pitchFamily="2" charset="-127"/>
                 <a:cs typeface="KoPubWorld돋움체 Bold" panose="00000800000000000000" pitchFamily="2" charset="-127"/>
               </a:rPr>
-              <a:t>lll</a:t>
+              <a:t>ll</a:t>
             </a:r>
             <a:r>
               <a:rPr lang="en-US" altLang="ko-KR" sz="3000" b="1">
@@ -10395,7 +10322,7 @@
                 <a:ea typeface="KoPubWorld돋움체 Bold" panose="00000800000000000000" pitchFamily="2" charset="-127"/>
                 <a:cs typeface="KoPubWorld돋움체 Bold" panose="00000800000000000000" pitchFamily="2" charset="-127"/>
               </a:rPr>
-              <a:t>기대효과</a:t>
+              <a:t>아이디어 소개</a:t>
             </a:r>
             <a:endParaRPr lang="ko-KR" altLang="en-US" sz="3000" b="1" dirty="0">
               <a:solidFill>
@@ -10408,196 +10335,63 @@
           </a:p>
         </p:txBody>
       </p:sp>
-      <p:sp>
-        <p:nvSpPr>
-          <p:cNvPr id="7" name="제목 1">
-            <a:extLst>
-              <a:ext uri="{FF2B5EF4-FFF2-40B4-BE49-F238E27FC236}">
-                <a16:creationId xmlns:a16="http://schemas.microsoft.com/office/drawing/2014/main" id="{C0A415DC-3731-4EAC-919A-E5603CFF643D}"/>
-              </a:ext>
-            </a:extLst>
-          </p:cNvPr>
-          <p:cNvSpPr txBox="1">
-            <a:spLocks/>
-          </p:cNvSpPr>
+      <p:pic>
+        <p:nvPicPr>
+          <p:cNvPr id="13" name="그림 12">
+            <a:extLst>
+              <a:ext uri="{FF2B5EF4-FFF2-40B4-BE49-F238E27FC236}">
+                <a16:creationId xmlns:a16="http://schemas.microsoft.com/office/drawing/2014/main" id="{076985C6-A989-44B5-B2AC-12D199959BC3}"/>
+              </a:ext>
+            </a:extLst>
+          </p:cNvPr>
+          <p:cNvPicPr>
+            <a:picLocks noChangeAspect="1"/>
+          </p:cNvPicPr>
           <p:nvPr/>
-        </p:nvSpPr>
+        </p:nvPicPr>
+        <p:blipFill rotWithShape="1">
+          <a:blip r:embed="rId2"/>
+          <a:srcRect t="4839" b="2625"/>
+          <a:stretch/>
+        </p:blipFill>
         <p:spPr>
           <a:xfrm>
-            <a:off x="714229" y="3732518"/>
-            <a:ext cx="4719283" cy="960606"/>
+            <a:off x="910203" y="2142358"/>
+            <a:ext cx="5339594" cy="3915322"/>
+          </a:xfrm>
+          <a:prstGeom prst="rect">
+            <a:avLst/>
+          </a:prstGeom>
+        </p:spPr>
+      </p:pic>
+      <p:sp>
+        <p:nvSpPr>
+          <p:cNvPr id="14" name="직사각형 13">
+            <a:extLst>
+              <a:ext uri="{FF2B5EF4-FFF2-40B4-BE49-F238E27FC236}">
+                <a16:creationId xmlns:a16="http://schemas.microsoft.com/office/drawing/2014/main" id="{A8BED20A-35AE-4AFC-B2B4-3299BC62A4A5}"/>
+              </a:ext>
+            </a:extLst>
+          </p:cNvPr>
+          <p:cNvSpPr/>
+          <p:nvPr/>
+        </p:nvSpPr>
+        <p:spPr>
+          <a:xfrm>
+            <a:off x="4407482" y="1296051"/>
+            <a:ext cx="3377035" cy="557915"/>
           </a:xfrm>
           <a:prstGeom prst="rect">
             <a:avLst/>
           </a:prstGeom>
           <a:solidFill>
-            <a:schemeClr val="accent1">
+            <a:schemeClr val="accent5">
               <a:lumMod val="20000"/>
               <a:lumOff val="80000"/>
             </a:schemeClr>
           </a:solidFill>
           <a:ln>
             <a:noFill/>
-          </a:ln>
-        </p:spPr>
-        <p:txBody>
-          <a:bodyPr vert="horz" lIns="91440" tIns="45720" rIns="91440" bIns="45720" rtlCol="0" anchor="ctr">
-            <a:normAutofit/>
-          </a:bodyPr>
-          <a:lstStyle>
-            <a:lvl1pPr algn="l" defTabSz="914400" rtl="0" eaLnBrk="1" latinLnBrk="1" hangingPunct="1">
-              <a:lnSpc>
-                <a:spcPct val="90000"/>
-              </a:lnSpc>
-              <a:spcBef>
-                <a:spcPct val="0"/>
-              </a:spcBef>
-              <a:buNone/>
-              <a:defRPr sz="4400" kern="1200">
-                <a:solidFill>
-                  <a:schemeClr val="tx1"/>
-                </a:solidFill>
-                <a:latin typeface="+mj-lt"/>
-                <a:ea typeface="+mj-ea"/>
-                <a:cs typeface="+mj-cs"/>
-              </a:defRPr>
-            </a:lvl1pPr>
-          </a:lstStyle>
-          <a:p>
-            <a:pPr algn="ctr">
-              <a:lnSpc>
-                <a:spcPct val="150000"/>
-              </a:lnSpc>
-            </a:pPr>
-            <a:r>
-              <a:rPr lang="ko-KR" altLang="en-US" sz="1800">
-                <a:latin typeface="KoPubWorld돋움체 Medium" panose="00000600000000000000" pitchFamily="2" charset="-127"/>
-                <a:ea typeface="KoPubWorld돋움체 Medium" panose="00000600000000000000" pitchFamily="2" charset="-127"/>
-                <a:cs typeface="KoPubWorld돋움체 Medium" panose="00000600000000000000" pitchFamily="2" charset="-127"/>
-              </a:rPr>
-              <a:t>학습 집중도 데이터를 활용한 </a:t>
-            </a:r>
-            <a:br>
-              <a:rPr lang="en-US" altLang="ko-KR" sz="1800">
-                <a:latin typeface="KoPubWorld돋움체 Medium" panose="00000600000000000000" pitchFamily="2" charset="-127"/>
-                <a:ea typeface="KoPubWorld돋움체 Medium" panose="00000600000000000000" pitchFamily="2" charset="-127"/>
-                <a:cs typeface="KoPubWorld돋움체 Medium" panose="00000600000000000000" pitchFamily="2" charset="-127"/>
-              </a:rPr>
-            </a:br>
-            <a:r>
-              <a:rPr lang="ko-KR" altLang="en-US" sz="1800">
-                <a:latin typeface="KoPubWorld돋움체 Medium" panose="00000600000000000000" pitchFamily="2" charset="-127"/>
-                <a:ea typeface="KoPubWorld돋움체 Medium" panose="00000600000000000000" pitchFamily="2" charset="-127"/>
-                <a:cs typeface="KoPubWorld돋움체 Medium" panose="00000600000000000000" pitchFamily="2" charset="-127"/>
-              </a:rPr>
-              <a:t>체계적인 학습 전략 수립 </a:t>
-            </a:r>
-            <a:endParaRPr lang="en-US" altLang="ko-KR" sz="1800">
-              <a:latin typeface="KoPubWorld돋움체 Medium" panose="00000600000000000000" pitchFamily="2" charset="-127"/>
-              <a:ea typeface="KoPubWorld돋움체 Medium" panose="00000600000000000000" pitchFamily="2" charset="-127"/>
-              <a:cs typeface="KoPubWorld돋움체 Medium" panose="00000600000000000000" pitchFamily="2" charset="-127"/>
-            </a:endParaRPr>
-          </a:p>
-        </p:txBody>
-      </p:sp>
-      <p:sp>
-        <p:nvSpPr>
-          <p:cNvPr id="9" name="제목 1">
-            <a:extLst>
-              <a:ext uri="{FF2B5EF4-FFF2-40B4-BE49-F238E27FC236}">
-                <a16:creationId xmlns:a16="http://schemas.microsoft.com/office/drawing/2014/main" id="{F5BAB674-9492-4B92-BE42-B948C5F56781}"/>
-              </a:ext>
-            </a:extLst>
-          </p:cNvPr>
-          <p:cNvSpPr txBox="1">
-            <a:spLocks/>
-          </p:cNvSpPr>
-          <p:nvPr/>
-        </p:nvSpPr>
-        <p:spPr>
-          <a:xfrm>
-            <a:off x="714230" y="5056713"/>
-            <a:ext cx="4719283" cy="960605"/>
-          </a:xfrm>
-          <a:prstGeom prst="rect">
-            <a:avLst/>
-          </a:prstGeom>
-          <a:solidFill>
-            <a:schemeClr val="accent1">
-              <a:lumMod val="20000"/>
-              <a:lumOff val="80000"/>
-            </a:schemeClr>
-          </a:solidFill>
-          <a:ln>
-            <a:noFill/>
-          </a:ln>
-        </p:spPr>
-        <p:txBody>
-          <a:bodyPr vert="horz" lIns="91440" tIns="45720" rIns="91440" bIns="45720" rtlCol="0" anchor="ctr">
-            <a:normAutofit/>
-          </a:bodyPr>
-          <a:lstStyle>
-            <a:lvl1pPr algn="l" defTabSz="914400" rtl="0" eaLnBrk="1" latinLnBrk="1" hangingPunct="1">
-              <a:lnSpc>
-                <a:spcPct val="90000"/>
-              </a:lnSpc>
-              <a:spcBef>
-                <a:spcPct val="0"/>
-              </a:spcBef>
-              <a:buNone/>
-              <a:defRPr sz="4400" kern="1200">
-                <a:solidFill>
-                  <a:schemeClr val="tx1"/>
-                </a:solidFill>
-                <a:latin typeface="+mj-lt"/>
-                <a:ea typeface="+mj-ea"/>
-                <a:cs typeface="+mj-cs"/>
-              </a:defRPr>
-            </a:lvl1pPr>
-          </a:lstStyle>
-          <a:p>
-            <a:pPr algn="ctr"/>
-            <a:r>
-              <a:rPr lang="ko-KR" altLang="en-US" sz="1800">
-                <a:latin typeface="KoPubWorld돋움체 Medium" panose="00000600000000000000" pitchFamily="2" charset="-127"/>
-                <a:ea typeface="KoPubWorld돋움체 Medium" panose="00000600000000000000" pitchFamily="2" charset="-127"/>
-                <a:cs typeface="KoPubWorld돋움체 Medium" panose="00000600000000000000" pitchFamily="2" charset="-127"/>
-              </a:rPr>
-              <a:t>학습 중 스마트폰 사용 억제</a:t>
-            </a:r>
-            <a:endParaRPr lang="en-US" altLang="ko-KR" sz="1800">
-              <a:latin typeface="KoPubWorld돋움체 Medium" panose="00000600000000000000" pitchFamily="2" charset="-127"/>
-              <a:ea typeface="KoPubWorld돋움체 Medium" panose="00000600000000000000" pitchFamily="2" charset="-127"/>
-              <a:cs typeface="KoPubWorld돋움체 Medium" panose="00000600000000000000" pitchFamily="2" charset="-127"/>
-            </a:endParaRPr>
-          </a:p>
-        </p:txBody>
-      </p:sp>
-      <p:sp>
-        <p:nvSpPr>
-          <p:cNvPr id="10" name="직사각형 9">
-            <a:extLst>
-              <a:ext uri="{FF2B5EF4-FFF2-40B4-BE49-F238E27FC236}">
-                <a16:creationId xmlns:a16="http://schemas.microsoft.com/office/drawing/2014/main" id="{AA315137-09AD-4279-BC23-C96490D93AD8}"/>
-              </a:ext>
-            </a:extLst>
-          </p:cNvPr>
-          <p:cNvSpPr/>
-          <p:nvPr/>
-        </p:nvSpPr>
-        <p:spPr>
-          <a:xfrm>
-            <a:off x="448345" y="2170545"/>
-            <a:ext cx="5299827" cy="4272200"/>
-          </a:xfrm>
-          <a:prstGeom prst="rect">
-            <a:avLst/>
-          </a:prstGeom>
-          <a:noFill/>
-          <a:ln>
-            <a:solidFill>
-              <a:srgbClr val="014099"/>
-            </a:solidFill>
           </a:ln>
         </p:spPr>
         <p:style>
@@ -10621,68 +10415,45 @@
           <a:lstStyle/>
           <a:p>
             <a:pPr algn="ctr"/>
-            <a:endParaRPr lang="ko-KR" altLang="en-US"/>
-          </a:p>
-        </p:txBody>
-      </p:sp>
-      <p:sp>
-        <p:nvSpPr>
-          <p:cNvPr id="11" name="직사각형 10">
-            <a:extLst>
-              <a:ext uri="{FF2B5EF4-FFF2-40B4-BE49-F238E27FC236}">
-                <a16:creationId xmlns:a16="http://schemas.microsoft.com/office/drawing/2014/main" id="{CFFA86AF-4E4C-4360-BBA6-39DFD49528CA}"/>
-              </a:ext>
-            </a:extLst>
-          </p:cNvPr>
-          <p:cNvSpPr/>
-          <p:nvPr/>
-        </p:nvSpPr>
-        <p:spPr>
-          <a:xfrm>
-            <a:off x="6425358" y="2170543"/>
-            <a:ext cx="5299825" cy="4272200"/>
-          </a:xfrm>
-          <a:prstGeom prst="rect">
-            <a:avLst/>
-          </a:prstGeom>
-          <a:noFill/>
-          <a:ln>
-            <a:solidFill>
-              <a:srgbClr val="014099"/>
-            </a:solidFill>
-          </a:ln>
-        </p:spPr>
-        <p:style>
-          <a:lnRef idx="2">
-            <a:schemeClr val="accent1">
-              <a:shade val="50000"/>
-            </a:schemeClr>
-          </a:lnRef>
-          <a:fillRef idx="1">
-            <a:schemeClr val="accent1"/>
-          </a:fillRef>
-          <a:effectRef idx="0">
-            <a:schemeClr val="accent1"/>
-          </a:effectRef>
-          <a:fontRef idx="minor">
-            <a:schemeClr val="lt1"/>
-          </a:fontRef>
-        </p:style>
-        <p:txBody>
-          <a:bodyPr rtlCol="0" anchor="ctr"/>
-          <a:lstStyle/>
-          <a:p>
-            <a:pPr algn="ctr"/>
-            <a:endParaRPr lang="ko-KR" altLang="en-US"/>
-          </a:p>
-        </p:txBody>
-      </p:sp>
-      <p:sp>
-        <p:nvSpPr>
-          <p:cNvPr id="14" name="제목 1">
-            <a:extLst>
-              <a:ext uri="{FF2B5EF4-FFF2-40B4-BE49-F238E27FC236}">
-                <a16:creationId xmlns:a16="http://schemas.microsoft.com/office/drawing/2014/main" id="{26B727EE-B33F-4C99-8B73-10BEA4E53C3A}"/>
+            <a:r>
+              <a:rPr lang="en-US" altLang="ko-KR" sz="2000" b="1">
+                <a:solidFill>
+                  <a:schemeClr val="tx1"/>
+                </a:solidFill>
+                <a:latin typeface="KoPubWorld돋움체 Medium" panose="00000600000000000000" pitchFamily="2" charset="-127"/>
+                <a:ea typeface="KoPubWorld돋움체 Medium" panose="00000600000000000000" pitchFamily="2" charset="-127"/>
+                <a:cs typeface="KoPubWorld돋움체 Medium" panose="00000600000000000000" pitchFamily="2" charset="-127"/>
+              </a:rPr>
+              <a:t>AI </a:t>
+            </a:r>
+            <a:r>
+              <a:rPr lang="ko-KR" altLang="en-US" sz="2000" b="1">
+                <a:solidFill>
+                  <a:schemeClr val="tx1"/>
+                </a:solidFill>
+                <a:latin typeface="KoPubWorld돋움체 Medium" panose="00000600000000000000" pitchFamily="2" charset="-127"/>
+                <a:ea typeface="KoPubWorld돋움체 Medium" panose="00000600000000000000" pitchFamily="2" charset="-127"/>
+                <a:cs typeface="KoPubWorld돋움체 Medium" panose="00000600000000000000" pitchFamily="2" charset="-127"/>
+              </a:rPr>
+              <a:t>비대면 독서실</a:t>
+            </a:r>
+            <a:endParaRPr lang="ko-KR" altLang="en-US" sz="2000" b="1" dirty="0">
+              <a:solidFill>
+                <a:schemeClr val="tx1"/>
+              </a:solidFill>
+              <a:latin typeface="KoPubWorld돋움체 Medium" panose="00000600000000000000" pitchFamily="2" charset="-127"/>
+              <a:ea typeface="KoPubWorld돋움체 Medium" panose="00000600000000000000" pitchFamily="2" charset="-127"/>
+              <a:cs typeface="KoPubWorld돋움체 Medium" panose="00000600000000000000" pitchFamily="2" charset="-127"/>
+            </a:endParaRPr>
+          </a:p>
+        </p:txBody>
+      </p:sp>
+      <p:sp>
+        <p:nvSpPr>
+          <p:cNvPr id="15" name="제목 1">
+            <a:extLst>
+              <a:ext uri="{FF2B5EF4-FFF2-40B4-BE49-F238E27FC236}">
+                <a16:creationId xmlns:a16="http://schemas.microsoft.com/office/drawing/2014/main" id="{70B1C1F7-E3FF-4701-9F51-4773C578AD6E}"/>
               </a:ext>
             </a:extLst>
           </p:cNvPr>
@@ -10693,16 +10464,17 @@
         </p:nvSpPr>
         <p:spPr>
           <a:xfrm>
-            <a:off x="6740013" y="2429047"/>
-            <a:ext cx="4719283" cy="960604"/>
+            <a:off x="6249797" y="2579540"/>
+            <a:ext cx="4892186" cy="671019"/>
           </a:xfrm>
           <a:prstGeom prst="rect">
             <a:avLst/>
           </a:prstGeom>
           <a:solidFill>
-            <a:schemeClr val="accent1">
-              <a:lumMod val="20000"/>
-              <a:lumOff val="80000"/>
+            <a:schemeClr val="accent4">
+              <a:lumMod val="60000"/>
+              <a:lumOff val="40000"/>
+              <a:alpha val="52000"/>
             </a:schemeClr>
           </a:solidFill>
           <a:ln>
@@ -10735,14 +10507,14 @@
           <a:p>
             <a:pPr algn="ctr"/>
             <a:r>
-              <a:rPr lang="ko-KR" altLang="en-US" sz="1800">
+              <a:rPr lang="ko-KR" altLang="en-US" sz="1400">
                 <a:latin typeface="KoPubWorld돋움체 Medium" panose="00000600000000000000" pitchFamily="2" charset="-127"/>
                 <a:ea typeface="KoPubWorld돋움체 Medium" panose="00000600000000000000" pitchFamily="2" charset="-127"/>
                 <a:cs typeface="KoPubWorld돋움체 Medium" panose="00000600000000000000" pitchFamily="2" charset="-127"/>
               </a:rPr>
-              <a:t>집중 시간 공유를 통한 언택트 스터디 플랫폼</a:t>
-            </a:r>
-            <a:endParaRPr lang="en-US" altLang="ko-KR" sz="1800">
+              <a:t>스마트폰 카메라를 이용하여 학습자를 촬영</a:t>
+            </a:r>
+            <a:endParaRPr lang="en-US" altLang="ko-KR" sz="1400">
               <a:latin typeface="KoPubWorld돋움체 Medium" panose="00000600000000000000" pitchFamily="2" charset="-127"/>
               <a:ea typeface="KoPubWorld돋움체 Medium" panose="00000600000000000000" pitchFamily="2" charset="-127"/>
               <a:cs typeface="KoPubWorld돋움체 Medium" panose="00000600000000000000" pitchFamily="2" charset="-127"/>
@@ -10752,103 +10524,31 @@
       </p:sp>
       <p:sp>
         <p:nvSpPr>
-          <p:cNvPr id="15" name="직사각형 14">
-            <a:extLst>
-              <a:ext uri="{FF2B5EF4-FFF2-40B4-BE49-F238E27FC236}">
-                <a16:creationId xmlns:a16="http://schemas.microsoft.com/office/drawing/2014/main" id="{C7016290-DBFA-41FB-B9D5-807171F97DE5}"/>
-              </a:ext>
-            </a:extLst>
-          </p:cNvPr>
-          <p:cNvSpPr/>
+          <p:cNvPr id="16" name="제목 1">
+            <a:extLst>
+              <a:ext uri="{FF2B5EF4-FFF2-40B4-BE49-F238E27FC236}">
+                <a16:creationId xmlns:a16="http://schemas.microsoft.com/office/drawing/2014/main" id="{1F772658-1014-4816-9589-CCBE6054FD1F}"/>
+              </a:ext>
+            </a:extLst>
+          </p:cNvPr>
+          <p:cNvSpPr txBox="1">
+            <a:spLocks/>
+          </p:cNvSpPr>
           <p:nvPr/>
         </p:nvSpPr>
         <p:spPr>
           <a:xfrm>
-            <a:off x="6425358" y="1508485"/>
-            <a:ext cx="5299825" cy="532807"/>
+            <a:off x="6249798" y="3701276"/>
+            <a:ext cx="4892187" cy="671019"/>
           </a:xfrm>
           <a:prstGeom prst="rect">
             <a:avLst/>
           </a:prstGeom>
           <a:solidFill>
-            <a:schemeClr val="accent5">
-              <a:lumMod val="20000"/>
-              <a:lumOff val="80000"/>
-            </a:schemeClr>
-          </a:solidFill>
-          <a:ln>
-            <a:noFill/>
-          </a:ln>
-        </p:spPr>
-        <p:style>
-          <a:lnRef idx="2">
-            <a:schemeClr val="accent1">
-              <a:shade val="50000"/>
-            </a:schemeClr>
-          </a:lnRef>
-          <a:fillRef idx="1">
-            <a:schemeClr val="accent1"/>
-          </a:fillRef>
-          <a:effectRef idx="0">
-            <a:schemeClr val="accent1"/>
-          </a:effectRef>
-          <a:fontRef idx="minor">
-            <a:schemeClr val="lt1"/>
-          </a:fontRef>
-        </p:style>
-        <p:txBody>
-          <a:bodyPr rtlCol="0" anchor="ctr"/>
-          <a:lstStyle/>
-          <a:p>
-            <a:pPr algn="ctr"/>
-            <a:r>
-              <a:rPr lang="ko-KR" altLang="en-US" sz="2000" b="1">
-                <a:solidFill>
-                  <a:schemeClr val="tx1"/>
-                </a:solidFill>
-                <a:latin typeface="KoPubWorld돋움체 Medium" panose="00000600000000000000" pitchFamily="2" charset="-127"/>
-                <a:ea typeface="KoPubWorld돋움체 Medium" panose="00000600000000000000" pitchFamily="2" charset="-127"/>
-                <a:cs typeface="KoPubWorld돋움체 Medium" panose="00000600000000000000" pitchFamily="2" charset="-127"/>
-              </a:rPr>
-              <a:t>새로운 학습 플랫폼</a:t>
-            </a:r>
-            <a:endParaRPr lang="ko-KR" altLang="en-US" sz="2000" b="1" dirty="0">
-              <a:solidFill>
-                <a:schemeClr val="tx1"/>
-              </a:solidFill>
-              <a:latin typeface="KoPubWorld돋움체 Medium" panose="00000600000000000000" pitchFamily="2" charset="-127"/>
-              <a:ea typeface="KoPubWorld돋움체 Medium" panose="00000600000000000000" pitchFamily="2" charset="-127"/>
-              <a:cs typeface="KoPubWorld돋움체 Medium" panose="00000600000000000000" pitchFamily="2" charset="-127"/>
-            </a:endParaRPr>
-          </a:p>
-        </p:txBody>
-      </p:sp>
-      <p:sp>
-        <p:nvSpPr>
-          <p:cNvPr id="16" name="제목 1">
-            <a:extLst>
-              <a:ext uri="{FF2B5EF4-FFF2-40B4-BE49-F238E27FC236}">
-                <a16:creationId xmlns:a16="http://schemas.microsoft.com/office/drawing/2014/main" id="{0DCE0DB2-2E1D-459E-AC5F-5FB2AC98E385}"/>
-              </a:ext>
-            </a:extLst>
-          </p:cNvPr>
-          <p:cNvSpPr txBox="1">
-            <a:spLocks/>
-          </p:cNvSpPr>
-          <p:nvPr/>
-        </p:nvSpPr>
-        <p:spPr>
-          <a:xfrm>
-            <a:off x="714232" y="2429046"/>
-            <a:ext cx="4719283" cy="960605"/>
-          </a:xfrm>
-          <a:prstGeom prst="rect">
-            <a:avLst/>
-          </a:prstGeom>
-          <a:solidFill>
-            <a:schemeClr val="accent1">
-              <a:lumMod val="20000"/>
-              <a:lumOff val="80000"/>
+            <a:schemeClr val="accent4">
+              <a:lumMod val="60000"/>
+              <a:lumOff val="40000"/>
+              <a:alpha val="52000"/>
             </a:schemeClr>
           </a:solidFill>
           <a:ln>
@@ -10881,14 +10581,30 @@
           <a:p>
             <a:pPr algn="ctr"/>
             <a:r>
-              <a:rPr lang="ko-KR" altLang="en-US" sz="1800">
+              <a:rPr lang="ko-KR" altLang="en-US" sz="1400">
                 <a:latin typeface="KoPubWorld돋움체 Medium" panose="00000600000000000000" pitchFamily="2" charset="-127"/>
                 <a:ea typeface="KoPubWorld돋움체 Medium" panose="00000600000000000000" pitchFamily="2" charset="-127"/>
                 <a:cs typeface="KoPubWorld돋움체 Medium" panose="00000600000000000000" pitchFamily="2" charset="-127"/>
               </a:rPr>
-              <a:t>사용자의 실질적인 공부 시간 자동 측정</a:t>
-            </a:r>
-            <a:endParaRPr lang="en-US" altLang="ko-KR" sz="1800">
+              <a:t>학습자의 자세를 실시간으로 분석하여 집중 정도와</a:t>
+            </a:r>
+            <a:r>
+              <a:rPr lang="en-US" altLang="ko-KR" sz="1400">
+                <a:latin typeface="KoPubWorld돋움체 Medium" panose="00000600000000000000" pitchFamily="2" charset="-127"/>
+                <a:ea typeface="KoPubWorld돋움체 Medium" panose="00000600000000000000" pitchFamily="2" charset="-127"/>
+                <a:cs typeface="KoPubWorld돋움체 Medium" panose="00000600000000000000" pitchFamily="2" charset="-127"/>
+              </a:rPr>
+              <a:t> </a:t>
+            </a:r>
+            <a:r>
+              <a:rPr lang="ko-KR" altLang="en-US" sz="1400">
+                <a:latin typeface="KoPubWorld돋움체 Medium" panose="00000600000000000000" pitchFamily="2" charset="-127"/>
+                <a:ea typeface="KoPubWorld돋움체 Medium" panose="00000600000000000000" pitchFamily="2" charset="-127"/>
+                <a:cs typeface="KoPubWorld돋움체 Medium" panose="00000600000000000000" pitchFamily="2" charset="-127"/>
+              </a:rPr>
+              <a:t>시간을 기록</a:t>
+            </a:r>
+            <a:endParaRPr lang="en-US" altLang="ko-KR" sz="1400" dirty="0">
               <a:latin typeface="KoPubWorld돋움체 Medium" panose="00000600000000000000" pitchFamily="2" charset="-127"/>
               <a:ea typeface="KoPubWorld돋움체 Medium" panose="00000600000000000000" pitchFamily="2" charset="-127"/>
               <a:cs typeface="KoPubWorld돋움체 Medium" panose="00000600000000000000" pitchFamily="2" charset="-127"/>
@@ -10901,7 +10617,7 @@
           <p:cNvPr id="17" name="제목 1">
             <a:extLst>
               <a:ext uri="{FF2B5EF4-FFF2-40B4-BE49-F238E27FC236}">
-                <a16:creationId xmlns:a16="http://schemas.microsoft.com/office/drawing/2014/main" id="{26E18FD1-47DC-43EB-A599-77649FCEF108}"/>
+                <a16:creationId xmlns:a16="http://schemas.microsoft.com/office/drawing/2014/main" id="{B0595F82-136B-4DA2-8EE7-9D73CC654AB2}"/>
               </a:ext>
             </a:extLst>
           </p:cNvPr>
@@ -10912,16 +10628,17 @@
         </p:nvSpPr>
         <p:spPr>
           <a:xfrm>
-            <a:off x="6715626" y="5035993"/>
-            <a:ext cx="4719283" cy="981325"/>
+            <a:off x="6249797" y="4809960"/>
+            <a:ext cx="4892187" cy="671019"/>
           </a:xfrm>
           <a:prstGeom prst="rect">
             <a:avLst/>
           </a:prstGeom>
           <a:solidFill>
-            <a:schemeClr val="accent1">
-              <a:lumMod val="20000"/>
-              <a:lumOff val="80000"/>
+            <a:schemeClr val="accent4">
+              <a:lumMod val="60000"/>
+              <a:lumOff val="40000"/>
+              <a:alpha val="52000"/>
             </a:schemeClr>
           </a:solidFill>
           <a:ln>
@@ -10952,35 +10669,16 @@
             </a:lvl1pPr>
           </a:lstStyle>
           <a:p>
-            <a:pPr algn="ctr">
-              <a:lnSpc>
-                <a:spcPct val="150000"/>
-              </a:lnSpc>
-            </a:pPr>
-            <a:r>
-              <a:rPr lang="ko-KR" altLang="en-US" sz="1800">
+            <a:pPr algn="ctr"/>
+            <a:r>
+              <a:rPr lang="ko-KR" altLang="en-US" sz="1400">
                 <a:latin typeface="KoPubWorld돋움체 Medium" panose="00000600000000000000" pitchFamily="2" charset="-127"/>
                 <a:ea typeface="KoPubWorld돋움체 Medium" panose="00000600000000000000" pitchFamily="2" charset="-127"/>
                 <a:cs typeface="KoPubWorld돋움체 Medium" panose="00000600000000000000" pitchFamily="2" charset="-127"/>
               </a:rPr>
-              <a:t>온라인 테스트 컨닝 방지 기능을 통한 </a:t>
-            </a:r>
-            <a:br>
-              <a:rPr lang="en-US" altLang="ko-KR" sz="1800">
-                <a:latin typeface="KoPubWorld돋움체 Medium" panose="00000600000000000000" pitchFamily="2" charset="-127"/>
-                <a:ea typeface="KoPubWorld돋움체 Medium" panose="00000600000000000000" pitchFamily="2" charset="-127"/>
-                <a:cs typeface="KoPubWorld돋움체 Medium" panose="00000600000000000000" pitchFamily="2" charset="-127"/>
-              </a:rPr>
-            </a:br>
-            <a:r>
-              <a:rPr lang="ko-KR" altLang="en-US" sz="1800">
-                <a:latin typeface="KoPubWorld돋움체 Medium" panose="00000600000000000000" pitchFamily="2" charset="-127"/>
-                <a:ea typeface="KoPubWorld돋움체 Medium" panose="00000600000000000000" pitchFamily="2" charset="-127"/>
-                <a:cs typeface="KoPubWorld돋움체 Medium" panose="00000600000000000000" pitchFamily="2" charset="-127"/>
-              </a:rPr>
-              <a:t>비대면 시험 플랫폼</a:t>
-            </a:r>
-            <a:endParaRPr lang="en-US" altLang="ko-KR" sz="1800">
+              <a:t>기록 통계를 관리하고 공유할 수 있는 어플리케이션</a:t>
+            </a:r>
+            <a:endParaRPr lang="en-US" altLang="ko-KR" sz="1400" dirty="0">
               <a:latin typeface="KoPubWorld돋움체 Medium" panose="00000600000000000000" pitchFamily="2" charset="-127"/>
               <a:ea typeface="KoPubWorld돋움체 Medium" panose="00000600000000000000" pitchFamily="2" charset="-127"/>
               <a:cs typeface="KoPubWorld돋움체 Medium" panose="00000600000000000000" pitchFamily="2" charset="-127"/>
@@ -10988,134 +10686,10 @@
           </a:p>
         </p:txBody>
       </p:sp>
-      <p:sp>
-        <p:nvSpPr>
-          <p:cNvPr id="18" name="제목 1">
-            <a:extLst>
-              <a:ext uri="{FF2B5EF4-FFF2-40B4-BE49-F238E27FC236}">
-                <a16:creationId xmlns:a16="http://schemas.microsoft.com/office/drawing/2014/main" id="{95A04AEA-E234-478A-A8D1-69CDB4AF3F32}"/>
-              </a:ext>
-            </a:extLst>
-          </p:cNvPr>
-          <p:cNvSpPr txBox="1">
-            <a:spLocks/>
-          </p:cNvSpPr>
-          <p:nvPr/>
-        </p:nvSpPr>
-        <p:spPr>
-          <a:xfrm>
-            <a:off x="6715627" y="3732520"/>
-            <a:ext cx="4719283" cy="960604"/>
-          </a:xfrm>
-          <a:prstGeom prst="rect">
-            <a:avLst/>
-          </a:prstGeom>
-          <a:solidFill>
-            <a:schemeClr val="accent1">
-              <a:lumMod val="20000"/>
-              <a:lumOff val="80000"/>
-            </a:schemeClr>
-          </a:solidFill>
-          <a:ln>
-            <a:noFill/>
-          </a:ln>
-        </p:spPr>
-        <p:txBody>
-          <a:bodyPr vert="horz" lIns="91440" tIns="45720" rIns="91440" bIns="45720" rtlCol="0" anchor="ctr">
-            <a:normAutofit/>
-          </a:bodyPr>
-          <a:lstStyle>
-            <a:lvl1pPr algn="l" defTabSz="914400" rtl="0" eaLnBrk="1" latinLnBrk="1" hangingPunct="1">
-              <a:lnSpc>
-                <a:spcPct val="90000"/>
-              </a:lnSpc>
-              <a:spcBef>
-                <a:spcPct val="0"/>
-              </a:spcBef>
-              <a:buNone/>
-              <a:defRPr sz="4400" kern="1200">
-                <a:solidFill>
-                  <a:schemeClr val="tx1"/>
-                </a:solidFill>
-                <a:latin typeface="+mj-lt"/>
-                <a:ea typeface="+mj-ea"/>
-                <a:cs typeface="+mj-cs"/>
-              </a:defRPr>
-            </a:lvl1pPr>
-          </a:lstStyle>
-          <a:p>
-            <a:pPr algn="ctr">
-              <a:lnSpc>
-                <a:spcPct val="150000"/>
-              </a:lnSpc>
-            </a:pPr>
-            <a:r>
-              <a:rPr lang="ko-KR" altLang="en-US" sz="1800">
-                <a:latin typeface="KoPubWorld돋움체 Medium" panose="00000600000000000000" pitchFamily="2" charset="-127"/>
-                <a:ea typeface="KoPubWorld돋움체 Medium" panose="00000600000000000000" pitchFamily="2" charset="-127"/>
-                <a:cs typeface="KoPubWorld돋움체 Medium" panose="00000600000000000000" pitchFamily="2" charset="-127"/>
-              </a:rPr>
-              <a:t>학교</a:t>
-            </a:r>
-            <a:r>
-              <a:rPr lang="en-US" altLang="ko-KR" sz="1800">
-                <a:latin typeface="KoPubWorld돋움체 Medium" panose="00000600000000000000" pitchFamily="2" charset="-127"/>
-                <a:ea typeface="KoPubWorld돋움체 Medium" panose="00000600000000000000" pitchFamily="2" charset="-127"/>
-                <a:cs typeface="KoPubWorld돋움체 Medium" panose="00000600000000000000" pitchFamily="2" charset="-127"/>
-              </a:rPr>
-              <a:t>-</a:t>
-            </a:r>
-            <a:r>
-              <a:rPr lang="ko-KR" altLang="en-US" sz="1800">
-                <a:latin typeface="KoPubWorld돋움체 Medium" panose="00000600000000000000" pitchFamily="2" charset="-127"/>
-                <a:ea typeface="KoPubWorld돋움체 Medium" panose="00000600000000000000" pitchFamily="2" charset="-127"/>
-                <a:cs typeface="KoPubWorld돋움체 Medium" panose="00000600000000000000" pitchFamily="2" charset="-127"/>
-              </a:rPr>
-              <a:t>학원</a:t>
-            </a:r>
-            <a:r>
-              <a:rPr lang="en-US" altLang="ko-KR" sz="1800">
-                <a:latin typeface="KoPubWorld돋움체 Medium" panose="00000600000000000000" pitchFamily="2" charset="-127"/>
-                <a:ea typeface="KoPubWorld돋움체 Medium" panose="00000600000000000000" pitchFamily="2" charset="-127"/>
-                <a:cs typeface="KoPubWorld돋움체 Medium" panose="00000600000000000000" pitchFamily="2" charset="-127"/>
-              </a:rPr>
-              <a:t>-</a:t>
-            </a:r>
-            <a:r>
-              <a:rPr lang="ko-KR" altLang="en-US" sz="1800">
-                <a:latin typeface="KoPubWorld돋움체 Medium" panose="00000600000000000000" pitchFamily="2" charset="-127"/>
-                <a:ea typeface="KoPubWorld돋움체 Medium" panose="00000600000000000000" pitchFamily="2" charset="-127"/>
-                <a:cs typeface="KoPubWorld돋움체 Medium" panose="00000600000000000000" pitchFamily="2" charset="-127"/>
-              </a:rPr>
-              <a:t>학부모 데이터 공유를 통한</a:t>
-            </a:r>
-            <a:br>
-              <a:rPr lang="en-US" altLang="ko-KR" sz="1800">
-                <a:latin typeface="KoPubWorld돋움체 Medium" panose="00000600000000000000" pitchFamily="2" charset="-127"/>
-                <a:ea typeface="KoPubWorld돋움체 Medium" panose="00000600000000000000" pitchFamily="2" charset="-127"/>
-                <a:cs typeface="KoPubWorld돋움체 Medium" panose="00000600000000000000" pitchFamily="2" charset="-127"/>
-              </a:rPr>
-            </a:br>
-            <a:r>
-              <a:rPr lang="ko-KR" altLang="en-US" sz="1800">
-                <a:latin typeface="KoPubWorld돋움체 Medium" panose="00000600000000000000" pitchFamily="2" charset="-127"/>
-                <a:ea typeface="KoPubWorld돋움체 Medium" panose="00000600000000000000" pitchFamily="2" charset="-127"/>
-                <a:cs typeface="KoPubWorld돋움체 Medium" panose="00000600000000000000" pitchFamily="2" charset="-127"/>
-              </a:rPr>
-              <a:t>종합 입시 솔루션</a:t>
-            </a:r>
-            <a:endParaRPr lang="en-US" altLang="ko-KR" sz="1800">
-              <a:latin typeface="KoPubWorld돋움체 Medium" panose="00000600000000000000" pitchFamily="2" charset="-127"/>
-              <a:ea typeface="KoPubWorld돋움체 Medium" panose="00000600000000000000" pitchFamily="2" charset="-127"/>
-              <a:cs typeface="KoPubWorld돋움체 Medium" panose="00000600000000000000" pitchFamily="2" charset="-127"/>
-            </a:endParaRPr>
-          </a:p>
-        </p:txBody>
-      </p:sp>
     </p:spTree>
     <p:extLst>
       <p:ext uri="{BB962C8B-B14F-4D97-AF65-F5344CB8AC3E}">
-        <p14:creationId xmlns:p14="http://schemas.microsoft.com/office/powerpoint/2010/main" val="2084074210"/>
+        <p14:creationId xmlns:p14="http://schemas.microsoft.com/office/powerpoint/2010/main" val="3910594837"/>
       </p:ext>
     </p:extLst>
   </p:cSld>
@@ -11144,208 +10718,10 @@
       </p:grpSpPr>
       <p:sp>
         <p:nvSpPr>
-          <p:cNvPr id="41" name="제목 1">
-            <a:extLst>
-              <a:ext uri="{FF2B5EF4-FFF2-40B4-BE49-F238E27FC236}">
-                <a16:creationId xmlns:a16="http://schemas.microsoft.com/office/drawing/2014/main" id="{8294A363-964F-4261-AF0D-40891A2BABC8}"/>
-              </a:ext>
-            </a:extLst>
-          </p:cNvPr>
-          <p:cNvSpPr txBox="1">
-            <a:spLocks/>
-          </p:cNvSpPr>
-          <p:nvPr/>
-        </p:nvSpPr>
-        <p:spPr>
-          <a:xfrm>
-            <a:off x="8404499" y="5047690"/>
-            <a:ext cx="3402062" cy="1061829"/>
-          </a:xfrm>
-          <a:prstGeom prst="rect">
-            <a:avLst/>
-          </a:prstGeom>
-          <a:solidFill>
-            <a:schemeClr val="accent4">
-              <a:lumMod val="60000"/>
-              <a:lumOff val="40000"/>
-              <a:alpha val="52000"/>
-            </a:schemeClr>
-          </a:solidFill>
-          <a:ln>
-            <a:noFill/>
-          </a:ln>
-        </p:spPr>
-        <p:txBody>
-          <a:bodyPr vert="horz" lIns="91440" tIns="45720" rIns="91440" bIns="45720" rtlCol="0" anchor="ctr">
-            <a:normAutofit/>
-          </a:bodyPr>
-          <a:lstStyle>
-            <a:lvl1pPr algn="l" defTabSz="914400" rtl="0" eaLnBrk="1" latinLnBrk="1" hangingPunct="1">
-              <a:lnSpc>
-                <a:spcPct val="90000"/>
-              </a:lnSpc>
-              <a:spcBef>
-                <a:spcPct val="0"/>
-              </a:spcBef>
-              <a:buNone/>
-              <a:defRPr sz="4400" kern="1200">
-                <a:solidFill>
-                  <a:schemeClr val="tx1"/>
-                </a:solidFill>
-                <a:latin typeface="+mj-lt"/>
-                <a:ea typeface="+mj-ea"/>
-                <a:cs typeface="+mj-cs"/>
-              </a:defRPr>
-            </a:lvl1pPr>
-          </a:lstStyle>
-          <a:p>
-            <a:pPr algn="ctr"/>
-            <a:endParaRPr lang="en-US" altLang="ko-KR" sz="1400" b="1" dirty="0">
-              <a:latin typeface="KoPubWorld돋움체 Medium" panose="00000600000000000000" pitchFamily="2" charset="-127"/>
-              <a:ea typeface="KoPubWorld돋움체 Medium" panose="00000600000000000000" pitchFamily="2" charset="-127"/>
-              <a:cs typeface="KoPubWorld돋움체 Medium" panose="00000600000000000000" pitchFamily="2" charset="-127"/>
-            </a:endParaRPr>
-          </a:p>
-        </p:txBody>
-      </p:sp>
-      <p:sp>
-        <p:nvSpPr>
-          <p:cNvPr id="40" name="제목 1">
-            <a:extLst>
-              <a:ext uri="{FF2B5EF4-FFF2-40B4-BE49-F238E27FC236}">
-                <a16:creationId xmlns:a16="http://schemas.microsoft.com/office/drawing/2014/main" id="{70602C9A-3AE8-44FC-855A-0F9CBD46FE6D}"/>
-              </a:ext>
-            </a:extLst>
-          </p:cNvPr>
-          <p:cNvSpPr txBox="1">
-            <a:spLocks/>
-          </p:cNvSpPr>
-          <p:nvPr/>
-        </p:nvSpPr>
-        <p:spPr>
-          <a:xfrm>
-            <a:off x="4398319" y="5047691"/>
-            <a:ext cx="3402062" cy="1061829"/>
-          </a:xfrm>
-          <a:prstGeom prst="rect">
-            <a:avLst/>
-          </a:prstGeom>
-          <a:solidFill>
-            <a:schemeClr val="accent4">
-              <a:lumMod val="60000"/>
-              <a:lumOff val="40000"/>
-              <a:alpha val="52000"/>
-            </a:schemeClr>
-          </a:solidFill>
-          <a:ln>
-            <a:noFill/>
-          </a:ln>
-        </p:spPr>
-        <p:txBody>
-          <a:bodyPr vert="horz" lIns="91440" tIns="45720" rIns="91440" bIns="45720" rtlCol="0" anchor="ctr">
-            <a:normAutofit/>
-          </a:bodyPr>
-          <a:lstStyle>
-            <a:lvl1pPr algn="l" defTabSz="914400" rtl="0" eaLnBrk="1" latinLnBrk="1" hangingPunct="1">
-              <a:lnSpc>
-                <a:spcPct val="90000"/>
-              </a:lnSpc>
-              <a:spcBef>
-                <a:spcPct val="0"/>
-              </a:spcBef>
-              <a:buNone/>
-              <a:defRPr sz="4400" kern="1200">
-                <a:solidFill>
-                  <a:schemeClr val="tx1"/>
-                </a:solidFill>
-                <a:latin typeface="+mj-lt"/>
-                <a:ea typeface="+mj-ea"/>
-                <a:cs typeface="+mj-cs"/>
-              </a:defRPr>
-            </a:lvl1pPr>
-          </a:lstStyle>
-          <a:p>
-            <a:pPr algn="ctr"/>
-            <a:endParaRPr lang="en-US" altLang="ko-KR" sz="1400" b="1" dirty="0">
-              <a:latin typeface="KoPubWorld돋움체 Medium" panose="00000600000000000000" pitchFamily="2" charset="-127"/>
-              <a:ea typeface="KoPubWorld돋움체 Medium" panose="00000600000000000000" pitchFamily="2" charset="-127"/>
-              <a:cs typeface="KoPubWorld돋움체 Medium" panose="00000600000000000000" pitchFamily="2" charset="-127"/>
-            </a:endParaRPr>
-          </a:p>
-        </p:txBody>
-      </p:sp>
-      <p:sp>
-        <p:nvSpPr>
-          <p:cNvPr id="39" name="제목 1">
-            <a:extLst>
-              <a:ext uri="{FF2B5EF4-FFF2-40B4-BE49-F238E27FC236}">
-                <a16:creationId xmlns:a16="http://schemas.microsoft.com/office/drawing/2014/main" id="{EAE53ABC-7D64-41CB-82E5-C00BAB7F8EA1}"/>
-              </a:ext>
-            </a:extLst>
-          </p:cNvPr>
-          <p:cNvSpPr txBox="1">
-            <a:spLocks/>
-          </p:cNvSpPr>
-          <p:nvPr/>
-        </p:nvSpPr>
-        <p:spPr>
-          <a:xfrm>
-            <a:off x="414603" y="5047691"/>
-            <a:ext cx="3402062" cy="1061829"/>
-          </a:xfrm>
-          <a:prstGeom prst="rect">
-            <a:avLst/>
-          </a:prstGeom>
-          <a:solidFill>
-            <a:schemeClr val="accent4">
-              <a:lumMod val="60000"/>
-              <a:lumOff val="40000"/>
-              <a:alpha val="52000"/>
-            </a:schemeClr>
-          </a:solidFill>
-          <a:ln>
-            <a:noFill/>
-          </a:ln>
-        </p:spPr>
-        <p:txBody>
-          <a:bodyPr vert="horz" lIns="91440" tIns="45720" rIns="91440" bIns="45720" rtlCol="0" anchor="ctr">
-            <a:normAutofit/>
-          </a:bodyPr>
-          <a:lstStyle>
-            <a:lvl1pPr algn="l" defTabSz="914400" rtl="0" eaLnBrk="1" latinLnBrk="1" hangingPunct="1">
-              <a:lnSpc>
-                <a:spcPct val="90000"/>
-              </a:lnSpc>
-              <a:spcBef>
-                <a:spcPct val="0"/>
-              </a:spcBef>
-              <a:buNone/>
-              <a:defRPr sz="4400" kern="1200">
-                <a:solidFill>
-                  <a:schemeClr val="tx1"/>
-                </a:solidFill>
-                <a:latin typeface="+mj-lt"/>
-                <a:ea typeface="+mj-ea"/>
-                <a:cs typeface="+mj-cs"/>
-              </a:defRPr>
-            </a:lvl1pPr>
-          </a:lstStyle>
-          <a:p>
-            <a:pPr algn="ctr"/>
-            <a:endParaRPr lang="en-US" altLang="ko-KR" sz="1400" b="1" dirty="0">
-              <a:latin typeface="KoPubWorld돋움체 Medium" panose="00000600000000000000" pitchFamily="2" charset="-127"/>
-              <a:ea typeface="KoPubWorld돋움체 Medium" panose="00000600000000000000" pitchFamily="2" charset="-127"/>
-              <a:cs typeface="KoPubWorld돋움체 Medium" panose="00000600000000000000" pitchFamily="2" charset="-127"/>
-            </a:endParaRPr>
-          </a:p>
-        </p:txBody>
-      </p:sp>
-      <p:sp>
-        <p:nvSpPr>
-          <p:cNvPr id="37" name="직사각형 36">
-            <a:extLst>
-              <a:ext uri="{FF2B5EF4-FFF2-40B4-BE49-F238E27FC236}">
-                <a16:creationId xmlns:a16="http://schemas.microsoft.com/office/drawing/2014/main" id="{7CCE8270-5565-4753-B5BB-86D8F5CF46F5}"/>
+          <p:cNvPr id="57" name="직사각형 56">
+            <a:extLst>
+              <a:ext uri="{FF2B5EF4-FFF2-40B4-BE49-F238E27FC236}">
+                <a16:creationId xmlns:a16="http://schemas.microsoft.com/office/drawing/2014/main" id="{D19E2EFE-89A6-4C97-88AF-612CA9418785}"/>
               </a:ext>
             </a:extLst>
           </p:cNvPr>
@@ -11354,8 +10730,8 @@
         </p:nvSpPr>
         <p:spPr>
           <a:xfrm>
-            <a:off x="8407374" y="1570589"/>
-            <a:ext cx="3396312" cy="800218"/>
+            <a:off x="448345" y="1508825"/>
+            <a:ext cx="5299827" cy="532807"/>
           </a:xfrm>
           <a:prstGeom prst="rect">
             <a:avLst/>
@@ -11391,66 +10767,18 @@
           <a:lstStyle/>
           <a:p>
             <a:pPr algn="ctr"/>
-            <a:endParaRPr lang="ko-KR" altLang="en-US" sz="1600" dirty="0">
-              <a:latin typeface="KoPubWorld돋움체 Medium" panose="00000600000000000000" pitchFamily="2" charset="-127"/>
-              <a:ea typeface="KoPubWorld돋움체 Medium" panose="00000600000000000000" pitchFamily="2" charset="-127"/>
-              <a:cs typeface="KoPubWorld돋움체 Medium" panose="00000600000000000000" pitchFamily="2" charset="-127"/>
-            </a:endParaRPr>
-          </a:p>
-        </p:txBody>
-      </p:sp>
-      <p:sp>
-        <p:nvSpPr>
-          <p:cNvPr id="33" name="직사각형 32">
-            <a:extLst>
-              <a:ext uri="{FF2B5EF4-FFF2-40B4-BE49-F238E27FC236}">
-                <a16:creationId xmlns:a16="http://schemas.microsoft.com/office/drawing/2014/main" id="{11280F95-A573-41A0-942E-41BDF9A760D0}"/>
-              </a:ext>
-            </a:extLst>
-          </p:cNvPr>
-          <p:cNvSpPr/>
-          <p:nvPr/>
-        </p:nvSpPr>
-        <p:spPr>
-          <a:xfrm>
-            <a:off x="4379956" y="1570589"/>
-            <a:ext cx="3438789" cy="800218"/>
-          </a:xfrm>
-          <a:prstGeom prst="rect">
-            <a:avLst/>
-          </a:prstGeom>
-          <a:solidFill>
-            <a:schemeClr val="accent5">
-              <a:lumMod val="20000"/>
-              <a:lumOff val="80000"/>
-            </a:schemeClr>
-          </a:solidFill>
-          <a:ln>
-            <a:noFill/>
-          </a:ln>
-        </p:spPr>
-        <p:style>
-          <a:lnRef idx="2">
-            <a:schemeClr val="accent1">
-              <a:shade val="50000"/>
-            </a:schemeClr>
-          </a:lnRef>
-          <a:fillRef idx="1">
-            <a:schemeClr val="accent1"/>
-          </a:fillRef>
-          <a:effectRef idx="0">
-            <a:schemeClr val="accent1"/>
-          </a:effectRef>
-          <a:fontRef idx="minor">
-            <a:schemeClr val="lt1"/>
-          </a:fontRef>
-        </p:style>
-        <p:txBody>
-          <a:bodyPr rtlCol="0" anchor="ctr"/>
-          <a:lstStyle/>
-          <a:p>
-            <a:pPr algn="ctr"/>
-            <a:endParaRPr lang="ko-KR" altLang="en-US" sz="1600" dirty="0">
+            <a:r>
+              <a:rPr lang="ko-KR" altLang="en-US" sz="2000" b="1">
+                <a:solidFill>
+                  <a:schemeClr val="tx1"/>
+                </a:solidFill>
+                <a:latin typeface="KoPubWorld돋움체 Medium" panose="00000600000000000000" pitchFamily="2" charset="-127"/>
+                <a:ea typeface="KoPubWorld돋움체 Medium" panose="00000600000000000000" pitchFamily="2" charset="-127"/>
+                <a:cs typeface="KoPubWorld돋움체 Medium" panose="00000600000000000000" pitchFamily="2" charset="-127"/>
+              </a:rPr>
+              <a:t>사용자 학습 퍼포먼스 향상</a:t>
+            </a:r>
+            <a:endParaRPr lang="ko-KR" altLang="en-US" sz="2000" b="1" dirty="0">
               <a:solidFill>
                 <a:schemeClr val="tx1"/>
               </a:solidFill>
@@ -11463,828 +10791,55 @@
       </p:sp>
       <p:sp>
         <p:nvSpPr>
-          <p:cNvPr id="30" name="직사각형 29">
-            <a:extLst>
-              <a:ext uri="{FF2B5EF4-FFF2-40B4-BE49-F238E27FC236}">
-                <a16:creationId xmlns:a16="http://schemas.microsoft.com/office/drawing/2014/main" id="{43BD37D3-FE00-4285-ADF5-BBC2323C4F0C}"/>
-              </a:ext>
-            </a:extLst>
-          </p:cNvPr>
-          <p:cNvSpPr/>
+          <p:cNvPr id="40" name="TextBox 39">
+            <a:extLst>
+              <a:ext uri="{FF2B5EF4-FFF2-40B4-BE49-F238E27FC236}">
+                <a16:creationId xmlns:a16="http://schemas.microsoft.com/office/drawing/2014/main" id="{5EE9CE64-DDEB-4CE2-834A-BA164EFBFA69}"/>
+              </a:ext>
+            </a:extLst>
+          </p:cNvPr>
+          <p:cNvSpPr txBox="1"/>
           <p:nvPr/>
         </p:nvSpPr>
         <p:spPr>
           <a:xfrm>
-            <a:off x="396240" y="1570589"/>
-            <a:ext cx="3438789" cy="800218"/>
-          </a:xfrm>
-          <a:prstGeom prst="rect">
-            <a:avLst/>
-          </a:prstGeom>
-          <a:solidFill>
-            <a:schemeClr val="accent5">
-              <a:lumMod val="20000"/>
-              <a:lumOff val="80000"/>
-            </a:schemeClr>
-          </a:solidFill>
-          <a:ln>
-            <a:noFill/>
-          </a:ln>
-        </p:spPr>
-        <p:style>
-          <a:lnRef idx="2">
-            <a:schemeClr val="accent1">
-              <a:shade val="50000"/>
-            </a:schemeClr>
-          </a:lnRef>
-          <a:fillRef idx="1">
-            <a:schemeClr val="accent1"/>
-          </a:fillRef>
-          <a:effectRef idx="0">
-            <a:schemeClr val="accent1"/>
-          </a:effectRef>
-          <a:fontRef idx="minor">
-            <a:schemeClr val="lt1"/>
-          </a:fontRef>
-        </p:style>
-        <p:txBody>
-          <a:bodyPr rtlCol="0" anchor="ctr"/>
-          <a:lstStyle/>
-          <a:p>
-            <a:pPr algn="ctr"/>
-            <a:endParaRPr lang="ko-KR" altLang="en-US" sz="1600" dirty="0">
-              <a:latin typeface="KoPubWorld돋움체 Medium" panose="00000600000000000000" pitchFamily="2" charset="-127"/>
-              <a:ea typeface="KoPubWorld돋움체 Medium" panose="00000600000000000000" pitchFamily="2" charset="-127"/>
-              <a:cs typeface="KoPubWorld돋움체 Medium" panose="00000600000000000000" pitchFamily="2" charset="-127"/>
-            </a:endParaRPr>
-          </a:p>
-        </p:txBody>
-      </p:sp>
-      <p:sp>
-        <p:nvSpPr>
-          <p:cNvPr id="10" name="직사각형 9">
-            <a:extLst>
-              <a:ext uri="{FF2B5EF4-FFF2-40B4-BE49-F238E27FC236}">
-                <a16:creationId xmlns:a16="http://schemas.microsoft.com/office/drawing/2014/main" id="{9A6A77CA-24EE-4F87-97B3-C2D6E1D40B10}"/>
-              </a:ext>
-            </a:extLst>
-          </p:cNvPr>
-          <p:cNvSpPr/>
-          <p:nvPr/>
-        </p:nvSpPr>
-        <p:spPr>
-          <a:xfrm>
-            <a:off x="1350040" y="1650361"/>
-            <a:ext cx="1531188" cy="400110"/>
-          </a:xfrm>
-          <a:prstGeom prst="rect">
-            <a:avLst/>
-          </a:prstGeom>
-        </p:spPr>
-        <p:txBody>
-          <a:bodyPr wrap="none">
-            <a:spAutoFit/>
-          </a:bodyPr>
-          <a:lstStyle/>
-          <a:p>
-            <a:pPr algn="ctr" fontAlgn="t"/>
-            <a:r>
-              <a:rPr lang="ko-KR" altLang="en-US" sz="2000" dirty="0" err="1">
-                <a:latin typeface="KoPubWorld돋움체 Bold" panose="00000800000000000000" pitchFamily="2" charset="-127"/>
-                <a:ea typeface="KoPubWorld돋움체 Bold" panose="00000800000000000000" pitchFamily="2" charset="-127"/>
-                <a:cs typeface="KoPubWorld돋움체 Bold" panose="00000800000000000000" pitchFamily="2" charset="-127"/>
-              </a:rPr>
-              <a:t>조이피트니스</a:t>
-            </a:r>
-            <a:endParaRPr lang="ko-KR" altLang="en-US" sz="2000" dirty="0">
-              <a:latin typeface="KoPubWorld돋움체 Bold" panose="00000800000000000000" pitchFamily="2" charset="-127"/>
-              <a:ea typeface="KoPubWorld돋움체 Bold" panose="00000800000000000000" pitchFamily="2" charset="-127"/>
-              <a:cs typeface="KoPubWorld돋움체 Bold" panose="00000800000000000000" pitchFamily="2" charset="-127"/>
-            </a:endParaRPr>
-          </a:p>
-        </p:txBody>
-      </p:sp>
-      <p:sp>
-        <p:nvSpPr>
-          <p:cNvPr id="13" name="직사각형 12">
-            <a:extLst>
-              <a:ext uri="{FF2B5EF4-FFF2-40B4-BE49-F238E27FC236}">
-                <a16:creationId xmlns:a16="http://schemas.microsoft.com/office/drawing/2014/main" id="{3B50A086-5F58-4683-9C36-9356713ECEA4}"/>
-              </a:ext>
-            </a:extLst>
-          </p:cNvPr>
-          <p:cNvSpPr/>
-          <p:nvPr/>
-        </p:nvSpPr>
-        <p:spPr>
-          <a:xfrm>
-            <a:off x="768150" y="2000467"/>
-            <a:ext cx="2694969" cy="307777"/>
-          </a:xfrm>
-          <a:prstGeom prst="rect">
-            <a:avLst/>
-          </a:prstGeom>
-        </p:spPr>
-        <p:txBody>
-          <a:bodyPr wrap="none">
-            <a:spAutoFit/>
-          </a:bodyPr>
-          <a:lstStyle/>
-          <a:p>
-            <a:pPr fontAlgn="t"/>
-            <a:r>
-              <a:rPr lang="ko-KR" altLang="en-US" sz="1400" dirty="0">
-                <a:latin typeface="KoPubWorld돋움체 Medium" panose="00000600000000000000" pitchFamily="2" charset="-127"/>
-                <a:ea typeface="KoPubWorld돋움체 Medium" panose="00000600000000000000" pitchFamily="2" charset="-127"/>
-                <a:cs typeface="KoPubWorld돋움체 Medium" panose="00000600000000000000" pitchFamily="2" charset="-127"/>
-              </a:rPr>
-              <a:t>개인화된 피트니스 트레이닝 플랫폼</a:t>
-            </a:r>
-          </a:p>
-        </p:txBody>
-      </p:sp>
-      <p:sp>
-        <p:nvSpPr>
-          <p:cNvPr id="16" name="직사각형 15">
-            <a:extLst>
-              <a:ext uri="{FF2B5EF4-FFF2-40B4-BE49-F238E27FC236}">
-                <a16:creationId xmlns:a16="http://schemas.microsoft.com/office/drawing/2014/main" id="{7F158475-4FAA-4320-9CC8-FA1D384E9862}"/>
-              </a:ext>
-            </a:extLst>
-          </p:cNvPr>
-          <p:cNvSpPr/>
-          <p:nvPr/>
-        </p:nvSpPr>
-        <p:spPr>
-          <a:xfrm>
-            <a:off x="485001" y="4987435"/>
-            <a:ext cx="3261266" cy="1061829"/>
-          </a:xfrm>
-          <a:prstGeom prst="rect">
-            <a:avLst/>
-          </a:prstGeom>
-        </p:spPr>
-        <p:txBody>
-          <a:bodyPr wrap="square">
-            <a:spAutoFit/>
-          </a:bodyPr>
-          <a:lstStyle/>
-          <a:p>
-            <a:pPr algn="ctr" fontAlgn="t">
-              <a:lnSpc>
-                <a:spcPct val="150000"/>
-              </a:lnSpc>
-            </a:pPr>
-            <a:r>
-              <a:rPr lang="en-US" altLang="ko-KR" sz="1400" dirty="0">
-                <a:solidFill>
-                  <a:srgbClr val="000000"/>
-                </a:solidFill>
-                <a:latin typeface="KoPubWorld돋움체 Medium" panose="00000600000000000000" pitchFamily="2" charset="-127"/>
-                <a:ea typeface="KoPubWorld돋움체 Medium" panose="00000600000000000000" pitchFamily="2" charset="-127"/>
-                <a:cs typeface="KoPubWorld돋움체 Medium" panose="00000600000000000000" pitchFamily="2" charset="-127"/>
-              </a:rPr>
-              <a:t>Depth</a:t>
-            </a:r>
-            <a:r>
-              <a:rPr lang="ko-KR" altLang="en-US" sz="1400" dirty="0">
-                <a:solidFill>
-                  <a:srgbClr val="000000"/>
-                </a:solidFill>
-                <a:latin typeface="KoPubWorld돋움체 Medium" panose="00000600000000000000" pitchFamily="2" charset="-127"/>
-                <a:ea typeface="KoPubWorld돋움체 Medium" panose="00000600000000000000" pitchFamily="2" charset="-127"/>
-                <a:cs typeface="KoPubWorld돋움체 Medium" panose="00000600000000000000" pitchFamily="2" charset="-127"/>
-              </a:rPr>
-              <a:t> </a:t>
-            </a:r>
-            <a:r>
-              <a:rPr lang="en-US" altLang="ko-KR" sz="1400" dirty="0">
-                <a:solidFill>
-                  <a:srgbClr val="000000"/>
-                </a:solidFill>
-                <a:latin typeface="KoPubWorld돋움체 Medium" panose="00000600000000000000" pitchFamily="2" charset="-127"/>
-                <a:ea typeface="KoPubWorld돋움체 Medium" panose="00000600000000000000" pitchFamily="2" charset="-127"/>
-                <a:cs typeface="KoPubWorld돋움체 Medium" panose="00000600000000000000" pitchFamily="2" charset="-127"/>
-              </a:rPr>
-              <a:t>Camera</a:t>
-            </a:r>
-            <a:r>
-              <a:rPr lang="ko-KR" altLang="en-US" sz="1400" dirty="0">
-                <a:solidFill>
-                  <a:srgbClr val="000000"/>
-                </a:solidFill>
-                <a:latin typeface="KoPubWorld돋움체 Medium" panose="00000600000000000000" pitchFamily="2" charset="-127"/>
-                <a:ea typeface="KoPubWorld돋움체 Medium" panose="00000600000000000000" pitchFamily="2" charset="-127"/>
-                <a:cs typeface="KoPubWorld돋움체 Medium" panose="00000600000000000000" pitchFamily="2" charset="-127"/>
-              </a:rPr>
-              <a:t>를 이용한 </a:t>
-            </a:r>
-            <a:endParaRPr lang="en-US" altLang="ko-KR" sz="1400" dirty="0">
-              <a:solidFill>
-                <a:srgbClr val="000000"/>
-              </a:solidFill>
-              <a:latin typeface="KoPubWorld돋움체 Medium" panose="00000600000000000000" pitchFamily="2" charset="-127"/>
-              <a:ea typeface="KoPubWorld돋움체 Medium" panose="00000600000000000000" pitchFamily="2" charset="-127"/>
-              <a:cs typeface="KoPubWorld돋움체 Medium" panose="00000600000000000000" pitchFamily="2" charset="-127"/>
-            </a:endParaRPr>
-          </a:p>
-          <a:p>
-            <a:pPr algn="ctr" fontAlgn="t">
-              <a:lnSpc>
-                <a:spcPct val="150000"/>
-              </a:lnSpc>
-            </a:pPr>
-            <a:r>
-              <a:rPr lang="ko-KR" altLang="en-US" sz="1400" dirty="0">
-                <a:solidFill>
-                  <a:srgbClr val="000000"/>
-                </a:solidFill>
-                <a:latin typeface="KoPubWorld돋움체 Medium" panose="00000600000000000000" pitchFamily="2" charset="-127"/>
-                <a:ea typeface="KoPubWorld돋움체 Medium" panose="00000600000000000000" pitchFamily="2" charset="-127"/>
-                <a:cs typeface="KoPubWorld돋움체 Medium" panose="00000600000000000000" pitchFamily="2" charset="-127"/>
-              </a:rPr>
-              <a:t>골격 구조 인식 및 이미지 대조 방식으로 </a:t>
-            </a:r>
-            <a:endParaRPr lang="en-US" altLang="ko-KR" sz="1400" dirty="0">
-              <a:solidFill>
-                <a:srgbClr val="000000"/>
-              </a:solidFill>
-              <a:latin typeface="KoPubWorld돋움체 Medium" panose="00000600000000000000" pitchFamily="2" charset="-127"/>
-              <a:ea typeface="KoPubWorld돋움체 Medium" panose="00000600000000000000" pitchFamily="2" charset="-127"/>
-              <a:cs typeface="KoPubWorld돋움체 Medium" panose="00000600000000000000" pitchFamily="2" charset="-127"/>
-            </a:endParaRPr>
-          </a:p>
-          <a:p>
-            <a:pPr algn="ctr" fontAlgn="t">
-              <a:lnSpc>
-                <a:spcPct val="150000"/>
-              </a:lnSpc>
-            </a:pPr>
-            <a:r>
-              <a:rPr lang="ko-KR" altLang="en-US" sz="1400" dirty="0">
-                <a:solidFill>
-                  <a:srgbClr val="000000"/>
-                </a:solidFill>
-                <a:latin typeface="KoPubWorld돋움체 Medium" panose="00000600000000000000" pitchFamily="2" charset="-127"/>
-                <a:ea typeface="KoPubWorld돋움체 Medium" panose="00000600000000000000" pitchFamily="2" charset="-127"/>
-                <a:cs typeface="KoPubWorld돋움체 Medium" panose="00000600000000000000" pitchFamily="2" charset="-127"/>
-              </a:rPr>
-              <a:t>동작 일치 여부 판단</a:t>
-            </a:r>
-            <a:endParaRPr lang="ko-KR" altLang="en-US" sz="1400" dirty="0">
-              <a:latin typeface="KoPubWorld돋움체 Medium" panose="00000600000000000000" pitchFamily="2" charset="-127"/>
-              <a:ea typeface="KoPubWorld돋움체 Medium" panose="00000600000000000000" pitchFamily="2" charset="-127"/>
-              <a:cs typeface="KoPubWorld돋움체 Medium" panose="00000600000000000000" pitchFamily="2" charset="-127"/>
-            </a:endParaRPr>
-          </a:p>
-        </p:txBody>
-      </p:sp>
-      <p:pic>
-        <p:nvPicPr>
-          <p:cNvPr id="2052" name="Picture 4">
-            <a:extLst>
-              <a:ext uri="{FF2B5EF4-FFF2-40B4-BE49-F238E27FC236}">
-                <a16:creationId xmlns:a16="http://schemas.microsoft.com/office/drawing/2014/main" id="{16929F18-EB06-48C0-889B-1C5F804F8057}"/>
-              </a:ext>
-            </a:extLst>
-          </p:cNvPr>
-          <p:cNvPicPr>
-            <a:picLocks noChangeAspect="1" noChangeArrowheads="1"/>
-          </p:cNvPicPr>
-          <p:nvPr/>
-        </p:nvPicPr>
-        <p:blipFill rotWithShape="1">
-          <a:blip r:embed="rId2">
-            <a:extLst>
-              <a:ext uri="{28A0092B-C50C-407E-A947-70E740481C1C}">
-                <a14:useLocalDpi xmlns:a14="http://schemas.microsoft.com/office/drawing/2010/main" val="0"/>
-              </a:ext>
-            </a:extLst>
-          </a:blip>
-          <a:srcRect l="7231" t="13107" r="24618" b="20976"/>
-          <a:stretch/>
-        </p:blipFill>
-        <p:spPr bwMode="auto">
-          <a:xfrm>
-            <a:off x="409311" y="2594448"/>
-            <a:ext cx="3412646" cy="2097655"/>
+            <a:off x="268843" y="247013"/>
+            <a:ext cx="4857751" cy="523220"/>
           </a:xfrm>
           <a:prstGeom prst="rect">
             <a:avLst/>
           </a:prstGeom>
           <a:noFill/>
-          <a:extLst>
-            <a:ext uri="{909E8E84-426E-40DD-AFC4-6F175D3DCCD1}">
-              <a14:hiddenFill xmlns:a14="http://schemas.microsoft.com/office/drawing/2010/main">
-                <a:solidFill>
-                  <a:srgbClr val="FFFFFF"/>
-                </a:solidFill>
-              </a14:hiddenFill>
-            </a:ext>
-          </a:extLst>
-        </p:spPr>
-      </p:pic>
-      <p:pic>
-        <p:nvPicPr>
-          <p:cNvPr id="4" name="그림 3">
-            <a:extLst>
-              <a:ext uri="{FF2B5EF4-FFF2-40B4-BE49-F238E27FC236}">
-                <a16:creationId xmlns:a16="http://schemas.microsoft.com/office/drawing/2014/main" id="{45DFF575-A590-481D-8D51-ED29AFCDC7BC}"/>
-              </a:ext>
-            </a:extLst>
-          </p:cNvPr>
-          <p:cNvPicPr>
-            <a:picLocks noChangeAspect="1"/>
-          </p:cNvPicPr>
-          <p:nvPr/>
-        </p:nvPicPr>
-        <p:blipFill rotWithShape="1">
-          <a:blip r:embed="rId3"/>
-          <a:srcRect l="17682" t="26166" r="18234" b="16543"/>
-          <a:stretch/>
-        </p:blipFill>
-        <p:spPr>
-          <a:xfrm>
-            <a:off x="4618067" y="2448145"/>
-            <a:ext cx="2962567" cy="2441060"/>
-          </a:xfrm>
-          <a:prstGeom prst="rect">
-            <a:avLst/>
-          </a:prstGeom>
-        </p:spPr>
-      </p:pic>
-      <p:sp>
-        <p:nvSpPr>
-          <p:cNvPr id="11" name="직사각형 10">
-            <a:extLst>
-              <a:ext uri="{FF2B5EF4-FFF2-40B4-BE49-F238E27FC236}">
-                <a16:creationId xmlns:a16="http://schemas.microsoft.com/office/drawing/2014/main" id="{FF4B8B9B-4C70-4BAA-AA4D-3D29C3C09D0E}"/>
-              </a:ext>
-            </a:extLst>
-          </p:cNvPr>
-          <p:cNvSpPr/>
-          <p:nvPr/>
-        </p:nvSpPr>
-        <p:spPr>
-          <a:xfrm>
-            <a:off x="4700730" y="1650361"/>
-            <a:ext cx="2797240" cy="400110"/>
-          </a:xfrm>
-          <a:prstGeom prst="rect">
-            <a:avLst/>
-          </a:prstGeom>
-        </p:spPr>
-        <p:txBody>
-          <a:bodyPr wrap="none">
+          <a:ln>
+            <a:noFill/>
+          </a:ln>
+        </p:spPr>
+        <p:txBody>
+          <a:bodyPr wrap="square" rtlCol="0">
             <a:spAutoFit/>
           </a:bodyPr>
           <a:lstStyle/>
           <a:p>
-            <a:pPr algn="ctr" fontAlgn="t"/>
-            <a:r>
-              <a:rPr lang="ko-KR" altLang="en-US" sz="2000" dirty="0" err="1">
+            <a:r>
+              <a:rPr lang="ko-KR" altLang="en-US" sz="2800" b="1" dirty="0">
+                <a:solidFill>
+                  <a:schemeClr val="bg1"/>
+                </a:solidFill>
                 <a:latin typeface="KoPubWorld돋움체 Bold" panose="00000800000000000000" pitchFamily="2" charset="-127"/>
                 <a:ea typeface="KoPubWorld돋움체 Bold" panose="00000800000000000000" pitchFamily="2" charset="-127"/>
                 <a:cs typeface="KoPubWorld돋움체 Bold" panose="00000800000000000000" pitchFamily="2" charset="-127"/>
               </a:rPr>
-              <a:t>스마트홈트</a:t>
-            </a:r>
-            <a:r>
-              <a:rPr lang="ko-KR" altLang="en-US" sz="2000" dirty="0">
-                <a:latin typeface="KoPubWorld돋움체 Bold" panose="00000800000000000000" pitchFamily="2" charset="-127"/>
-                <a:ea typeface="KoPubWorld돋움체 Bold" panose="00000800000000000000" pitchFamily="2" charset="-127"/>
-                <a:cs typeface="KoPubWorld돋움체 Bold" panose="00000800000000000000" pitchFamily="2" charset="-127"/>
-              </a:rPr>
-              <a:t> </a:t>
-            </a:r>
-            <a:r>
-              <a:rPr lang="en-US" altLang="ko-KR" sz="2000" dirty="0">
-                <a:latin typeface="KoPubWorld돋움체 Bold" panose="00000800000000000000" pitchFamily="2" charset="-127"/>
-                <a:ea typeface="KoPubWorld돋움체 Bold" panose="00000800000000000000" pitchFamily="2" charset="-127"/>
-                <a:cs typeface="KoPubWorld돋움체 Bold" panose="00000800000000000000" pitchFamily="2" charset="-127"/>
-              </a:rPr>
-              <a:t>by </a:t>
-            </a:r>
-            <a:r>
-              <a:rPr lang="en-US" altLang="ko-KR" sz="2000" dirty="0" err="1">
-                <a:latin typeface="KoPubWorld돋움체 Bold" panose="00000800000000000000" pitchFamily="2" charset="-127"/>
-                <a:ea typeface="KoPubWorld돋움체 Bold" panose="00000800000000000000" pitchFamily="2" charset="-127"/>
-                <a:cs typeface="KoPubWorld돋움체 Bold" panose="00000800000000000000" pitchFamily="2" charset="-127"/>
-              </a:rPr>
-              <a:t>Kakao</a:t>
-            </a:r>
-            <a:r>
-              <a:rPr lang="en-US" altLang="ko-KR" sz="2000" dirty="0">
-                <a:latin typeface="KoPubWorld돋움체 Bold" panose="00000800000000000000" pitchFamily="2" charset="-127"/>
-                <a:ea typeface="KoPubWorld돋움체 Bold" panose="00000800000000000000" pitchFamily="2" charset="-127"/>
-                <a:cs typeface="KoPubWorld돋움체 Bold" panose="00000800000000000000" pitchFamily="2" charset="-127"/>
-              </a:rPr>
-              <a:t> VX</a:t>
-            </a:r>
-            <a:endParaRPr lang="ko-KR" altLang="en-US" sz="2000" dirty="0">
-              <a:latin typeface="KoPubWorld돋움체 Bold" panose="00000800000000000000" pitchFamily="2" charset="-127"/>
-              <a:ea typeface="KoPubWorld돋움체 Bold" panose="00000800000000000000" pitchFamily="2" charset="-127"/>
-              <a:cs typeface="KoPubWorld돋움체 Bold" panose="00000800000000000000" pitchFamily="2" charset="-127"/>
-            </a:endParaRPr>
-          </a:p>
-        </p:txBody>
-      </p:sp>
-      <p:sp>
-        <p:nvSpPr>
-          <p:cNvPr id="14" name="직사각형 13">
-            <a:extLst>
-              <a:ext uri="{FF2B5EF4-FFF2-40B4-BE49-F238E27FC236}">
-                <a16:creationId xmlns:a16="http://schemas.microsoft.com/office/drawing/2014/main" id="{26997BB4-11AF-4BCC-AA08-CC3F994BBEB4}"/>
-              </a:ext>
-            </a:extLst>
-          </p:cNvPr>
-          <p:cNvSpPr/>
-          <p:nvPr/>
-        </p:nvSpPr>
-        <p:spPr>
-          <a:xfrm>
-            <a:off x="5033995" y="2000467"/>
-            <a:ext cx="2130711" cy="307777"/>
-          </a:xfrm>
-          <a:prstGeom prst="rect">
-            <a:avLst/>
-          </a:prstGeom>
-        </p:spPr>
-        <p:txBody>
-          <a:bodyPr wrap="none">
-            <a:spAutoFit/>
-          </a:bodyPr>
-          <a:lstStyle/>
-          <a:p>
-            <a:r>
-              <a:rPr lang="en-US" altLang="ko-KR" sz="1400" dirty="0">
-                <a:latin typeface="KoPubWorld돋움체 Medium" panose="00000600000000000000" pitchFamily="2" charset="-127"/>
-                <a:ea typeface="KoPubWorld돋움체 Medium" panose="00000600000000000000" pitchFamily="2" charset="-127"/>
-                <a:cs typeface="KoPubWorld돋움체 Medium" panose="00000600000000000000" pitchFamily="2" charset="-127"/>
-              </a:rPr>
-              <a:t>AI</a:t>
-            </a:r>
-            <a:r>
-              <a:rPr lang="ko-KR" altLang="en-US" sz="1400" dirty="0">
-                <a:latin typeface="KoPubWorld돋움체 Medium" panose="00000600000000000000" pitchFamily="2" charset="-127"/>
-                <a:ea typeface="KoPubWorld돋움체 Medium" panose="00000600000000000000" pitchFamily="2" charset="-127"/>
-                <a:cs typeface="KoPubWorld돋움체 Medium" panose="00000600000000000000" pitchFamily="2" charset="-127"/>
-              </a:rPr>
-              <a:t> 코칭 </a:t>
-            </a:r>
-            <a:r>
-              <a:rPr lang="ko-KR" altLang="en-US" sz="1400" dirty="0" err="1">
-                <a:latin typeface="KoPubWorld돋움체 Medium" panose="00000600000000000000" pitchFamily="2" charset="-127"/>
-                <a:ea typeface="KoPubWorld돋움체 Medium" panose="00000600000000000000" pitchFamily="2" charset="-127"/>
-                <a:cs typeface="KoPubWorld돋움체 Medium" panose="00000600000000000000" pitchFamily="2" charset="-127"/>
-              </a:rPr>
-              <a:t>홈트레이닝</a:t>
-            </a:r>
-            <a:r>
-              <a:rPr lang="ko-KR" altLang="en-US" sz="1400" dirty="0">
-                <a:latin typeface="KoPubWorld돋움체 Medium" panose="00000600000000000000" pitchFamily="2" charset="-127"/>
-                <a:ea typeface="KoPubWorld돋움체 Medium" panose="00000600000000000000" pitchFamily="2" charset="-127"/>
-                <a:cs typeface="KoPubWorld돋움체 Medium" panose="00000600000000000000" pitchFamily="2" charset="-127"/>
-              </a:rPr>
-              <a:t> 전문 앱</a:t>
-            </a:r>
-            <a:endParaRPr lang="ko-KR" altLang="en-US" sz="1400" dirty="0"/>
-          </a:p>
-        </p:txBody>
-      </p:sp>
-      <p:sp>
-        <p:nvSpPr>
-          <p:cNvPr id="17" name="직사각형 16">
-            <a:extLst>
-              <a:ext uri="{FF2B5EF4-FFF2-40B4-BE49-F238E27FC236}">
-                <a16:creationId xmlns:a16="http://schemas.microsoft.com/office/drawing/2014/main" id="{8E2CD1F5-E7BE-47DA-B5F0-10841435C58B}"/>
-              </a:ext>
-            </a:extLst>
-          </p:cNvPr>
-          <p:cNvSpPr/>
-          <p:nvPr/>
-        </p:nvSpPr>
-        <p:spPr>
-          <a:xfrm>
-            <a:off x="4533783" y="4987436"/>
-            <a:ext cx="3131134" cy="1061829"/>
-          </a:xfrm>
-          <a:prstGeom prst="rect">
-            <a:avLst/>
-          </a:prstGeom>
-        </p:spPr>
-        <p:txBody>
-          <a:bodyPr wrap="square">
-            <a:spAutoFit/>
-          </a:bodyPr>
-          <a:lstStyle/>
-          <a:p>
-            <a:pPr algn="ctr" fontAlgn="t">
-              <a:lnSpc>
-                <a:spcPct val="150000"/>
-              </a:lnSpc>
-            </a:pPr>
-            <a:r>
-              <a:rPr lang="ko-KR" altLang="en-US" sz="1400" dirty="0">
-                <a:solidFill>
-                  <a:srgbClr val="000000"/>
-                </a:solidFill>
-                <a:latin typeface="KoPubWorld돋움체 Medium" panose="00000600000000000000" pitchFamily="2" charset="-127"/>
-                <a:ea typeface="KoPubWorld돋움체 Medium" panose="00000600000000000000" pitchFamily="2" charset="-127"/>
-                <a:cs typeface="KoPubWorld돋움체 Medium" panose="00000600000000000000" pitchFamily="2" charset="-127"/>
-              </a:rPr>
-              <a:t>딥러닝 기반 </a:t>
-            </a:r>
-            <a:r>
-              <a:rPr lang="en-US" altLang="ko-KR" sz="1400" dirty="0">
-                <a:solidFill>
-                  <a:srgbClr val="000000"/>
-                </a:solidFill>
-                <a:latin typeface="KoPubWorld돋움체 Medium" panose="00000600000000000000" pitchFamily="2" charset="-127"/>
-                <a:ea typeface="KoPubWorld돋움체 Medium" panose="00000600000000000000" pitchFamily="2" charset="-127"/>
-                <a:cs typeface="KoPubWorld돋움체 Medium" panose="00000600000000000000" pitchFamily="2" charset="-127"/>
-              </a:rPr>
-              <a:t>AI</a:t>
-            </a:r>
-            <a:r>
-              <a:rPr lang="ko-KR" altLang="en-US" sz="1400" dirty="0">
-                <a:solidFill>
-                  <a:srgbClr val="000000"/>
-                </a:solidFill>
-                <a:latin typeface="KoPubWorld돋움체 Medium" panose="00000600000000000000" pitchFamily="2" charset="-127"/>
-                <a:ea typeface="KoPubWorld돋움체 Medium" panose="00000600000000000000" pitchFamily="2" charset="-127"/>
-                <a:cs typeface="KoPubWorld돋움체 Medium" panose="00000600000000000000" pitchFamily="2" charset="-127"/>
-              </a:rPr>
-              <a:t> 기술을 활용하여</a:t>
-            </a:r>
-            <a:endParaRPr lang="en-US" altLang="ko-KR" sz="1400" dirty="0">
-              <a:solidFill>
-                <a:srgbClr val="000000"/>
-              </a:solidFill>
-              <a:latin typeface="KoPubWorld돋움체 Medium" panose="00000600000000000000" pitchFamily="2" charset="-127"/>
-              <a:ea typeface="KoPubWorld돋움체 Medium" panose="00000600000000000000" pitchFamily="2" charset="-127"/>
-              <a:cs typeface="KoPubWorld돋움체 Medium" panose="00000600000000000000" pitchFamily="2" charset="-127"/>
-            </a:endParaRPr>
-          </a:p>
-          <a:p>
-            <a:pPr algn="ctr" fontAlgn="t">
-              <a:lnSpc>
-                <a:spcPct val="150000"/>
-              </a:lnSpc>
-            </a:pPr>
-            <a:r>
-              <a:rPr lang="ko-KR" altLang="en-US" sz="1400" dirty="0">
-                <a:solidFill>
-                  <a:srgbClr val="000000"/>
-                </a:solidFill>
-                <a:latin typeface="KoPubWorld돋움체 Medium" panose="00000600000000000000" pitchFamily="2" charset="-127"/>
-                <a:ea typeface="KoPubWorld돋움체 Medium" panose="00000600000000000000" pitchFamily="2" charset="-127"/>
-                <a:cs typeface="KoPubWorld돋움체 Medium" panose="00000600000000000000" pitchFamily="2" charset="-127"/>
-              </a:rPr>
-              <a:t>이용자의 실시간 관절 움직임을 추출하고 분석 후 올바른 운동 자세 추천</a:t>
-            </a:r>
-            <a:endParaRPr lang="ko-KR" altLang="en-US" sz="1400" dirty="0">
-              <a:latin typeface="KoPubWorld돋움체 Medium" panose="00000600000000000000" pitchFamily="2" charset="-127"/>
-              <a:ea typeface="KoPubWorld돋움체 Medium" panose="00000600000000000000" pitchFamily="2" charset="-127"/>
-              <a:cs typeface="KoPubWorld돋움체 Medium" panose="00000600000000000000" pitchFamily="2" charset="-127"/>
-            </a:endParaRPr>
-          </a:p>
-        </p:txBody>
-      </p:sp>
-      <p:sp>
-        <p:nvSpPr>
-          <p:cNvPr id="12" name="직사각형 11">
-            <a:extLst>
-              <a:ext uri="{FF2B5EF4-FFF2-40B4-BE49-F238E27FC236}">
-                <a16:creationId xmlns:a16="http://schemas.microsoft.com/office/drawing/2014/main" id="{3829DDA6-C422-45DA-8C16-6FF642A3A617}"/>
-              </a:ext>
-            </a:extLst>
-          </p:cNvPr>
-          <p:cNvSpPr/>
-          <p:nvPr/>
-        </p:nvSpPr>
-        <p:spPr>
-          <a:xfrm>
-            <a:off x="9719848" y="1650361"/>
-            <a:ext cx="771365" cy="400110"/>
-          </a:xfrm>
-          <a:prstGeom prst="rect">
-            <a:avLst/>
-          </a:prstGeom>
-        </p:spPr>
-        <p:txBody>
-          <a:bodyPr wrap="none">
-            <a:spAutoFit/>
-          </a:bodyPr>
-          <a:lstStyle/>
-          <a:p>
-            <a:pPr algn="ctr" fontAlgn="t"/>
-            <a:r>
-              <a:rPr lang="en-US" altLang="ko-KR" sz="2000" dirty="0">
-                <a:latin typeface="KoPubWorld돋움체 Bold" panose="00000800000000000000" pitchFamily="2" charset="-127"/>
-                <a:ea typeface="KoPubWorld돋움체 Bold" panose="00000800000000000000" pitchFamily="2" charset="-127"/>
-                <a:cs typeface="KoPubWorld돋움체 Bold" panose="00000800000000000000" pitchFamily="2" charset="-127"/>
-              </a:rPr>
-              <a:t>12PT</a:t>
-            </a:r>
-            <a:endParaRPr lang="ko-KR" altLang="en-US" sz="2000" dirty="0">
-              <a:latin typeface="KoPubWorld돋움체 Bold" panose="00000800000000000000" pitchFamily="2" charset="-127"/>
-              <a:ea typeface="KoPubWorld돋움체 Bold" panose="00000800000000000000" pitchFamily="2" charset="-127"/>
-              <a:cs typeface="KoPubWorld돋움체 Bold" panose="00000800000000000000" pitchFamily="2" charset="-127"/>
-            </a:endParaRPr>
-          </a:p>
-        </p:txBody>
-      </p:sp>
-      <p:sp>
-        <p:nvSpPr>
-          <p:cNvPr id="15" name="직사각형 14">
-            <a:extLst>
-              <a:ext uri="{FF2B5EF4-FFF2-40B4-BE49-F238E27FC236}">
-                <a16:creationId xmlns:a16="http://schemas.microsoft.com/office/drawing/2014/main" id="{48143F88-E4C5-4250-9F7D-E7CA8342E485}"/>
-              </a:ext>
-            </a:extLst>
-          </p:cNvPr>
-          <p:cNvSpPr/>
-          <p:nvPr/>
-        </p:nvSpPr>
-        <p:spPr>
-          <a:xfrm>
-            <a:off x="8725986" y="2000467"/>
-            <a:ext cx="2759089" cy="307777"/>
-          </a:xfrm>
-          <a:prstGeom prst="rect">
-            <a:avLst/>
-          </a:prstGeom>
-        </p:spPr>
-        <p:txBody>
-          <a:bodyPr wrap="none">
-            <a:spAutoFit/>
-          </a:bodyPr>
-          <a:lstStyle/>
-          <a:p>
-            <a:pPr fontAlgn="t"/>
-            <a:r>
-              <a:rPr lang="ko-KR" altLang="en-US" sz="1400" dirty="0">
-                <a:latin typeface="KoPubWorld돋움체 Medium" panose="00000600000000000000" pitchFamily="2" charset="-127"/>
-                <a:ea typeface="KoPubWorld돋움체 Medium" panose="00000600000000000000" pitchFamily="2" charset="-127"/>
-                <a:cs typeface="KoPubWorld돋움체 Medium" panose="00000600000000000000" pitchFamily="2" charset="-127"/>
-              </a:rPr>
-              <a:t>자세교정이 가능한 </a:t>
-            </a:r>
-            <a:r>
-              <a:rPr lang="en-US" altLang="ko-KR" sz="1400" dirty="0">
-                <a:latin typeface="KoPubWorld돋움체 Medium" panose="00000600000000000000" pitchFamily="2" charset="-127"/>
-                <a:ea typeface="KoPubWorld돋움체 Medium" panose="00000600000000000000" pitchFamily="2" charset="-127"/>
-                <a:cs typeface="KoPubWorld돋움체 Medium" panose="00000600000000000000" pitchFamily="2" charset="-127"/>
-              </a:rPr>
-              <a:t>AI</a:t>
-            </a:r>
-            <a:r>
-              <a:rPr lang="ko-KR" altLang="en-US" sz="1400" dirty="0">
-                <a:latin typeface="KoPubWorld돋움체 Medium" panose="00000600000000000000" pitchFamily="2" charset="-127"/>
-                <a:ea typeface="KoPubWorld돋움체 Medium" panose="00000600000000000000" pitchFamily="2" charset="-127"/>
-                <a:cs typeface="KoPubWorld돋움체 Medium" panose="00000600000000000000" pitchFamily="2" charset="-127"/>
-              </a:rPr>
-              <a:t> </a:t>
-            </a:r>
-            <a:r>
-              <a:rPr lang="ko-KR" altLang="en-US" sz="1400" dirty="0" err="1">
-                <a:latin typeface="KoPubWorld돋움체 Medium" panose="00000600000000000000" pitchFamily="2" charset="-127"/>
-                <a:ea typeface="KoPubWorld돋움체 Medium" panose="00000600000000000000" pitchFamily="2" charset="-127"/>
-                <a:cs typeface="KoPubWorld돋움체 Medium" panose="00000600000000000000" pitchFamily="2" charset="-127"/>
-              </a:rPr>
-              <a:t>홈트레이닝</a:t>
-            </a:r>
-            <a:r>
-              <a:rPr lang="ko-KR" altLang="en-US" sz="1400" dirty="0">
-                <a:latin typeface="KoPubWorld돋움체 Medium" panose="00000600000000000000" pitchFamily="2" charset="-127"/>
-                <a:ea typeface="KoPubWorld돋움체 Medium" panose="00000600000000000000" pitchFamily="2" charset="-127"/>
-                <a:cs typeface="KoPubWorld돋움체 Medium" panose="00000600000000000000" pitchFamily="2" charset="-127"/>
-              </a:rPr>
-              <a:t> 앱</a:t>
-            </a:r>
-          </a:p>
-        </p:txBody>
-      </p:sp>
-      <p:sp>
-        <p:nvSpPr>
-          <p:cNvPr id="18" name="직사각형 17">
-            <a:extLst>
-              <a:ext uri="{FF2B5EF4-FFF2-40B4-BE49-F238E27FC236}">
-                <a16:creationId xmlns:a16="http://schemas.microsoft.com/office/drawing/2014/main" id="{B223EBD3-EF5F-4B3B-95E7-95168EB9DD96}"/>
-              </a:ext>
-            </a:extLst>
-          </p:cNvPr>
-          <p:cNvSpPr/>
-          <p:nvPr/>
-        </p:nvSpPr>
-        <p:spPr>
-          <a:xfrm>
-            <a:off x="8394302" y="4987437"/>
-            <a:ext cx="3422456" cy="1061829"/>
-          </a:xfrm>
-          <a:prstGeom prst="rect">
-            <a:avLst/>
-          </a:prstGeom>
-        </p:spPr>
-        <p:txBody>
-          <a:bodyPr wrap="square">
-            <a:spAutoFit/>
-          </a:bodyPr>
-          <a:lstStyle/>
-          <a:p>
-            <a:pPr algn="ctr" fontAlgn="t">
-              <a:lnSpc>
-                <a:spcPct val="150000"/>
-              </a:lnSpc>
-            </a:pPr>
-            <a:r>
-              <a:rPr lang="ko-KR" altLang="en-US" sz="1400" dirty="0">
-                <a:latin typeface="KoPubWorld돋움체 Medium" panose="00000600000000000000" pitchFamily="2" charset="-127"/>
-                <a:ea typeface="KoPubWorld돋움체 Medium" panose="00000600000000000000" pitchFamily="2" charset="-127"/>
-                <a:cs typeface="KoPubWorld돋움체 Medium" panose="00000600000000000000" pitchFamily="2" charset="-127"/>
-              </a:rPr>
-              <a:t>딥러닝 기술을 활용하여 </a:t>
-            </a:r>
-            <a:endParaRPr lang="en-US" altLang="ko-KR" sz="1400" dirty="0">
-              <a:latin typeface="KoPubWorld돋움체 Medium" panose="00000600000000000000" pitchFamily="2" charset="-127"/>
-              <a:ea typeface="KoPubWorld돋움체 Medium" panose="00000600000000000000" pitchFamily="2" charset="-127"/>
-              <a:cs typeface="KoPubWorld돋움체 Medium" panose="00000600000000000000" pitchFamily="2" charset="-127"/>
-            </a:endParaRPr>
-          </a:p>
-          <a:p>
-            <a:pPr algn="ctr" fontAlgn="t">
-              <a:lnSpc>
-                <a:spcPct val="150000"/>
-              </a:lnSpc>
-            </a:pPr>
-            <a:r>
-              <a:rPr lang="ko-KR" altLang="en-US" sz="1400" dirty="0">
-                <a:latin typeface="KoPubWorld돋움체 Medium" panose="00000600000000000000" pitchFamily="2" charset="-127"/>
-                <a:ea typeface="KoPubWorld돋움체 Medium" panose="00000600000000000000" pitchFamily="2" charset="-127"/>
-                <a:cs typeface="KoPubWorld돋움체 Medium" panose="00000600000000000000" pitchFamily="2" charset="-127"/>
-              </a:rPr>
-              <a:t>실시간 관절 추정 및 실시간 카운트</a:t>
-            </a:r>
-            <a:endParaRPr lang="en-US" altLang="ko-KR" sz="1400" dirty="0">
-              <a:latin typeface="KoPubWorld돋움체 Medium" panose="00000600000000000000" pitchFamily="2" charset="-127"/>
-              <a:ea typeface="KoPubWorld돋움체 Medium" panose="00000600000000000000" pitchFamily="2" charset="-127"/>
-              <a:cs typeface="KoPubWorld돋움체 Medium" panose="00000600000000000000" pitchFamily="2" charset="-127"/>
-            </a:endParaRPr>
-          </a:p>
-          <a:p>
-            <a:pPr algn="ctr" fontAlgn="t">
-              <a:lnSpc>
-                <a:spcPct val="150000"/>
-              </a:lnSpc>
-            </a:pPr>
-            <a:r>
-              <a:rPr lang="ko-KR" altLang="en-US" sz="1400" dirty="0">
-                <a:latin typeface="KoPubWorld돋움체 Medium" panose="00000600000000000000" pitchFamily="2" charset="-127"/>
-                <a:ea typeface="KoPubWorld돋움체 Medium" panose="00000600000000000000" pitchFamily="2" charset="-127"/>
-                <a:cs typeface="KoPubWorld돋움체 Medium" panose="00000600000000000000" pitchFamily="2" charset="-127"/>
-              </a:rPr>
-              <a:t>축적된 데이터로 개인의 운동 패턴 분석</a:t>
-            </a:r>
-          </a:p>
-        </p:txBody>
-      </p:sp>
-      <p:pic>
-        <p:nvPicPr>
-          <p:cNvPr id="19" name="그림 18">
-            <a:extLst>
-              <a:ext uri="{FF2B5EF4-FFF2-40B4-BE49-F238E27FC236}">
-                <a16:creationId xmlns:a16="http://schemas.microsoft.com/office/drawing/2014/main" id="{7095896A-768F-466D-9ED9-F863082845CA}"/>
-              </a:ext>
-            </a:extLst>
-          </p:cNvPr>
-          <p:cNvPicPr>
-            <a:picLocks noChangeAspect="1"/>
-          </p:cNvPicPr>
-          <p:nvPr/>
-        </p:nvPicPr>
-        <p:blipFill>
-          <a:blip r:embed="rId4"/>
-          <a:stretch>
-            <a:fillRect/>
-          </a:stretch>
-        </p:blipFill>
-        <p:spPr>
-          <a:xfrm>
-            <a:off x="8407374" y="2473545"/>
-            <a:ext cx="3396312" cy="2441060"/>
-          </a:xfrm>
-          <a:prstGeom prst="rect">
-            <a:avLst/>
-          </a:prstGeom>
-        </p:spPr>
-      </p:pic>
-      <p:sp>
-        <p:nvSpPr>
-          <p:cNvPr id="24" name="직사각형 23">
-            <a:extLst>
-              <a:ext uri="{FF2B5EF4-FFF2-40B4-BE49-F238E27FC236}">
-                <a16:creationId xmlns:a16="http://schemas.microsoft.com/office/drawing/2014/main" id="{FF70AD26-8835-478C-8D88-02041588EF60}"/>
+              <a:t>추진 배경</a:t>
+            </a:r>
+          </a:p>
+        </p:txBody>
+      </p:sp>
+      <p:sp>
+        <p:nvSpPr>
+          <p:cNvPr id="48" name="직사각형 47">
+            <a:extLst>
+              <a:ext uri="{FF2B5EF4-FFF2-40B4-BE49-F238E27FC236}">
+                <a16:creationId xmlns:a16="http://schemas.microsoft.com/office/drawing/2014/main" id="{1CC6E647-2803-4F3E-ADCB-CB0C9D33EEA3}"/>
               </a:ext>
             </a:extLst>
           </p:cNvPr>
@@ -12356,10 +10911,10 @@
       </p:sp>
       <p:sp>
         <p:nvSpPr>
-          <p:cNvPr id="25" name="TextBox 24">
-            <a:extLst>
-              <a:ext uri="{FF2B5EF4-FFF2-40B4-BE49-F238E27FC236}">
-                <a16:creationId xmlns:a16="http://schemas.microsoft.com/office/drawing/2014/main" id="{0DFF1540-E033-4CA8-938A-47C77AE6AF0A}"/>
+          <p:cNvPr id="49" name="TextBox 48">
+            <a:extLst>
+              <a:ext uri="{FF2B5EF4-FFF2-40B4-BE49-F238E27FC236}">
+                <a16:creationId xmlns:a16="http://schemas.microsoft.com/office/drawing/2014/main" id="{33FE0734-10E8-4254-ABB1-7B20EE7F536D}"/>
               </a:ext>
             </a:extLst>
           </p:cNvPr>
@@ -12369,7 +10924,7 @@
         <p:spPr>
           <a:xfrm>
             <a:off x="135645" y="253186"/>
-            <a:ext cx="4857751" cy="553998"/>
+            <a:ext cx="4857751" cy="584775"/>
           </a:xfrm>
           <a:prstGeom prst="rect">
             <a:avLst/>
@@ -12385,12 +10940,8 @@
           </a:bodyPr>
           <a:lstStyle/>
           <a:p>
-            <a:pPr marL="571500" indent="-571500">
-              <a:buFont typeface="+mj-lt"/>
-              <a:buAutoNum type="romanUcPeriod" startAt="4"/>
-            </a:pPr>
-            <a:r>
-              <a:rPr lang="ko-KR" altLang="en-US" sz="3000" b="1" dirty="0">
+            <a:r>
+              <a:rPr lang="en-US" altLang="ko-KR" sz="3200" b="1">
                 <a:solidFill>
                   <a:schemeClr val="bg1"/>
                 </a:solidFill>
@@ -12398,17 +10949,212 @@
                 <a:ea typeface="KoPubWorld돋움체 Bold" panose="00000800000000000000" pitchFamily="2" charset="-127"/>
                 <a:cs typeface="KoPubWorld돋움체 Bold" panose="00000800000000000000" pitchFamily="2" charset="-127"/>
               </a:rPr>
-              <a:t>유사 아이디어</a:t>
-            </a:r>
-          </a:p>
-        </p:txBody>
-      </p:sp>
-      <p:sp>
-        <p:nvSpPr>
-          <p:cNvPr id="42" name="직사각형 41">
-            <a:extLst>
-              <a:ext uri="{FF2B5EF4-FFF2-40B4-BE49-F238E27FC236}">
-                <a16:creationId xmlns:a16="http://schemas.microsoft.com/office/drawing/2014/main" id="{761029DA-6816-48DE-9D9D-365664DD372F}"/>
+              <a:t>lll</a:t>
+            </a:r>
+            <a:r>
+              <a:rPr lang="en-US" altLang="ko-KR" sz="3000" b="1">
+                <a:solidFill>
+                  <a:schemeClr val="bg1"/>
+                </a:solidFill>
+                <a:latin typeface="KoPubWorld돋움체 Bold" panose="00000800000000000000" pitchFamily="2" charset="-127"/>
+                <a:ea typeface="KoPubWorld돋움체 Bold" panose="00000800000000000000" pitchFamily="2" charset="-127"/>
+                <a:cs typeface="KoPubWorld돋움체 Bold" panose="00000800000000000000" pitchFamily="2" charset="-127"/>
+              </a:rPr>
+              <a:t>. </a:t>
+            </a:r>
+            <a:r>
+              <a:rPr lang="ko-KR" altLang="en-US" sz="3000" b="1">
+                <a:solidFill>
+                  <a:schemeClr val="bg1"/>
+                </a:solidFill>
+                <a:latin typeface="KoPubWorld돋움체 Bold" panose="00000800000000000000" pitchFamily="2" charset="-127"/>
+                <a:ea typeface="KoPubWorld돋움체 Bold" panose="00000800000000000000" pitchFamily="2" charset="-127"/>
+                <a:cs typeface="KoPubWorld돋움체 Bold" panose="00000800000000000000" pitchFamily="2" charset="-127"/>
+              </a:rPr>
+              <a:t>기대효과</a:t>
+            </a:r>
+            <a:endParaRPr lang="ko-KR" altLang="en-US" sz="3000" b="1" dirty="0">
+              <a:solidFill>
+                <a:schemeClr val="bg1"/>
+              </a:solidFill>
+              <a:latin typeface="KoPubWorld돋움체 Bold" panose="00000800000000000000" pitchFamily="2" charset="-127"/>
+              <a:ea typeface="KoPubWorld돋움체 Bold" panose="00000800000000000000" pitchFamily="2" charset="-127"/>
+              <a:cs typeface="KoPubWorld돋움체 Bold" panose="00000800000000000000" pitchFamily="2" charset="-127"/>
+            </a:endParaRPr>
+          </a:p>
+        </p:txBody>
+      </p:sp>
+      <p:sp>
+        <p:nvSpPr>
+          <p:cNvPr id="7" name="제목 1">
+            <a:extLst>
+              <a:ext uri="{FF2B5EF4-FFF2-40B4-BE49-F238E27FC236}">
+                <a16:creationId xmlns:a16="http://schemas.microsoft.com/office/drawing/2014/main" id="{C0A415DC-3731-4EAC-919A-E5603CFF643D}"/>
+              </a:ext>
+            </a:extLst>
+          </p:cNvPr>
+          <p:cNvSpPr txBox="1">
+            <a:spLocks/>
+          </p:cNvSpPr>
+          <p:nvPr/>
+        </p:nvSpPr>
+        <p:spPr>
+          <a:xfrm>
+            <a:off x="714229" y="3732518"/>
+            <a:ext cx="4719283" cy="960606"/>
+          </a:xfrm>
+          <a:prstGeom prst="rect">
+            <a:avLst/>
+          </a:prstGeom>
+          <a:solidFill>
+            <a:schemeClr val="accent1">
+              <a:lumMod val="20000"/>
+              <a:lumOff val="80000"/>
+            </a:schemeClr>
+          </a:solidFill>
+          <a:ln>
+            <a:noFill/>
+          </a:ln>
+        </p:spPr>
+        <p:txBody>
+          <a:bodyPr vert="horz" lIns="91440" tIns="45720" rIns="91440" bIns="45720" rtlCol="0" anchor="ctr">
+            <a:normAutofit/>
+          </a:bodyPr>
+          <a:lstStyle>
+            <a:lvl1pPr algn="l" defTabSz="914400" rtl="0" eaLnBrk="1" latinLnBrk="1" hangingPunct="1">
+              <a:lnSpc>
+                <a:spcPct val="90000"/>
+              </a:lnSpc>
+              <a:spcBef>
+                <a:spcPct val="0"/>
+              </a:spcBef>
+              <a:buNone/>
+              <a:defRPr sz="4400" kern="1200">
+                <a:solidFill>
+                  <a:schemeClr val="tx1"/>
+                </a:solidFill>
+                <a:latin typeface="+mj-lt"/>
+                <a:ea typeface="+mj-ea"/>
+                <a:cs typeface="+mj-cs"/>
+              </a:defRPr>
+            </a:lvl1pPr>
+          </a:lstStyle>
+          <a:p>
+            <a:pPr algn="ctr">
+              <a:lnSpc>
+                <a:spcPct val="150000"/>
+              </a:lnSpc>
+            </a:pPr>
+            <a:r>
+              <a:rPr lang="ko-KR" altLang="en-US" sz="1800">
+                <a:latin typeface="KoPubWorld돋움체 Medium" panose="00000600000000000000" pitchFamily="2" charset="-127"/>
+                <a:ea typeface="KoPubWorld돋움체 Medium" panose="00000600000000000000" pitchFamily="2" charset="-127"/>
+                <a:cs typeface="KoPubWorld돋움체 Medium" panose="00000600000000000000" pitchFamily="2" charset="-127"/>
+              </a:rPr>
+              <a:t>학습 집중도 데이터를 활용한 </a:t>
+            </a:r>
+            <a:br>
+              <a:rPr lang="en-US" altLang="ko-KR" sz="1800">
+                <a:latin typeface="KoPubWorld돋움체 Medium" panose="00000600000000000000" pitchFamily="2" charset="-127"/>
+                <a:ea typeface="KoPubWorld돋움체 Medium" panose="00000600000000000000" pitchFamily="2" charset="-127"/>
+                <a:cs typeface="KoPubWorld돋움체 Medium" panose="00000600000000000000" pitchFamily="2" charset="-127"/>
+              </a:rPr>
+            </a:br>
+            <a:r>
+              <a:rPr lang="ko-KR" altLang="en-US" sz="1800">
+                <a:latin typeface="KoPubWorld돋움체 Medium" panose="00000600000000000000" pitchFamily="2" charset="-127"/>
+                <a:ea typeface="KoPubWorld돋움체 Medium" panose="00000600000000000000" pitchFamily="2" charset="-127"/>
+                <a:cs typeface="KoPubWorld돋움체 Medium" panose="00000600000000000000" pitchFamily="2" charset="-127"/>
+              </a:rPr>
+              <a:t>체계적인 학습 전략 수립 </a:t>
+            </a:r>
+            <a:endParaRPr lang="en-US" altLang="ko-KR" sz="1800">
+              <a:latin typeface="KoPubWorld돋움체 Medium" panose="00000600000000000000" pitchFamily="2" charset="-127"/>
+              <a:ea typeface="KoPubWorld돋움체 Medium" panose="00000600000000000000" pitchFamily="2" charset="-127"/>
+              <a:cs typeface="KoPubWorld돋움체 Medium" panose="00000600000000000000" pitchFamily="2" charset="-127"/>
+            </a:endParaRPr>
+          </a:p>
+        </p:txBody>
+      </p:sp>
+      <p:sp>
+        <p:nvSpPr>
+          <p:cNvPr id="9" name="제목 1">
+            <a:extLst>
+              <a:ext uri="{FF2B5EF4-FFF2-40B4-BE49-F238E27FC236}">
+                <a16:creationId xmlns:a16="http://schemas.microsoft.com/office/drawing/2014/main" id="{F5BAB674-9492-4B92-BE42-B948C5F56781}"/>
+              </a:ext>
+            </a:extLst>
+          </p:cNvPr>
+          <p:cNvSpPr txBox="1">
+            <a:spLocks/>
+          </p:cNvSpPr>
+          <p:nvPr/>
+        </p:nvSpPr>
+        <p:spPr>
+          <a:xfrm>
+            <a:off x="714230" y="5056713"/>
+            <a:ext cx="4719283" cy="960605"/>
+          </a:xfrm>
+          <a:prstGeom prst="rect">
+            <a:avLst/>
+          </a:prstGeom>
+          <a:solidFill>
+            <a:schemeClr val="accent1">
+              <a:lumMod val="20000"/>
+              <a:lumOff val="80000"/>
+            </a:schemeClr>
+          </a:solidFill>
+          <a:ln>
+            <a:noFill/>
+          </a:ln>
+        </p:spPr>
+        <p:txBody>
+          <a:bodyPr vert="horz" lIns="91440" tIns="45720" rIns="91440" bIns="45720" rtlCol="0" anchor="ctr">
+            <a:normAutofit/>
+          </a:bodyPr>
+          <a:lstStyle>
+            <a:lvl1pPr algn="l" defTabSz="914400" rtl="0" eaLnBrk="1" latinLnBrk="1" hangingPunct="1">
+              <a:lnSpc>
+                <a:spcPct val="90000"/>
+              </a:lnSpc>
+              <a:spcBef>
+                <a:spcPct val="0"/>
+              </a:spcBef>
+              <a:buNone/>
+              <a:defRPr sz="4400" kern="1200">
+                <a:solidFill>
+                  <a:schemeClr val="tx1"/>
+                </a:solidFill>
+                <a:latin typeface="+mj-lt"/>
+                <a:ea typeface="+mj-ea"/>
+                <a:cs typeface="+mj-cs"/>
+              </a:defRPr>
+            </a:lvl1pPr>
+          </a:lstStyle>
+          <a:p>
+            <a:pPr algn="ctr"/>
+            <a:r>
+              <a:rPr lang="ko-KR" altLang="en-US" sz="1800">
+                <a:latin typeface="KoPubWorld돋움체 Medium" panose="00000600000000000000" pitchFamily="2" charset="-127"/>
+                <a:ea typeface="KoPubWorld돋움체 Medium" panose="00000600000000000000" pitchFamily="2" charset="-127"/>
+                <a:cs typeface="KoPubWorld돋움체 Medium" panose="00000600000000000000" pitchFamily="2" charset="-127"/>
+              </a:rPr>
+              <a:t>학습 중 스마트폰 사용 억제</a:t>
+            </a:r>
+            <a:endParaRPr lang="en-US" altLang="ko-KR" sz="1800">
+              <a:latin typeface="KoPubWorld돋움체 Medium" panose="00000600000000000000" pitchFamily="2" charset="-127"/>
+              <a:ea typeface="KoPubWorld돋움체 Medium" panose="00000600000000000000" pitchFamily="2" charset="-127"/>
+              <a:cs typeface="KoPubWorld돋움체 Medium" panose="00000600000000000000" pitchFamily="2" charset="-127"/>
+            </a:endParaRPr>
+          </a:p>
+        </p:txBody>
+      </p:sp>
+      <p:sp>
+        <p:nvSpPr>
+          <p:cNvPr id="10" name="직사각형 9">
+            <a:extLst>
+              <a:ext uri="{FF2B5EF4-FFF2-40B4-BE49-F238E27FC236}">
+                <a16:creationId xmlns:a16="http://schemas.microsoft.com/office/drawing/2014/main" id="{AA315137-09AD-4279-BC23-C96490D93AD8}"/>
               </a:ext>
             </a:extLst>
           </p:cNvPr>
@@ -12417,8 +11163,8 @@
         </p:nvSpPr>
         <p:spPr>
           <a:xfrm>
-            <a:off x="308983" y="1451125"/>
-            <a:ext cx="3613303" cy="4738008"/>
+            <a:off x="448345" y="2170545"/>
+            <a:ext cx="5299827" cy="4272200"/>
           </a:xfrm>
           <a:prstGeom prst="rect">
             <a:avLst/>
@@ -12457,10 +11203,10 @@
       </p:sp>
       <p:sp>
         <p:nvSpPr>
-          <p:cNvPr id="43" name="직사각형 42">
-            <a:extLst>
-              <a:ext uri="{FF2B5EF4-FFF2-40B4-BE49-F238E27FC236}">
-                <a16:creationId xmlns:a16="http://schemas.microsoft.com/office/drawing/2014/main" id="{FF10533A-DC27-49F7-8056-295E23F7DDF6}"/>
+          <p:cNvPr id="11" name="직사각형 10">
+            <a:extLst>
+              <a:ext uri="{FF2B5EF4-FFF2-40B4-BE49-F238E27FC236}">
+                <a16:creationId xmlns:a16="http://schemas.microsoft.com/office/drawing/2014/main" id="{CFFA86AF-4E4C-4360-BBA6-39DFD49528CA}"/>
               </a:ext>
             </a:extLst>
           </p:cNvPr>
@@ -12469,8 +11215,8 @@
         </p:nvSpPr>
         <p:spPr>
           <a:xfrm>
-            <a:off x="4292699" y="1451125"/>
-            <a:ext cx="3613303" cy="4738008"/>
+            <a:off x="6425358" y="2170543"/>
+            <a:ext cx="5299825" cy="4272200"/>
           </a:xfrm>
           <a:prstGeom prst="rect">
             <a:avLst/>
@@ -12509,29 +11255,105 @@
       </p:sp>
       <p:sp>
         <p:nvSpPr>
-          <p:cNvPr id="44" name="직사각형 43">
-            <a:extLst>
-              <a:ext uri="{FF2B5EF4-FFF2-40B4-BE49-F238E27FC236}">
-                <a16:creationId xmlns:a16="http://schemas.microsoft.com/office/drawing/2014/main" id="{2C16E9C9-08B0-476C-BECA-D7640D844DC3}"/>
-              </a:ext>
-            </a:extLst>
-          </p:cNvPr>
-          <p:cNvSpPr/>
+          <p:cNvPr id="14" name="제목 1">
+            <a:extLst>
+              <a:ext uri="{FF2B5EF4-FFF2-40B4-BE49-F238E27FC236}">
+                <a16:creationId xmlns:a16="http://schemas.microsoft.com/office/drawing/2014/main" id="{26B727EE-B33F-4C99-8B73-10BEA4E53C3A}"/>
+              </a:ext>
+            </a:extLst>
+          </p:cNvPr>
+          <p:cNvSpPr txBox="1">
+            <a:spLocks/>
+          </p:cNvSpPr>
           <p:nvPr/>
         </p:nvSpPr>
         <p:spPr>
           <a:xfrm>
-            <a:off x="8298879" y="1451125"/>
-            <a:ext cx="3613303" cy="4738008"/>
+            <a:off x="6740013" y="2429047"/>
+            <a:ext cx="4719283" cy="960604"/>
           </a:xfrm>
           <a:prstGeom prst="rect">
             <a:avLst/>
           </a:prstGeom>
-          <a:noFill/>
+          <a:solidFill>
+            <a:schemeClr val="accent1">
+              <a:lumMod val="20000"/>
+              <a:lumOff val="80000"/>
+            </a:schemeClr>
+          </a:solidFill>
           <a:ln>
-            <a:solidFill>
-              <a:srgbClr val="014099"/>
-            </a:solidFill>
+            <a:noFill/>
+          </a:ln>
+        </p:spPr>
+        <p:txBody>
+          <a:bodyPr vert="horz" lIns="91440" tIns="45720" rIns="91440" bIns="45720" rtlCol="0" anchor="ctr">
+            <a:normAutofit/>
+          </a:bodyPr>
+          <a:lstStyle>
+            <a:lvl1pPr algn="l" defTabSz="914400" rtl="0" eaLnBrk="1" latinLnBrk="1" hangingPunct="1">
+              <a:lnSpc>
+                <a:spcPct val="90000"/>
+              </a:lnSpc>
+              <a:spcBef>
+                <a:spcPct val="0"/>
+              </a:spcBef>
+              <a:buNone/>
+              <a:defRPr sz="4400" kern="1200">
+                <a:solidFill>
+                  <a:schemeClr val="tx1"/>
+                </a:solidFill>
+                <a:latin typeface="+mj-lt"/>
+                <a:ea typeface="+mj-ea"/>
+                <a:cs typeface="+mj-cs"/>
+              </a:defRPr>
+            </a:lvl1pPr>
+          </a:lstStyle>
+          <a:p>
+            <a:pPr algn="ctr"/>
+            <a:r>
+              <a:rPr lang="ko-KR" altLang="en-US" sz="1800">
+                <a:latin typeface="KoPubWorld돋움체 Medium" panose="00000600000000000000" pitchFamily="2" charset="-127"/>
+                <a:ea typeface="KoPubWorld돋움체 Medium" panose="00000600000000000000" pitchFamily="2" charset="-127"/>
+                <a:cs typeface="KoPubWorld돋움체 Medium" panose="00000600000000000000" pitchFamily="2" charset="-127"/>
+              </a:rPr>
+              <a:t>집중 시간 공유를 통한 언택트 스터디 플랫폼</a:t>
+            </a:r>
+            <a:endParaRPr lang="en-US" altLang="ko-KR" sz="1800">
+              <a:latin typeface="KoPubWorld돋움체 Medium" panose="00000600000000000000" pitchFamily="2" charset="-127"/>
+              <a:ea typeface="KoPubWorld돋움체 Medium" panose="00000600000000000000" pitchFamily="2" charset="-127"/>
+              <a:cs typeface="KoPubWorld돋움체 Medium" panose="00000600000000000000" pitchFamily="2" charset="-127"/>
+            </a:endParaRPr>
+          </a:p>
+        </p:txBody>
+      </p:sp>
+      <p:sp>
+        <p:nvSpPr>
+          <p:cNvPr id="15" name="직사각형 14">
+            <a:extLst>
+              <a:ext uri="{FF2B5EF4-FFF2-40B4-BE49-F238E27FC236}">
+                <a16:creationId xmlns:a16="http://schemas.microsoft.com/office/drawing/2014/main" id="{C7016290-DBFA-41FB-B9D5-807171F97DE5}"/>
+              </a:ext>
+            </a:extLst>
+          </p:cNvPr>
+          <p:cNvSpPr/>
+          <p:nvPr/>
+        </p:nvSpPr>
+        <p:spPr>
+          <a:xfrm>
+            <a:off x="6425358" y="1508485"/>
+            <a:ext cx="5299825" cy="532807"/>
+          </a:xfrm>
+          <a:prstGeom prst="rect">
+            <a:avLst/>
+          </a:prstGeom>
+          <a:solidFill>
+            <a:schemeClr val="accent5">
+              <a:lumMod val="20000"/>
+              <a:lumOff val="80000"/>
+            </a:schemeClr>
+          </a:solidFill>
+          <a:ln>
+            <a:noFill/>
           </a:ln>
         </p:spPr>
         <p:style>
@@ -12555,6 +11377,1760 @@
           <a:lstStyle/>
           <a:p>
             <a:pPr algn="ctr"/>
+            <a:r>
+              <a:rPr lang="ko-KR" altLang="en-US" sz="2000" b="1">
+                <a:solidFill>
+                  <a:schemeClr val="tx1"/>
+                </a:solidFill>
+                <a:latin typeface="KoPubWorld돋움체 Medium" panose="00000600000000000000" pitchFamily="2" charset="-127"/>
+                <a:ea typeface="KoPubWorld돋움체 Medium" panose="00000600000000000000" pitchFamily="2" charset="-127"/>
+                <a:cs typeface="KoPubWorld돋움체 Medium" panose="00000600000000000000" pitchFamily="2" charset="-127"/>
+              </a:rPr>
+              <a:t>새로운 학습 플랫폼</a:t>
+            </a:r>
+            <a:endParaRPr lang="ko-KR" altLang="en-US" sz="2000" b="1" dirty="0">
+              <a:solidFill>
+                <a:schemeClr val="tx1"/>
+              </a:solidFill>
+              <a:latin typeface="KoPubWorld돋움체 Medium" panose="00000600000000000000" pitchFamily="2" charset="-127"/>
+              <a:ea typeface="KoPubWorld돋움체 Medium" panose="00000600000000000000" pitchFamily="2" charset="-127"/>
+              <a:cs typeface="KoPubWorld돋움체 Medium" panose="00000600000000000000" pitchFamily="2" charset="-127"/>
+            </a:endParaRPr>
+          </a:p>
+        </p:txBody>
+      </p:sp>
+      <p:sp>
+        <p:nvSpPr>
+          <p:cNvPr id="16" name="제목 1">
+            <a:extLst>
+              <a:ext uri="{FF2B5EF4-FFF2-40B4-BE49-F238E27FC236}">
+                <a16:creationId xmlns:a16="http://schemas.microsoft.com/office/drawing/2014/main" id="{0DCE0DB2-2E1D-459E-AC5F-5FB2AC98E385}"/>
+              </a:ext>
+            </a:extLst>
+          </p:cNvPr>
+          <p:cNvSpPr txBox="1">
+            <a:spLocks/>
+          </p:cNvSpPr>
+          <p:nvPr/>
+        </p:nvSpPr>
+        <p:spPr>
+          <a:xfrm>
+            <a:off x="714232" y="2429046"/>
+            <a:ext cx="4719283" cy="960605"/>
+          </a:xfrm>
+          <a:prstGeom prst="rect">
+            <a:avLst/>
+          </a:prstGeom>
+          <a:solidFill>
+            <a:schemeClr val="accent1">
+              <a:lumMod val="20000"/>
+              <a:lumOff val="80000"/>
+            </a:schemeClr>
+          </a:solidFill>
+          <a:ln>
+            <a:noFill/>
+          </a:ln>
+        </p:spPr>
+        <p:txBody>
+          <a:bodyPr vert="horz" lIns="91440" tIns="45720" rIns="91440" bIns="45720" rtlCol="0" anchor="ctr">
+            <a:normAutofit/>
+          </a:bodyPr>
+          <a:lstStyle>
+            <a:lvl1pPr algn="l" defTabSz="914400" rtl="0" eaLnBrk="1" latinLnBrk="1" hangingPunct="1">
+              <a:lnSpc>
+                <a:spcPct val="90000"/>
+              </a:lnSpc>
+              <a:spcBef>
+                <a:spcPct val="0"/>
+              </a:spcBef>
+              <a:buNone/>
+              <a:defRPr sz="4400" kern="1200">
+                <a:solidFill>
+                  <a:schemeClr val="tx1"/>
+                </a:solidFill>
+                <a:latin typeface="+mj-lt"/>
+                <a:ea typeface="+mj-ea"/>
+                <a:cs typeface="+mj-cs"/>
+              </a:defRPr>
+            </a:lvl1pPr>
+          </a:lstStyle>
+          <a:p>
+            <a:pPr algn="ctr"/>
+            <a:r>
+              <a:rPr lang="ko-KR" altLang="en-US" sz="1800">
+                <a:latin typeface="KoPubWorld돋움체 Medium" panose="00000600000000000000" pitchFamily="2" charset="-127"/>
+                <a:ea typeface="KoPubWorld돋움체 Medium" panose="00000600000000000000" pitchFamily="2" charset="-127"/>
+                <a:cs typeface="KoPubWorld돋움체 Medium" panose="00000600000000000000" pitchFamily="2" charset="-127"/>
+              </a:rPr>
+              <a:t>사용자의 실질적인 공부 시간 자동 측정</a:t>
+            </a:r>
+            <a:endParaRPr lang="en-US" altLang="ko-KR" sz="1800">
+              <a:latin typeface="KoPubWorld돋움체 Medium" panose="00000600000000000000" pitchFamily="2" charset="-127"/>
+              <a:ea typeface="KoPubWorld돋움체 Medium" panose="00000600000000000000" pitchFamily="2" charset="-127"/>
+              <a:cs typeface="KoPubWorld돋움체 Medium" panose="00000600000000000000" pitchFamily="2" charset="-127"/>
+            </a:endParaRPr>
+          </a:p>
+        </p:txBody>
+      </p:sp>
+      <p:sp>
+        <p:nvSpPr>
+          <p:cNvPr id="17" name="제목 1">
+            <a:extLst>
+              <a:ext uri="{FF2B5EF4-FFF2-40B4-BE49-F238E27FC236}">
+                <a16:creationId xmlns:a16="http://schemas.microsoft.com/office/drawing/2014/main" id="{26E18FD1-47DC-43EB-A599-77649FCEF108}"/>
+              </a:ext>
+            </a:extLst>
+          </p:cNvPr>
+          <p:cNvSpPr txBox="1">
+            <a:spLocks/>
+          </p:cNvSpPr>
+          <p:nvPr/>
+        </p:nvSpPr>
+        <p:spPr>
+          <a:xfrm>
+            <a:off x="6715626" y="5035993"/>
+            <a:ext cx="4719283" cy="981325"/>
+          </a:xfrm>
+          <a:prstGeom prst="rect">
+            <a:avLst/>
+          </a:prstGeom>
+          <a:solidFill>
+            <a:schemeClr val="accent1">
+              <a:lumMod val="20000"/>
+              <a:lumOff val="80000"/>
+            </a:schemeClr>
+          </a:solidFill>
+          <a:ln>
+            <a:noFill/>
+          </a:ln>
+        </p:spPr>
+        <p:txBody>
+          <a:bodyPr vert="horz" lIns="91440" tIns="45720" rIns="91440" bIns="45720" rtlCol="0" anchor="ctr">
+            <a:normAutofit/>
+          </a:bodyPr>
+          <a:lstStyle>
+            <a:lvl1pPr algn="l" defTabSz="914400" rtl="0" eaLnBrk="1" latinLnBrk="1" hangingPunct="1">
+              <a:lnSpc>
+                <a:spcPct val="90000"/>
+              </a:lnSpc>
+              <a:spcBef>
+                <a:spcPct val="0"/>
+              </a:spcBef>
+              <a:buNone/>
+              <a:defRPr sz="4400" kern="1200">
+                <a:solidFill>
+                  <a:schemeClr val="tx1"/>
+                </a:solidFill>
+                <a:latin typeface="+mj-lt"/>
+                <a:ea typeface="+mj-ea"/>
+                <a:cs typeface="+mj-cs"/>
+              </a:defRPr>
+            </a:lvl1pPr>
+          </a:lstStyle>
+          <a:p>
+            <a:pPr algn="ctr">
+              <a:lnSpc>
+                <a:spcPct val="150000"/>
+              </a:lnSpc>
+            </a:pPr>
+            <a:r>
+              <a:rPr lang="ko-KR" altLang="en-US" sz="1800">
+                <a:latin typeface="KoPubWorld돋움체 Medium" panose="00000600000000000000" pitchFamily="2" charset="-127"/>
+                <a:ea typeface="KoPubWorld돋움체 Medium" panose="00000600000000000000" pitchFamily="2" charset="-127"/>
+                <a:cs typeface="KoPubWorld돋움체 Medium" panose="00000600000000000000" pitchFamily="2" charset="-127"/>
+              </a:rPr>
+              <a:t>온라인 테스트 컨닝 방지 기능을 통한 </a:t>
+            </a:r>
+            <a:br>
+              <a:rPr lang="en-US" altLang="ko-KR" sz="1800">
+                <a:latin typeface="KoPubWorld돋움체 Medium" panose="00000600000000000000" pitchFamily="2" charset="-127"/>
+                <a:ea typeface="KoPubWorld돋움체 Medium" panose="00000600000000000000" pitchFamily="2" charset="-127"/>
+                <a:cs typeface="KoPubWorld돋움체 Medium" panose="00000600000000000000" pitchFamily="2" charset="-127"/>
+              </a:rPr>
+            </a:br>
+            <a:r>
+              <a:rPr lang="ko-KR" altLang="en-US" sz="1800">
+                <a:latin typeface="KoPubWorld돋움체 Medium" panose="00000600000000000000" pitchFamily="2" charset="-127"/>
+                <a:ea typeface="KoPubWorld돋움체 Medium" panose="00000600000000000000" pitchFamily="2" charset="-127"/>
+                <a:cs typeface="KoPubWorld돋움체 Medium" panose="00000600000000000000" pitchFamily="2" charset="-127"/>
+              </a:rPr>
+              <a:t>비대면 시험 플랫폼</a:t>
+            </a:r>
+            <a:endParaRPr lang="en-US" altLang="ko-KR" sz="1800">
+              <a:latin typeface="KoPubWorld돋움체 Medium" panose="00000600000000000000" pitchFamily="2" charset="-127"/>
+              <a:ea typeface="KoPubWorld돋움체 Medium" panose="00000600000000000000" pitchFamily="2" charset="-127"/>
+              <a:cs typeface="KoPubWorld돋움체 Medium" panose="00000600000000000000" pitchFamily="2" charset="-127"/>
+            </a:endParaRPr>
+          </a:p>
+        </p:txBody>
+      </p:sp>
+      <p:sp>
+        <p:nvSpPr>
+          <p:cNvPr id="18" name="제목 1">
+            <a:extLst>
+              <a:ext uri="{FF2B5EF4-FFF2-40B4-BE49-F238E27FC236}">
+                <a16:creationId xmlns:a16="http://schemas.microsoft.com/office/drawing/2014/main" id="{95A04AEA-E234-478A-A8D1-69CDB4AF3F32}"/>
+              </a:ext>
+            </a:extLst>
+          </p:cNvPr>
+          <p:cNvSpPr txBox="1">
+            <a:spLocks/>
+          </p:cNvSpPr>
+          <p:nvPr/>
+        </p:nvSpPr>
+        <p:spPr>
+          <a:xfrm>
+            <a:off x="6715627" y="3732520"/>
+            <a:ext cx="4719283" cy="960604"/>
+          </a:xfrm>
+          <a:prstGeom prst="rect">
+            <a:avLst/>
+          </a:prstGeom>
+          <a:solidFill>
+            <a:schemeClr val="accent1">
+              <a:lumMod val="20000"/>
+              <a:lumOff val="80000"/>
+            </a:schemeClr>
+          </a:solidFill>
+          <a:ln>
+            <a:noFill/>
+          </a:ln>
+        </p:spPr>
+        <p:txBody>
+          <a:bodyPr vert="horz" lIns="91440" tIns="45720" rIns="91440" bIns="45720" rtlCol="0" anchor="ctr">
+            <a:normAutofit/>
+          </a:bodyPr>
+          <a:lstStyle>
+            <a:lvl1pPr algn="l" defTabSz="914400" rtl="0" eaLnBrk="1" latinLnBrk="1" hangingPunct="1">
+              <a:lnSpc>
+                <a:spcPct val="90000"/>
+              </a:lnSpc>
+              <a:spcBef>
+                <a:spcPct val="0"/>
+              </a:spcBef>
+              <a:buNone/>
+              <a:defRPr sz="4400" kern="1200">
+                <a:solidFill>
+                  <a:schemeClr val="tx1"/>
+                </a:solidFill>
+                <a:latin typeface="+mj-lt"/>
+                <a:ea typeface="+mj-ea"/>
+                <a:cs typeface="+mj-cs"/>
+              </a:defRPr>
+            </a:lvl1pPr>
+          </a:lstStyle>
+          <a:p>
+            <a:pPr algn="ctr">
+              <a:lnSpc>
+                <a:spcPct val="150000"/>
+              </a:lnSpc>
+            </a:pPr>
+            <a:r>
+              <a:rPr lang="ko-KR" altLang="en-US" sz="1800">
+                <a:latin typeface="KoPubWorld돋움체 Medium" panose="00000600000000000000" pitchFamily="2" charset="-127"/>
+                <a:ea typeface="KoPubWorld돋움체 Medium" panose="00000600000000000000" pitchFamily="2" charset="-127"/>
+                <a:cs typeface="KoPubWorld돋움체 Medium" panose="00000600000000000000" pitchFamily="2" charset="-127"/>
+              </a:rPr>
+              <a:t>학교</a:t>
+            </a:r>
+            <a:r>
+              <a:rPr lang="en-US" altLang="ko-KR" sz="1800">
+                <a:latin typeface="KoPubWorld돋움체 Medium" panose="00000600000000000000" pitchFamily="2" charset="-127"/>
+                <a:ea typeface="KoPubWorld돋움체 Medium" panose="00000600000000000000" pitchFamily="2" charset="-127"/>
+                <a:cs typeface="KoPubWorld돋움체 Medium" panose="00000600000000000000" pitchFamily="2" charset="-127"/>
+              </a:rPr>
+              <a:t>-</a:t>
+            </a:r>
+            <a:r>
+              <a:rPr lang="ko-KR" altLang="en-US" sz="1800">
+                <a:latin typeface="KoPubWorld돋움체 Medium" panose="00000600000000000000" pitchFamily="2" charset="-127"/>
+                <a:ea typeface="KoPubWorld돋움체 Medium" panose="00000600000000000000" pitchFamily="2" charset="-127"/>
+                <a:cs typeface="KoPubWorld돋움체 Medium" panose="00000600000000000000" pitchFamily="2" charset="-127"/>
+              </a:rPr>
+              <a:t>학원</a:t>
+            </a:r>
+            <a:r>
+              <a:rPr lang="en-US" altLang="ko-KR" sz="1800">
+                <a:latin typeface="KoPubWorld돋움체 Medium" panose="00000600000000000000" pitchFamily="2" charset="-127"/>
+                <a:ea typeface="KoPubWorld돋움체 Medium" panose="00000600000000000000" pitchFamily="2" charset="-127"/>
+                <a:cs typeface="KoPubWorld돋움체 Medium" panose="00000600000000000000" pitchFamily="2" charset="-127"/>
+              </a:rPr>
+              <a:t>-</a:t>
+            </a:r>
+            <a:r>
+              <a:rPr lang="ko-KR" altLang="en-US" sz="1800">
+                <a:latin typeface="KoPubWorld돋움체 Medium" panose="00000600000000000000" pitchFamily="2" charset="-127"/>
+                <a:ea typeface="KoPubWorld돋움체 Medium" panose="00000600000000000000" pitchFamily="2" charset="-127"/>
+                <a:cs typeface="KoPubWorld돋움체 Medium" panose="00000600000000000000" pitchFamily="2" charset="-127"/>
+              </a:rPr>
+              <a:t>학부모 데이터 공유를 통한</a:t>
+            </a:r>
+            <a:br>
+              <a:rPr lang="en-US" altLang="ko-KR" sz="1800">
+                <a:latin typeface="KoPubWorld돋움체 Medium" panose="00000600000000000000" pitchFamily="2" charset="-127"/>
+                <a:ea typeface="KoPubWorld돋움체 Medium" panose="00000600000000000000" pitchFamily="2" charset="-127"/>
+                <a:cs typeface="KoPubWorld돋움체 Medium" panose="00000600000000000000" pitchFamily="2" charset="-127"/>
+              </a:rPr>
+            </a:br>
+            <a:r>
+              <a:rPr lang="ko-KR" altLang="en-US" sz="1800">
+                <a:latin typeface="KoPubWorld돋움체 Medium" panose="00000600000000000000" pitchFamily="2" charset="-127"/>
+                <a:ea typeface="KoPubWorld돋움체 Medium" panose="00000600000000000000" pitchFamily="2" charset="-127"/>
+                <a:cs typeface="KoPubWorld돋움체 Medium" panose="00000600000000000000" pitchFamily="2" charset="-127"/>
+              </a:rPr>
+              <a:t>종합 입시 솔루션</a:t>
+            </a:r>
+            <a:endParaRPr lang="en-US" altLang="ko-KR" sz="1800">
+              <a:latin typeface="KoPubWorld돋움체 Medium" panose="00000600000000000000" pitchFamily="2" charset="-127"/>
+              <a:ea typeface="KoPubWorld돋움체 Medium" panose="00000600000000000000" pitchFamily="2" charset="-127"/>
+              <a:cs typeface="KoPubWorld돋움체 Medium" panose="00000600000000000000" pitchFamily="2" charset="-127"/>
+            </a:endParaRPr>
+          </a:p>
+        </p:txBody>
+      </p:sp>
+    </p:spTree>
+    <p:extLst>
+      <p:ext uri="{BB962C8B-B14F-4D97-AF65-F5344CB8AC3E}">
+        <p14:creationId xmlns:p14="http://schemas.microsoft.com/office/powerpoint/2010/main" val="2084074210"/>
+      </p:ext>
+    </p:extLst>
+  </p:cSld>
+  <p:clrMapOvr>
+    <a:masterClrMapping/>
+  </p:clrMapOvr>
+</p:sld>
+</file>
+
+<file path=ppt/slides/slide7.xml><?xml version="1.0" encoding="utf-8"?>
+<p:sld xmlns:a="http://schemas.openxmlformats.org/drawingml/2006/main" xmlns:r="http://schemas.openxmlformats.org/officeDocument/2006/relationships" xmlns:p="http://schemas.openxmlformats.org/presentationml/2006/main">
+  <p:cSld>
+    <p:spTree>
+      <p:nvGrpSpPr>
+        <p:cNvPr id="1" name=""/>
+        <p:cNvGrpSpPr/>
+        <p:nvPr/>
+      </p:nvGrpSpPr>
+      <p:grpSpPr>
+        <a:xfrm>
+          <a:off x="0" y="0"/>
+          <a:ext cx="0" cy="0"/>
+          <a:chOff x="0" y="0"/>
+          <a:chExt cx="0" cy="0"/>
+        </a:xfrm>
+      </p:grpSpPr>
+      <p:sp>
+        <p:nvSpPr>
+          <p:cNvPr id="41" name="제목 1">
+            <a:extLst>
+              <a:ext uri="{FF2B5EF4-FFF2-40B4-BE49-F238E27FC236}">
+                <a16:creationId xmlns:a16="http://schemas.microsoft.com/office/drawing/2014/main" id="{8294A363-964F-4261-AF0D-40891A2BABC8}"/>
+              </a:ext>
+            </a:extLst>
+          </p:cNvPr>
+          <p:cNvSpPr txBox="1">
+            <a:spLocks/>
+          </p:cNvSpPr>
+          <p:nvPr/>
+        </p:nvSpPr>
+        <p:spPr>
+          <a:xfrm>
+            <a:off x="8404499" y="5047690"/>
+            <a:ext cx="3402062" cy="1061829"/>
+          </a:xfrm>
+          <a:prstGeom prst="rect">
+            <a:avLst/>
+          </a:prstGeom>
+          <a:solidFill>
+            <a:schemeClr val="accent4">
+              <a:lumMod val="60000"/>
+              <a:lumOff val="40000"/>
+              <a:alpha val="52000"/>
+            </a:schemeClr>
+          </a:solidFill>
+          <a:ln>
+            <a:noFill/>
+          </a:ln>
+        </p:spPr>
+        <p:txBody>
+          <a:bodyPr vert="horz" lIns="91440" tIns="45720" rIns="91440" bIns="45720" rtlCol="0" anchor="ctr">
+            <a:normAutofit/>
+          </a:bodyPr>
+          <a:lstStyle>
+            <a:lvl1pPr algn="l" defTabSz="914400" rtl="0" eaLnBrk="1" latinLnBrk="1" hangingPunct="1">
+              <a:lnSpc>
+                <a:spcPct val="90000"/>
+              </a:lnSpc>
+              <a:spcBef>
+                <a:spcPct val="0"/>
+              </a:spcBef>
+              <a:buNone/>
+              <a:defRPr sz="4400" kern="1200">
+                <a:solidFill>
+                  <a:schemeClr val="tx1"/>
+                </a:solidFill>
+                <a:latin typeface="+mj-lt"/>
+                <a:ea typeface="+mj-ea"/>
+                <a:cs typeface="+mj-cs"/>
+              </a:defRPr>
+            </a:lvl1pPr>
+          </a:lstStyle>
+          <a:p>
+            <a:pPr algn="ctr"/>
+            <a:endParaRPr lang="en-US" altLang="ko-KR" sz="1400" b="1" dirty="0">
+              <a:latin typeface="KoPubWorld돋움체 Medium" panose="00000600000000000000" pitchFamily="2" charset="-127"/>
+              <a:ea typeface="KoPubWorld돋움체 Medium" panose="00000600000000000000" pitchFamily="2" charset="-127"/>
+              <a:cs typeface="KoPubWorld돋움체 Medium" panose="00000600000000000000" pitchFamily="2" charset="-127"/>
+            </a:endParaRPr>
+          </a:p>
+        </p:txBody>
+      </p:sp>
+      <p:sp>
+        <p:nvSpPr>
+          <p:cNvPr id="40" name="제목 1">
+            <a:extLst>
+              <a:ext uri="{FF2B5EF4-FFF2-40B4-BE49-F238E27FC236}">
+                <a16:creationId xmlns:a16="http://schemas.microsoft.com/office/drawing/2014/main" id="{70602C9A-3AE8-44FC-855A-0F9CBD46FE6D}"/>
+              </a:ext>
+            </a:extLst>
+          </p:cNvPr>
+          <p:cNvSpPr txBox="1">
+            <a:spLocks/>
+          </p:cNvSpPr>
+          <p:nvPr/>
+        </p:nvSpPr>
+        <p:spPr>
+          <a:xfrm>
+            <a:off x="4398319" y="5047691"/>
+            <a:ext cx="3402062" cy="1061829"/>
+          </a:xfrm>
+          <a:prstGeom prst="rect">
+            <a:avLst/>
+          </a:prstGeom>
+          <a:solidFill>
+            <a:schemeClr val="accent4">
+              <a:lumMod val="60000"/>
+              <a:lumOff val="40000"/>
+              <a:alpha val="52000"/>
+            </a:schemeClr>
+          </a:solidFill>
+          <a:ln>
+            <a:noFill/>
+          </a:ln>
+        </p:spPr>
+        <p:txBody>
+          <a:bodyPr vert="horz" lIns="91440" tIns="45720" rIns="91440" bIns="45720" rtlCol="0" anchor="ctr">
+            <a:normAutofit/>
+          </a:bodyPr>
+          <a:lstStyle>
+            <a:lvl1pPr algn="l" defTabSz="914400" rtl="0" eaLnBrk="1" latinLnBrk="1" hangingPunct="1">
+              <a:lnSpc>
+                <a:spcPct val="90000"/>
+              </a:lnSpc>
+              <a:spcBef>
+                <a:spcPct val="0"/>
+              </a:spcBef>
+              <a:buNone/>
+              <a:defRPr sz="4400" kern="1200">
+                <a:solidFill>
+                  <a:schemeClr val="tx1"/>
+                </a:solidFill>
+                <a:latin typeface="+mj-lt"/>
+                <a:ea typeface="+mj-ea"/>
+                <a:cs typeface="+mj-cs"/>
+              </a:defRPr>
+            </a:lvl1pPr>
+          </a:lstStyle>
+          <a:p>
+            <a:pPr algn="ctr"/>
+            <a:endParaRPr lang="en-US" altLang="ko-KR" sz="1400" b="1" dirty="0">
+              <a:latin typeface="KoPubWorld돋움체 Medium" panose="00000600000000000000" pitchFamily="2" charset="-127"/>
+              <a:ea typeface="KoPubWorld돋움체 Medium" panose="00000600000000000000" pitchFamily="2" charset="-127"/>
+              <a:cs typeface="KoPubWorld돋움체 Medium" panose="00000600000000000000" pitchFamily="2" charset="-127"/>
+            </a:endParaRPr>
+          </a:p>
+        </p:txBody>
+      </p:sp>
+      <p:sp>
+        <p:nvSpPr>
+          <p:cNvPr id="39" name="제목 1">
+            <a:extLst>
+              <a:ext uri="{FF2B5EF4-FFF2-40B4-BE49-F238E27FC236}">
+                <a16:creationId xmlns:a16="http://schemas.microsoft.com/office/drawing/2014/main" id="{EAE53ABC-7D64-41CB-82E5-C00BAB7F8EA1}"/>
+              </a:ext>
+            </a:extLst>
+          </p:cNvPr>
+          <p:cNvSpPr txBox="1">
+            <a:spLocks/>
+          </p:cNvSpPr>
+          <p:nvPr/>
+        </p:nvSpPr>
+        <p:spPr>
+          <a:xfrm>
+            <a:off x="414603" y="5047691"/>
+            <a:ext cx="3402062" cy="1061829"/>
+          </a:xfrm>
+          <a:prstGeom prst="rect">
+            <a:avLst/>
+          </a:prstGeom>
+          <a:solidFill>
+            <a:schemeClr val="accent4">
+              <a:lumMod val="60000"/>
+              <a:lumOff val="40000"/>
+              <a:alpha val="52000"/>
+            </a:schemeClr>
+          </a:solidFill>
+          <a:ln>
+            <a:noFill/>
+          </a:ln>
+        </p:spPr>
+        <p:txBody>
+          <a:bodyPr vert="horz" lIns="91440" tIns="45720" rIns="91440" bIns="45720" rtlCol="0" anchor="ctr">
+            <a:normAutofit/>
+          </a:bodyPr>
+          <a:lstStyle>
+            <a:lvl1pPr algn="l" defTabSz="914400" rtl="0" eaLnBrk="1" latinLnBrk="1" hangingPunct="1">
+              <a:lnSpc>
+                <a:spcPct val="90000"/>
+              </a:lnSpc>
+              <a:spcBef>
+                <a:spcPct val="0"/>
+              </a:spcBef>
+              <a:buNone/>
+              <a:defRPr sz="4400" kern="1200">
+                <a:solidFill>
+                  <a:schemeClr val="tx1"/>
+                </a:solidFill>
+                <a:latin typeface="+mj-lt"/>
+                <a:ea typeface="+mj-ea"/>
+                <a:cs typeface="+mj-cs"/>
+              </a:defRPr>
+            </a:lvl1pPr>
+          </a:lstStyle>
+          <a:p>
+            <a:pPr algn="ctr"/>
+            <a:endParaRPr lang="en-US" altLang="ko-KR" sz="1400" b="1" dirty="0">
+              <a:latin typeface="KoPubWorld돋움체 Medium" panose="00000600000000000000" pitchFamily="2" charset="-127"/>
+              <a:ea typeface="KoPubWorld돋움체 Medium" panose="00000600000000000000" pitchFamily="2" charset="-127"/>
+              <a:cs typeface="KoPubWorld돋움체 Medium" panose="00000600000000000000" pitchFamily="2" charset="-127"/>
+            </a:endParaRPr>
+          </a:p>
+        </p:txBody>
+      </p:sp>
+      <p:sp>
+        <p:nvSpPr>
+          <p:cNvPr id="37" name="직사각형 36">
+            <a:extLst>
+              <a:ext uri="{FF2B5EF4-FFF2-40B4-BE49-F238E27FC236}">
+                <a16:creationId xmlns:a16="http://schemas.microsoft.com/office/drawing/2014/main" id="{7CCE8270-5565-4753-B5BB-86D8F5CF46F5}"/>
+              </a:ext>
+            </a:extLst>
+          </p:cNvPr>
+          <p:cNvSpPr/>
+          <p:nvPr/>
+        </p:nvSpPr>
+        <p:spPr>
+          <a:xfrm>
+            <a:off x="8407374" y="1570589"/>
+            <a:ext cx="3396312" cy="800218"/>
+          </a:xfrm>
+          <a:prstGeom prst="rect">
+            <a:avLst/>
+          </a:prstGeom>
+          <a:solidFill>
+            <a:schemeClr val="accent5">
+              <a:lumMod val="20000"/>
+              <a:lumOff val="80000"/>
+            </a:schemeClr>
+          </a:solidFill>
+          <a:ln>
+            <a:noFill/>
+          </a:ln>
+        </p:spPr>
+        <p:style>
+          <a:lnRef idx="2">
+            <a:schemeClr val="accent1">
+              <a:shade val="50000"/>
+            </a:schemeClr>
+          </a:lnRef>
+          <a:fillRef idx="1">
+            <a:schemeClr val="accent1"/>
+          </a:fillRef>
+          <a:effectRef idx="0">
+            <a:schemeClr val="accent1"/>
+          </a:effectRef>
+          <a:fontRef idx="minor">
+            <a:schemeClr val="lt1"/>
+          </a:fontRef>
+        </p:style>
+        <p:txBody>
+          <a:bodyPr rtlCol="0" anchor="ctr"/>
+          <a:lstStyle/>
+          <a:p>
+            <a:pPr algn="ctr"/>
+            <a:endParaRPr lang="ko-KR" altLang="en-US" sz="1600" dirty="0">
+              <a:latin typeface="KoPubWorld돋움체 Medium" panose="00000600000000000000" pitchFamily="2" charset="-127"/>
+              <a:ea typeface="KoPubWorld돋움체 Medium" panose="00000600000000000000" pitchFamily="2" charset="-127"/>
+              <a:cs typeface="KoPubWorld돋움체 Medium" panose="00000600000000000000" pitchFamily="2" charset="-127"/>
+            </a:endParaRPr>
+          </a:p>
+        </p:txBody>
+      </p:sp>
+      <p:sp>
+        <p:nvSpPr>
+          <p:cNvPr id="33" name="직사각형 32">
+            <a:extLst>
+              <a:ext uri="{FF2B5EF4-FFF2-40B4-BE49-F238E27FC236}">
+                <a16:creationId xmlns:a16="http://schemas.microsoft.com/office/drawing/2014/main" id="{11280F95-A573-41A0-942E-41BDF9A760D0}"/>
+              </a:ext>
+            </a:extLst>
+          </p:cNvPr>
+          <p:cNvSpPr/>
+          <p:nvPr/>
+        </p:nvSpPr>
+        <p:spPr>
+          <a:xfrm>
+            <a:off x="4379956" y="1570589"/>
+            <a:ext cx="3438789" cy="800218"/>
+          </a:xfrm>
+          <a:prstGeom prst="rect">
+            <a:avLst/>
+          </a:prstGeom>
+          <a:solidFill>
+            <a:schemeClr val="accent5">
+              <a:lumMod val="20000"/>
+              <a:lumOff val="80000"/>
+            </a:schemeClr>
+          </a:solidFill>
+          <a:ln>
+            <a:noFill/>
+          </a:ln>
+        </p:spPr>
+        <p:style>
+          <a:lnRef idx="2">
+            <a:schemeClr val="accent1">
+              <a:shade val="50000"/>
+            </a:schemeClr>
+          </a:lnRef>
+          <a:fillRef idx="1">
+            <a:schemeClr val="accent1"/>
+          </a:fillRef>
+          <a:effectRef idx="0">
+            <a:schemeClr val="accent1"/>
+          </a:effectRef>
+          <a:fontRef idx="minor">
+            <a:schemeClr val="lt1"/>
+          </a:fontRef>
+        </p:style>
+        <p:txBody>
+          <a:bodyPr rtlCol="0" anchor="ctr"/>
+          <a:lstStyle/>
+          <a:p>
+            <a:pPr algn="ctr"/>
+            <a:endParaRPr lang="ko-KR" altLang="en-US" sz="1600" dirty="0">
+              <a:solidFill>
+                <a:schemeClr val="tx1"/>
+              </a:solidFill>
+              <a:latin typeface="KoPubWorld돋움체 Medium" panose="00000600000000000000" pitchFamily="2" charset="-127"/>
+              <a:ea typeface="KoPubWorld돋움체 Medium" panose="00000600000000000000" pitchFamily="2" charset="-127"/>
+              <a:cs typeface="KoPubWorld돋움체 Medium" panose="00000600000000000000" pitchFamily="2" charset="-127"/>
+            </a:endParaRPr>
+          </a:p>
+        </p:txBody>
+      </p:sp>
+      <p:sp>
+        <p:nvSpPr>
+          <p:cNvPr id="30" name="직사각형 29">
+            <a:extLst>
+              <a:ext uri="{FF2B5EF4-FFF2-40B4-BE49-F238E27FC236}">
+                <a16:creationId xmlns:a16="http://schemas.microsoft.com/office/drawing/2014/main" id="{43BD37D3-FE00-4285-ADF5-BBC2323C4F0C}"/>
+              </a:ext>
+            </a:extLst>
+          </p:cNvPr>
+          <p:cNvSpPr/>
+          <p:nvPr/>
+        </p:nvSpPr>
+        <p:spPr>
+          <a:xfrm>
+            <a:off x="396240" y="1570589"/>
+            <a:ext cx="3438789" cy="800218"/>
+          </a:xfrm>
+          <a:prstGeom prst="rect">
+            <a:avLst/>
+          </a:prstGeom>
+          <a:solidFill>
+            <a:schemeClr val="accent5">
+              <a:lumMod val="20000"/>
+              <a:lumOff val="80000"/>
+            </a:schemeClr>
+          </a:solidFill>
+          <a:ln>
+            <a:noFill/>
+          </a:ln>
+        </p:spPr>
+        <p:style>
+          <a:lnRef idx="2">
+            <a:schemeClr val="accent1">
+              <a:shade val="50000"/>
+            </a:schemeClr>
+          </a:lnRef>
+          <a:fillRef idx="1">
+            <a:schemeClr val="accent1"/>
+          </a:fillRef>
+          <a:effectRef idx="0">
+            <a:schemeClr val="accent1"/>
+          </a:effectRef>
+          <a:fontRef idx="minor">
+            <a:schemeClr val="lt1"/>
+          </a:fontRef>
+        </p:style>
+        <p:txBody>
+          <a:bodyPr rtlCol="0" anchor="ctr"/>
+          <a:lstStyle/>
+          <a:p>
+            <a:pPr algn="ctr"/>
+            <a:endParaRPr lang="ko-KR" altLang="en-US" sz="1600" dirty="0">
+              <a:latin typeface="KoPubWorld돋움체 Medium" panose="00000600000000000000" pitchFamily="2" charset="-127"/>
+              <a:ea typeface="KoPubWorld돋움체 Medium" panose="00000600000000000000" pitchFamily="2" charset="-127"/>
+              <a:cs typeface="KoPubWorld돋움체 Medium" panose="00000600000000000000" pitchFamily="2" charset="-127"/>
+            </a:endParaRPr>
+          </a:p>
+        </p:txBody>
+      </p:sp>
+      <p:sp>
+        <p:nvSpPr>
+          <p:cNvPr id="10" name="직사각형 9">
+            <a:extLst>
+              <a:ext uri="{FF2B5EF4-FFF2-40B4-BE49-F238E27FC236}">
+                <a16:creationId xmlns:a16="http://schemas.microsoft.com/office/drawing/2014/main" id="{9A6A77CA-24EE-4F87-97B3-C2D6E1D40B10}"/>
+              </a:ext>
+            </a:extLst>
+          </p:cNvPr>
+          <p:cNvSpPr/>
+          <p:nvPr/>
+        </p:nvSpPr>
+        <p:spPr>
+          <a:xfrm>
+            <a:off x="1350040" y="1650361"/>
+            <a:ext cx="1531188" cy="400110"/>
+          </a:xfrm>
+          <a:prstGeom prst="rect">
+            <a:avLst/>
+          </a:prstGeom>
+        </p:spPr>
+        <p:txBody>
+          <a:bodyPr wrap="none">
+            <a:spAutoFit/>
+          </a:bodyPr>
+          <a:lstStyle/>
+          <a:p>
+            <a:pPr algn="ctr" fontAlgn="t"/>
+            <a:r>
+              <a:rPr lang="ko-KR" altLang="en-US" sz="2000" dirty="0" err="1">
+                <a:latin typeface="KoPubWorld돋움체 Bold" panose="00000800000000000000" pitchFamily="2" charset="-127"/>
+                <a:ea typeface="KoPubWorld돋움체 Bold" panose="00000800000000000000" pitchFamily="2" charset="-127"/>
+                <a:cs typeface="KoPubWorld돋움체 Bold" panose="00000800000000000000" pitchFamily="2" charset="-127"/>
+              </a:rPr>
+              <a:t>조이피트니스</a:t>
+            </a:r>
+            <a:endParaRPr lang="ko-KR" altLang="en-US" sz="2000" dirty="0">
+              <a:latin typeface="KoPubWorld돋움체 Bold" panose="00000800000000000000" pitchFamily="2" charset="-127"/>
+              <a:ea typeface="KoPubWorld돋움체 Bold" panose="00000800000000000000" pitchFamily="2" charset="-127"/>
+              <a:cs typeface="KoPubWorld돋움체 Bold" panose="00000800000000000000" pitchFamily="2" charset="-127"/>
+            </a:endParaRPr>
+          </a:p>
+        </p:txBody>
+      </p:sp>
+      <p:sp>
+        <p:nvSpPr>
+          <p:cNvPr id="13" name="직사각형 12">
+            <a:extLst>
+              <a:ext uri="{FF2B5EF4-FFF2-40B4-BE49-F238E27FC236}">
+                <a16:creationId xmlns:a16="http://schemas.microsoft.com/office/drawing/2014/main" id="{3B50A086-5F58-4683-9C36-9356713ECEA4}"/>
+              </a:ext>
+            </a:extLst>
+          </p:cNvPr>
+          <p:cNvSpPr/>
+          <p:nvPr/>
+        </p:nvSpPr>
+        <p:spPr>
+          <a:xfrm>
+            <a:off x="768150" y="2000467"/>
+            <a:ext cx="2694969" cy="307777"/>
+          </a:xfrm>
+          <a:prstGeom prst="rect">
+            <a:avLst/>
+          </a:prstGeom>
+        </p:spPr>
+        <p:txBody>
+          <a:bodyPr wrap="none">
+            <a:spAutoFit/>
+          </a:bodyPr>
+          <a:lstStyle/>
+          <a:p>
+            <a:pPr fontAlgn="t"/>
+            <a:r>
+              <a:rPr lang="ko-KR" altLang="en-US" sz="1400" dirty="0">
+                <a:latin typeface="KoPubWorld돋움체 Medium" panose="00000600000000000000" pitchFamily="2" charset="-127"/>
+                <a:ea typeface="KoPubWorld돋움체 Medium" panose="00000600000000000000" pitchFamily="2" charset="-127"/>
+                <a:cs typeface="KoPubWorld돋움체 Medium" panose="00000600000000000000" pitchFamily="2" charset="-127"/>
+              </a:rPr>
+              <a:t>개인화된 피트니스 트레이닝 플랫폼</a:t>
+            </a:r>
+          </a:p>
+        </p:txBody>
+      </p:sp>
+      <p:sp>
+        <p:nvSpPr>
+          <p:cNvPr id="16" name="직사각형 15">
+            <a:extLst>
+              <a:ext uri="{FF2B5EF4-FFF2-40B4-BE49-F238E27FC236}">
+                <a16:creationId xmlns:a16="http://schemas.microsoft.com/office/drawing/2014/main" id="{7F158475-4FAA-4320-9CC8-FA1D384E9862}"/>
+              </a:ext>
+            </a:extLst>
+          </p:cNvPr>
+          <p:cNvSpPr/>
+          <p:nvPr/>
+        </p:nvSpPr>
+        <p:spPr>
+          <a:xfrm>
+            <a:off x="485001" y="4987435"/>
+            <a:ext cx="3261266" cy="1061829"/>
+          </a:xfrm>
+          <a:prstGeom prst="rect">
+            <a:avLst/>
+          </a:prstGeom>
+        </p:spPr>
+        <p:txBody>
+          <a:bodyPr wrap="square">
+            <a:spAutoFit/>
+          </a:bodyPr>
+          <a:lstStyle/>
+          <a:p>
+            <a:pPr algn="ctr" fontAlgn="t">
+              <a:lnSpc>
+                <a:spcPct val="150000"/>
+              </a:lnSpc>
+            </a:pPr>
+            <a:r>
+              <a:rPr lang="en-US" altLang="ko-KR" sz="1400" dirty="0">
+                <a:solidFill>
+                  <a:srgbClr val="000000"/>
+                </a:solidFill>
+                <a:latin typeface="KoPubWorld돋움체 Medium" panose="00000600000000000000" pitchFamily="2" charset="-127"/>
+                <a:ea typeface="KoPubWorld돋움체 Medium" panose="00000600000000000000" pitchFamily="2" charset="-127"/>
+                <a:cs typeface="KoPubWorld돋움체 Medium" panose="00000600000000000000" pitchFamily="2" charset="-127"/>
+              </a:rPr>
+              <a:t>Depth</a:t>
+            </a:r>
+            <a:r>
+              <a:rPr lang="ko-KR" altLang="en-US" sz="1400" dirty="0">
+                <a:solidFill>
+                  <a:srgbClr val="000000"/>
+                </a:solidFill>
+                <a:latin typeface="KoPubWorld돋움체 Medium" panose="00000600000000000000" pitchFamily="2" charset="-127"/>
+                <a:ea typeface="KoPubWorld돋움체 Medium" panose="00000600000000000000" pitchFamily="2" charset="-127"/>
+                <a:cs typeface="KoPubWorld돋움체 Medium" panose="00000600000000000000" pitchFamily="2" charset="-127"/>
+              </a:rPr>
+              <a:t> </a:t>
+            </a:r>
+            <a:r>
+              <a:rPr lang="en-US" altLang="ko-KR" sz="1400" dirty="0">
+                <a:solidFill>
+                  <a:srgbClr val="000000"/>
+                </a:solidFill>
+                <a:latin typeface="KoPubWorld돋움체 Medium" panose="00000600000000000000" pitchFamily="2" charset="-127"/>
+                <a:ea typeface="KoPubWorld돋움체 Medium" panose="00000600000000000000" pitchFamily="2" charset="-127"/>
+                <a:cs typeface="KoPubWorld돋움체 Medium" panose="00000600000000000000" pitchFamily="2" charset="-127"/>
+              </a:rPr>
+              <a:t>Camera</a:t>
+            </a:r>
+            <a:r>
+              <a:rPr lang="ko-KR" altLang="en-US" sz="1400" dirty="0">
+                <a:solidFill>
+                  <a:srgbClr val="000000"/>
+                </a:solidFill>
+                <a:latin typeface="KoPubWorld돋움체 Medium" panose="00000600000000000000" pitchFamily="2" charset="-127"/>
+                <a:ea typeface="KoPubWorld돋움체 Medium" panose="00000600000000000000" pitchFamily="2" charset="-127"/>
+                <a:cs typeface="KoPubWorld돋움체 Medium" panose="00000600000000000000" pitchFamily="2" charset="-127"/>
+              </a:rPr>
+              <a:t>를 이용한 </a:t>
+            </a:r>
+            <a:endParaRPr lang="en-US" altLang="ko-KR" sz="1400" dirty="0">
+              <a:solidFill>
+                <a:srgbClr val="000000"/>
+              </a:solidFill>
+              <a:latin typeface="KoPubWorld돋움체 Medium" panose="00000600000000000000" pitchFamily="2" charset="-127"/>
+              <a:ea typeface="KoPubWorld돋움체 Medium" panose="00000600000000000000" pitchFamily="2" charset="-127"/>
+              <a:cs typeface="KoPubWorld돋움체 Medium" panose="00000600000000000000" pitchFamily="2" charset="-127"/>
+            </a:endParaRPr>
+          </a:p>
+          <a:p>
+            <a:pPr algn="ctr" fontAlgn="t">
+              <a:lnSpc>
+                <a:spcPct val="150000"/>
+              </a:lnSpc>
+            </a:pPr>
+            <a:r>
+              <a:rPr lang="ko-KR" altLang="en-US" sz="1400" dirty="0">
+                <a:solidFill>
+                  <a:srgbClr val="000000"/>
+                </a:solidFill>
+                <a:latin typeface="KoPubWorld돋움체 Medium" panose="00000600000000000000" pitchFamily="2" charset="-127"/>
+                <a:ea typeface="KoPubWorld돋움체 Medium" panose="00000600000000000000" pitchFamily="2" charset="-127"/>
+                <a:cs typeface="KoPubWorld돋움체 Medium" panose="00000600000000000000" pitchFamily="2" charset="-127"/>
+              </a:rPr>
+              <a:t>골격 구조 인식 및 이미지 대조 방식으로 </a:t>
+            </a:r>
+            <a:endParaRPr lang="en-US" altLang="ko-KR" sz="1400" dirty="0">
+              <a:solidFill>
+                <a:srgbClr val="000000"/>
+              </a:solidFill>
+              <a:latin typeface="KoPubWorld돋움체 Medium" panose="00000600000000000000" pitchFamily="2" charset="-127"/>
+              <a:ea typeface="KoPubWorld돋움체 Medium" panose="00000600000000000000" pitchFamily="2" charset="-127"/>
+              <a:cs typeface="KoPubWorld돋움체 Medium" panose="00000600000000000000" pitchFamily="2" charset="-127"/>
+            </a:endParaRPr>
+          </a:p>
+          <a:p>
+            <a:pPr algn="ctr" fontAlgn="t">
+              <a:lnSpc>
+                <a:spcPct val="150000"/>
+              </a:lnSpc>
+            </a:pPr>
+            <a:r>
+              <a:rPr lang="ko-KR" altLang="en-US" sz="1400" dirty="0">
+                <a:solidFill>
+                  <a:srgbClr val="000000"/>
+                </a:solidFill>
+                <a:latin typeface="KoPubWorld돋움체 Medium" panose="00000600000000000000" pitchFamily="2" charset="-127"/>
+                <a:ea typeface="KoPubWorld돋움체 Medium" panose="00000600000000000000" pitchFamily="2" charset="-127"/>
+                <a:cs typeface="KoPubWorld돋움체 Medium" panose="00000600000000000000" pitchFamily="2" charset="-127"/>
+              </a:rPr>
+              <a:t>동작 일치 여부 판단</a:t>
+            </a:r>
+            <a:endParaRPr lang="ko-KR" altLang="en-US" sz="1400" dirty="0">
+              <a:latin typeface="KoPubWorld돋움체 Medium" panose="00000600000000000000" pitchFamily="2" charset="-127"/>
+              <a:ea typeface="KoPubWorld돋움체 Medium" panose="00000600000000000000" pitchFamily="2" charset="-127"/>
+              <a:cs typeface="KoPubWorld돋움체 Medium" panose="00000600000000000000" pitchFamily="2" charset="-127"/>
+            </a:endParaRPr>
+          </a:p>
+        </p:txBody>
+      </p:sp>
+      <p:pic>
+        <p:nvPicPr>
+          <p:cNvPr id="2052" name="Picture 4">
+            <a:extLst>
+              <a:ext uri="{FF2B5EF4-FFF2-40B4-BE49-F238E27FC236}">
+                <a16:creationId xmlns:a16="http://schemas.microsoft.com/office/drawing/2014/main" id="{16929F18-EB06-48C0-889B-1C5F804F8057}"/>
+              </a:ext>
+            </a:extLst>
+          </p:cNvPr>
+          <p:cNvPicPr>
+            <a:picLocks noChangeAspect="1" noChangeArrowheads="1"/>
+          </p:cNvPicPr>
+          <p:nvPr/>
+        </p:nvPicPr>
+        <p:blipFill rotWithShape="1">
+          <a:blip r:embed="rId2">
+            <a:extLst>
+              <a:ext uri="{28A0092B-C50C-407E-A947-70E740481C1C}">
+                <a14:useLocalDpi xmlns:a14="http://schemas.microsoft.com/office/drawing/2010/main" val="0"/>
+              </a:ext>
+            </a:extLst>
+          </a:blip>
+          <a:srcRect l="7231" t="13107" r="24618" b="20976"/>
+          <a:stretch/>
+        </p:blipFill>
+        <p:spPr bwMode="auto">
+          <a:xfrm>
+            <a:off x="409311" y="2594448"/>
+            <a:ext cx="3412646" cy="2097655"/>
+          </a:xfrm>
+          <a:prstGeom prst="rect">
+            <a:avLst/>
+          </a:prstGeom>
+          <a:noFill/>
+          <a:extLst>
+            <a:ext uri="{909E8E84-426E-40DD-AFC4-6F175D3DCCD1}">
+              <a14:hiddenFill xmlns:a14="http://schemas.microsoft.com/office/drawing/2010/main">
+                <a:solidFill>
+                  <a:srgbClr val="FFFFFF"/>
+                </a:solidFill>
+              </a14:hiddenFill>
+            </a:ext>
+          </a:extLst>
+        </p:spPr>
+      </p:pic>
+      <p:pic>
+        <p:nvPicPr>
+          <p:cNvPr id="4" name="그림 3">
+            <a:extLst>
+              <a:ext uri="{FF2B5EF4-FFF2-40B4-BE49-F238E27FC236}">
+                <a16:creationId xmlns:a16="http://schemas.microsoft.com/office/drawing/2014/main" id="{45DFF575-A590-481D-8D51-ED29AFCDC7BC}"/>
+              </a:ext>
+            </a:extLst>
+          </p:cNvPr>
+          <p:cNvPicPr>
+            <a:picLocks noChangeAspect="1"/>
+          </p:cNvPicPr>
+          <p:nvPr/>
+        </p:nvPicPr>
+        <p:blipFill rotWithShape="1">
+          <a:blip r:embed="rId3"/>
+          <a:srcRect l="17682" t="26166" r="18234" b="16543"/>
+          <a:stretch/>
+        </p:blipFill>
+        <p:spPr>
+          <a:xfrm>
+            <a:off x="4618067" y="2448145"/>
+            <a:ext cx="2962567" cy="2441060"/>
+          </a:xfrm>
+          <a:prstGeom prst="rect">
+            <a:avLst/>
+          </a:prstGeom>
+        </p:spPr>
+      </p:pic>
+      <p:sp>
+        <p:nvSpPr>
+          <p:cNvPr id="11" name="직사각형 10">
+            <a:extLst>
+              <a:ext uri="{FF2B5EF4-FFF2-40B4-BE49-F238E27FC236}">
+                <a16:creationId xmlns:a16="http://schemas.microsoft.com/office/drawing/2014/main" id="{FF4B8B9B-4C70-4BAA-AA4D-3D29C3C09D0E}"/>
+              </a:ext>
+            </a:extLst>
+          </p:cNvPr>
+          <p:cNvSpPr/>
+          <p:nvPr/>
+        </p:nvSpPr>
+        <p:spPr>
+          <a:xfrm>
+            <a:off x="4700730" y="1650361"/>
+            <a:ext cx="2797240" cy="400110"/>
+          </a:xfrm>
+          <a:prstGeom prst="rect">
+            <a:avLst/>
+          </a:prstGeom>
+        </p:spPr>
+        <p:txBody>
+          <a:bodyPr wrap="none">
+            <a:spAutoFit/>
+          </a:bodyPr>
+          <a:lstStyle/>
+          <a:p>
+            <a:pPr algn="ctr" fontAlgn="t"/>
+            <a:r>
+              <a:rPr lang="ko-KR" altLang="en-US" sz="2000" dirty="0" err="1">
+                <a:latin typeface="KoPubWorld돋움체 Bold" panose="00000800000000000000" pitchFamily="2" charset="-127"/>
+                <a:ea typeface="KoPubWorld돋움체 Bold" panose="00000800000000000000" pitchFamily="2" charset="-127"/>
+                <a:cs typeface="KoPubWorld돋움체 Bold" panose="00000800000000000000" pitchFamily="2" charset="-127"/>
+              </a:rPr>
+              <a:t>스마트홈트</a:t>
+            </a:r>
+            <a:r>
+              <a:rPr lang="ko-KR" altLang="en-US" sz="2000" dirty="0">
+                <a:latin typeface="KoPubWorld돋움체 Bold" panose="00000800000000000000" pitchFamily="2" charset="-127"/>
+                <a:ea typeface="KoPubWorld돋움체 Bold" panose="00000800000000000000" pitchFamily="2" charset="-127"/>
+                <a:cs typeface="KoPubWorld돋움체 Bold" panose="00000800000000000000" pitchFamily="2" charset="-127"/>
+              </a:rPr>
+              <a:t> </a:t>
+            </a:r>
+            <a:r>
+              <a:rPr lang="en-US" altLang="ko-KR" sz="2000" dirty="0">
+                <a:latin typeface="KoPubWorld돋움체 Bold" panose="00000800000000000000" pitchFamily="2" charset="-127"/>
+                <a:ea typeface="KoPubWorld돋움체 Bold" panose="00000800000000000000" pitchFamily="2" charset="-127"/>
+                <a:cs typeface="KoPubWorld돋움체 Bold" panose="00000800000000000000" pitchFamily="2" charset="-127"/>
+              </a:rPr>
+              <a:t>by </a:t>
+            </a:r>
+            <a:r>
+              <a:rPr lang="en-US" altLang="ko-KR" sz="2000" dirty="0" err="1">
+                <a:latin typeface="KoPubWorld돋움체 Bold" panose="00000800000000000000" pitchFamily="2" charset="-127"/>
+                <a:ea typeface="KoPubWorld돋움체 Bold" panose="00000800000000000000" pitchFamily="2" charset="-127"/>
+                <a:cs typeface="KoPubWorld돋움체 Bold" panose="00000800000000000000" pitchFamily="2" charset="-127"/>
+              </a:rPr>
+              <a:t>Kakao</a:t>
+            </a:r>
+            <a:r>
+              <a:rPr lang="en-US" altLang="ko-KR" sz="2000" dirty="0">
+                <a:latin typeface="KoPubWorld돋움체 Bold" panose="00000800000000000000" pitchFamily="2" charset="-127"/>
+                <a:ea typeface="KoPubWorld돋움체 Bold" panose="00000800000000000000" pitchFamily="2" charset="-127"/>
+                <a:cs typeface="KoPubWorld돋움체 Bold" panose="00000800000000000000" pitchFamily="2" charset="-127"/>
+              </a:rPr>
+              <a:t> VX</a:t>
+            </a:r>
+            <a:endParaRPr lang="ko-KR" altLang="en-US" sz="2000" dirty="0">
+              <a:latin typeface="KoPubWorld돋움체 Bold" panose="00000800000000000000" pitchFamily="2" charset="-127"/>
+              <a:ea typeface="KoPubWorld돋움체 Bold" panose="00000800000000000000" pitchFamily="2" charset="-127"/>
+              <a:cs typeface="KoPubWorld돋움체 Bold" panose="00000800000000000000" pitchFamily="2" charset="-127"/>
+            </a:endParaRPr>
+          </a:p>
+        </p:txBody>
+      </p:sp>
+      <p:sp>
+        <p:nvSpPr>
+          <p:cNvPr id="14" name="직사각형 13">
+            <a:extLst>
+              <a:ext uri="{FF2B5EF4-FFF2-40B4-BE49-F238E27FC236}">
+                <a16:creationId xmlns:a16="http://schemas.microsoft.com/office/drawing/2014/main" id="{26997BB4-11AF-4BCC-AA08-CC3F994BBEB4}"/>
+              </a:ext>
+            </a:extLst>
+          </p:cNvPr>
+          <p:cNvSpPr/>
+          <p:nvPr/>
+        </p:nvSpPr>
+        <p:spPr>
+          <a:xfrm>
+            <a:off x="5033995" y="2000467"/>
+            <a:ext cx="2130711" cy="307777"/>
+          </a:xfrm>
+          <a:prstGeom prst="rect">
+            <a:avLst/>
+          </a:prstGeom>
+        </p:spPr>
+        <p:txBody>
+          <a:bodyPr wrap="none">
+            <a:spAutoFit/>
+          </a:bodyPr>
+          <a:lstStyle/>
+          <a:p>
+            <a:r>
+              <a:rPr lang="en-US" altLang="ko-KR" sz="1400" dirty="0">
+                <a:latin typeface="KoPubWorld돋움체 Medium" panose="00000600000000000000" pitchFamily="2" charset="-127"/>
+                <a:ea typeface="KoPubWorld돋움체 Medium" panose="00000600000000000000" pitchFamily="2" charset="-127"/>
+                <a:cs typeface="KoPubWorld돋움체 Medium" panose="00000600000000000000" pitchFamily="2" charset="-127"/>
+              </a:rPr>
+              <a:t>AI</a:t>
+            </a:r>
+            <a:r>
+              <a:rPr lang="ko-KR" altLang="en-US" sz="1400" dirty="0">
+                <a:latin typeface="KoPubWorld돋움체 Medium" panose="00000600000000000000" pitchFamily="2" charset="-127"/>
+                <a:ea typeface="KoPubWorld돋움체 Medium" panose="00000600000000000000" pitchFamily="2" charset="-127"/>
+                <a:cs typeface="KoPubWorld돋움체 Medium" panose="00000600000000000000" pitchFamily="2" charset="-127"/>
+              </a:rPr>
+              <a:t> 코칭 </a:t>
+            </a:r>
+            <a:r>
+              <a:rPr lang="ko-KR" altLang="en-US" sz="1400" dirty="0" err="1">
+                <a:latin typeface="KoPubWorld돋움체 Medium" panose="00000600000000000000" pitchFamily="2" charset="-127"/>
+                <a:ea typeface="KoPubWorld돋움체 Medium" panose="00000600000000000000" pitchFamily="2" charset="-127"/>
+                <a:cs typeface="KoPubWorld돋움체 Medium" panose="00000600000000000000" pitchFamily="2" charset="-127"/>
+              </a:rPr>
+              <a:t>홈트레이닝</a:t>
+            </a:r>
+            <a:r>
+              <a:rPr lang="ko-KR" altLang="en-US" sz="1400" dirty="0">
+                <a:latin typeface="KoPubWorld돋움체 Medium" panose="00000600000000000000" pitchFamily="2" charset="-127"/>
+                <a:ea typeface="KoPubWorld돋움체 Medium" panose="00000600000000000000" pitchFamily="2" charset="-127"/>
+                <a:cs typeface="KoPubWorld돋움체 Medium" panose="00000600000000000000" pitchFamily="2" charset="-127"/>
+              </a:rPr>
+              <a:t> 전문 앱</a:t>
+            </a:r>
+            <a:endParaRPr lang="ko-KR" altLang="en-US" sz="1400" dirty="0"/>
+          </a:p>
+        </p:txBody>
+      </p:sp>
+      <p:sp>
+        <p:nvSpPr>
+          <p:cNvPr id="17" name="직사각형 16">
+            <a:extLst>
+              <a:ext uri="{FF2B5EF4-FFF2-40B4-BE49-F238E27FC236}">
+                <a16:creationId xmlns:a16="http://schemas.microsoft.com/office/drawing/2014/main" id="{8E2CD1F5-E7BE-47DA-B5F0-10841435C58B}"/>
+              </a:ext>
+            </a:extLst>
+          </p:cNvPr>
+          <p:cNvSpPr/>
+          <p:nvPr/>
+        </p:nvSpPr>
+        <p:spPr>
+          <a:xfrm>
+            <a:off x="4533783" y="4987436"/>
+            <a:ext cx="3131134" cy="1061829"/>
+          </a:xfrm>
+          <a:prstGeom prst="rect">
+            <a:avLst/>
+          </a:prstGeom>
+        </p:spPr>
+        <p:txBody>
+          <a:bodyPr wrap="square">
+            <a:spAutoFit/>
+          </a:bodyPr>
+          <a:lstStyle/>
+          <a:p>
+            <a:pPr algn="ctr" fontAlgn="t">
+              <a:lnSpc>
+                <a:spcPct val="150000"/>
+              </a:lnSpc>
+            </a:pPr>
+            <a:r>
+              <a:rPr lang="ko-KR" altLang="en-US" sz="1400" dirty="0">
+                <a:solidFill>
+                  <a:srgbClr val="000000"/>
+                </a:solidFill>
+                <a:latin typeface="KoPubWorld돋움체 Medium" panose="00000600000000000000" pitchFamily="2" charset="-127"/>
+                <a:ea typeface="KoPubWorld돋움체 Medium" panose="00000600000000000000" pitchFamily="2" charset="-127"/>
+                <a:cs typeface="KoPubWorld돋움체 Medium" panose="00000600000000000000" pitchFamily="2" charset="-127"/>
+              </a:rPr>
+              <a:t>딥러닝 기반 </a:t>
+            </a:r>
+            <a:r>
+              <a:rPr lang="en-US" altLang="ko-KR" sz="1400" dirty="0">
+                <a:solidFill>
+                  <a:srgbClr val="000000"/>
+                </a:solidFill>
+                <a:latin typeface="KoPubWorld돋움체 Medium" panose="00000600000000000000" pitchFamily="2" charset="-127"/>
+                <a:ea typeface="KoPubWorld돋움체 Medium" panose="00000600000000000000" pitchFamily="2" charset="-127"/>
+                <a:cs typeface="KoPubWorld돋움체 Medium" panose="00000600000000000000" pitchFamily="2" charset="-127"/>
+              </a:rPr>
+              <a:t>AI</a:t>
+            </a:r>
+            <a:r>
+              <a:rPr lang="ko-KR" altLang="en-US" sz="1400" dirty="0">
+                <a:solidFill>
+                  <a:srgbClr val="000000"/>
+                </a:solidFill>
+                <a:latin typeface="KoPubWorld돋움체 Medium" panose="00000600000000000000" pitchFamily="2" charset="-127"/>
+                <a:ea typeface="KoPubWorld돋움체 Medium" panose="00000600000000000000" pitchFamily="2" charset="-127"/>
+                <a:cs typeface="KoPubWorld돋움체 Medium" panose="00000600000000000000" pitchFamily="2" charset="-127"/>
+              </a:rPr>
+              <a:t> 기술을 활용하여</a:t>
+            </a:r>
+            <a:endParaRPr lang="en-US" altLang="ko-KR" sz="1400" dirty="0">
+              <a:solidFill>
+                <a:srgbClr val="000000"/>
+              </a:solidFill>
+              <a:latin typeface="KoPubWorld돋움체 Medium" panose="00000600000000000000" pitchFamily="2" charset="-127"/>
+              <a:ea typeface="KoPubWorld돋움체 Medium" panose="00000600000000000000" pitchFamily="2" charset="-127"/>
+              <a:cs typeface="KoPubWorld돋움체 Medium" panose="00000600000000000000" pitchFamily="2" charset="-127"/>
+            </a:endParaRPr>
+          </a:p>
+          <a:p>
+            <a:pPr algn="ctr" fontAlgn="t">
+              <a:lnSpc>
+                <a:spcPct val="150000"/>
+              </a:lnSpc>
+            </a:pPr>
+            <a:r>
+              <a:rPr lang="ko-KR" altLang="en-US" sz="1400" dirty="0">
+                <a:solidFill>
+                  <a:srgbClr val="000000"/>
+                </a:solidFill>
+                <a:latin typeface="KoPubWorld돋움체 Medium" panose="00000600000000000000" pitchFamily="2" charset="-127"/>
+                <a:ea typeface="KoPubWorld돋움체 Medium" panose="00000600000000000000" pitchFamily="2" charset="-127"/>
+                <a:cs typeface="KoPubWorld돋움체 Medium" panose="00000600000000000000" pitchFamily="2" charset="-127"/>
+              </a:rPr>
+              <a:t>이용자의 실시간 관절 움직임을 추출하고 분석 후 올바른 운동 자세 추천</a:t>
+            </a:r>
+            <a:endParaRPr lang="ko-KR" altLang="en-US" sz="1400" dirty="0">
+              <a:latin typeface="KoPubWorld돋움체 Medium" panose="00000600000000000000" pitchFamily="2" charset="-127"/>
+              <a:ea typeface="KoPubWorld돋움체 Medium" panose="00000600000000000000" pitchFamily="2" charset="-127"/>
+              <a:cs typeface="KoPubWorld돋움체 Medium" panose="00000600000000000000" pitchFamily="2" charset="-127"/>
+            </a:endParaRPr>
+          </a:p>
+        </p:txBody>
+      </p:sp>
+      <p:sp>
+        <p:nvSpPr>
+          <p:cNvPr id="12" name="직사각형 11">
+            <a:extLst>
+              <a:ext uri="{FF2B5EF4-FFF2-40B4-BE49-F238E27FC236}">
+                <a16:creationId xmlns:a16="http://schemas.microsoft.com/office/drawing/2014/main" id="{3829DDA6-C422-45DA-8C16-6FF642A3A617}"/>
+              </a:ext>
+            </a:extLst>
+          </p:cNvPr>
+          <p:cNvSpPr/>
+          <p:nvPr/>
+        </p:nvSpPr>
+        <p:spPr>
+          <a:xfrm>
+            <a:off x="9719848" y="1650361"/>
+            <a:ext cx="771365" cy="400110"/>
+          </a:xfrm>
+          <a:prstGeom prst="rect">
+            <a:avLst/>
+          </a:prstGeom>
+        </p:spPr>
+        <p:txBody>
+          <a:bodyPr wrap="none">
+            <a:spAutoFit/>
+          </a:bodyPr>
+          <a:lstStyle/>
+          <a:p>
+            <a:pPr algn="ctr" fontAlgn="t"/>
+            <a:r>
+              <a:rPr lang="en-US" altLang="ko-KR" sz="2000" dirty="0">
+                <a:latin typeface="KoPubWorld돋움체 Bold" panose="00000800000000000000" pitchFamily="2" charset="-127"/>
+                <a:ea typeface="KoPubWorld돋움체 Bold" panose="00000800000000000000" pitchFamily="2" charset="-127"/>
+                <a:cs typeface="KoPubWorld돋움체 Bold" panose="00000800000000000000" pitchFamily="2" charset="-127"/>
+              </a:rPr>
+              <a:t>12PT</a:t>
+            </a:r>
+            <a:endParaRPr lang="ko-KR" altLang="en-US" sz="2000" dirty="0">
+              <a:latin typeface="KoPubWorld돋움체 Bold" panose="00000800000000000000" pitchFamily="2" charset="-127"/>
+              <a:ea typeface="KoPubWorld돋움체 Bold" panose="00000800000000000000" pitchFamily="2" charset="-127"/>
+              <a:cs typeface="KoPubWorld돋움체 Bold" panose="00000800000000000000" pitchFamily="2" charset="-127"/>
+            </a:endParaRPr>
+          </a:p>
+        </p:txBody>
+      </p:sp>
+      <p:sp>
+        <p:nvSpPr>
+          <p:cNvPr id="15" name="직사각형 14">
+            <a:extLst>
+              <a:ext uri="{FF2B5EF4-FFF2-40B4-BE49-F238E27FC236}">
+                <a16:creationId xmlns:a16="http://schemas.microsoft.com/office/drawing/2014/main" id="{48143F88-E4C5-4250-9F7D-E7CA8342E485}"/>
+              </a:ext>
+            </a:extLst>
+          </p:cNvPr>
+          <p:cNvSpPr/>
+          <p:nvPr/>
+        </p:nvSpPr>
+        <p:spPr>
+          <a:xfrm>
+            <a:off x="8725986" y="2000467"/>
+            <a:ext cx="2759089" cy="307777"/>
+          </a:xfrm>
+          <a:prstGeom prst="rect">
+            <a:avLst/>
+          </a:prstGeom>
+        </p:spPr>
+        <p:txBody>
+          <a:bodyPr wrap="none">
+            <a:spAutoFit/>
+          </a:bodyPr>
+          <a:lstStyle/>
+          <a:p>
+            <a:pPr fontAlgn="t"/>
+            <a:r>
+              <a:rPr lang="ko-KR" altLang="en-US" sz="1400" dirty="0">
+                <a:latin typeface="KoPubWorld돋움체 Medium" panose="00000600000000000000" pitchFamily="2" charset="-127"/>
+                <a:ea typeface="KoPubWorld돋움체 Medium" panose="00000600000000000000" pitchFamily="2" charset="-127"/>
+                <a:cs typeface="KoPubWorld돋움체 Medium" panose="00000600000000000000" pitchFamily="2" charset="-127"/>
+              </a:rPr>
+              <a:t>자세교정이 가능한 </a:t>
+            </a:r>
+            <a:r>
+              <a:rPr lang="en-US" altLang="ko-KR" sz="1400" dirty="0">
+                <a:latin typeface="KoPubWorld돋움체 Medium" panose="00000600000000000000" pitchFamily="2" charset="-127"/>
+                <a:ea typeface="KoPubWorld돋움체 Medium" panose="00000600000000000000" pitchFamily="2" charset="-127"/>
+                <a:cs typeface="KoPubWorld돋움체 Medium" panose="00000600000000000000" pitchFamily="2" charset="-127"/>
+              </a:rPr>
+              <a:t>AI</a:t>
+            </a:r>
+            <a:r>
+              <a:rPr lang="ko-KR" altLang="en-US" sz="1400" dirty="0">
+                <a:latin typeface="KoPubWorld돋움체 Medium" panose="00000600000000000000" pitchFamily="2" charset="-127"/>
+                <a:ea typeface="KoPubWorld돋움체 Medium" panose="00000600000000000000" pitchFamily="2" charset="-127"/>
+                <a:cs typeface="KoPubWorld돋움체 Medium" panose="00000600000000000000" pitchFamily="2" charset="-127"/>
+              </a:rPr>
+              <a:t> </a:t>
+            </a:r>
+            <a:r>
+              <a:rPr lang="ko-KR" altLang="en-US" sz="1400" dirty="0" err="1">
+                <a:latin typeface="KoPubWorld돋움체 Medium" panose="00000600000000000000" pitchFamily="2" charset="-127"/>
+                <a:ea typeface="KoPubWorld돋움체 Medium" panose="00000600000000000000" pitchFamily="2" charset="-127"/>
+                <a:cs typeface="KoPubWorld돋움체 Medium" panose="00000600000000000000" pitchFamily="2" charset="-127"/>
+              </a:rPr>
+              <a:t>홈트레이닝</a:t>
+            </a:r>
+            <a:r>
+              <a:rPr lang="ko-KR" altLang="en-US" sz="1400" dirty="0">
+                <a:latin typeface="KoPubWorld돋움체 Medium" panose="00000600000000000000" pitchFamily="2" charset="-127"/>
+                <a:ea typeface="KoPubWorld돋움체 Medium" panose="00000600000000000000" pitchFamily="2" charset="-127"/>
+                <a:cs typeface="KoPubWorld돋움체 Medium" panose="00000600000000000000" pitchFamily="2" charset="-127"/>
+              </a:rPr>
+              <a:t> 앱</a:t>
+            </a:r>
+          </a:p>
+        </p:txBody>
+      </p:sp>
+      <p:sp>
+        <p:nvSpPr>
+          <p:cNvPr id="18" name="직사각형 17">
+            <a:extLst>
+              <a:ext uri="{FF2B5EF4-FFF2-40B4-BE49-F238E27FC236}">
+                <a16:creationId xmlns:a16="http://schemas.microsoft.com/office/drawing/2014/main" id="{B223EBD3-EF5F-4B3B-95E7-95168EB9DD96}"/>
+              </a:ext>
+            </a:extLst>
+          </p:cNvPr>
+          <p:cNvSpPr/>
+          <p:nvPr/>
+        </p:nvSpPr>
+        <p:spPr>
+          <a:xfrm>
+            <a:off x="8394302" y="4987437"/>
+            <a:ext cx="3422456" cy="1061829"/>
+          </a:xfrm>
+          <a:prstGeom prst="rect">
+            <a:avLst/>
+          </a:prstGeom>
+        </p:spPr>
+        <p:txBody>
+          <a:bodyPr wrap="square">
+            <a:spAutoFit/>
+          </a:bodyPr>
+          <a:lstStyle/>
+          <a:p>
+            <a:pPr algn="ctr" fontAlgn="t">
+              <a:lnSpc>
+                <a:spcPct val="150000"/>
+              </a:lnSpc>
+            </a:pPr>
+            <a:r>
+              <a:rPr lang="ko-KR" altLang="en-US" sz="1400" dirty="0">
+                <a:latin typeface="KoPubWorld돋움체 Medium" panose="00000600000000000000" pitchFamily="2" charset="-127"/>
+                <a:ea typeface="KoPubWorld돋움체 Medium" panose="00000600000000000000" pitchFamily="2" charset="-127"/>
+                <a:cs typeface="KoPubWorld돋움체 Medium" panose="00000600000000000000" pitchFamily="2" charset="-127"/>
+              </a:rPr>
+              <a:t>딥러닝 기술을 활용하여 </a:t>
+            </a:r>
+            <a:endParaRPr lang="en-US" altLang="ko-KR" sz="1400" dirty="0">
+              <a:latin typeface="KoPubWorld돋움체 Medium" panose="00000600000000000000" pitchFamily="2" charset="-127"/>
+              <a:ea typeface="KoPubWorld돋움체 Medium" panose="00000600000000000000" pitchFamily="2" charset="-127"/>
+              <a:cs typeface="KoPubWorld돋움체 Medium" panose="00000600000000000000" pitchFamily="2" charset="-127"/>
+            </a:endParaRPr>
+          </a:p>
+          <a:p>
+            <a:pPr algn="ctr" fontAlgn="t">
+              <a:lnSpc>
+                <a:spcPct val="150000"/>
+              </a:lnSpc>
+            </a:pPr>
+            <a:r>
+              <a:rPr lang="ko-KR" altLang="en-US" sz="1400" dirty="0">
+                <a:latin typeface="KoPubWorld돋움체 Medium" panose="00000600000000000000" pitchFamily="2" charset="-127"/>
+                <a:ea typeface="KoPubWorld돋움체 Medium" panose="00000600000000000000" pitchFamily="2" charset="-127"/>
+                <a:cs typeface="KoPubWorld돋움체 Medium" panose="00000600000000000000" pitchFamily="2" charset="-127"/>
+              </a:rPr>
+              <a:t>실시간 관절 추정 및 실시간 카운트</a:t>
+            </a:r>
+            <a:endParaRPr lang="en-US" altLang="ko-KR" sz="1400" dirty="0">
+              <a:latin typeface="KoPubWorld돋움체 Medium" panose="00000600000000000000" pitchFamily="2" charset="-127"/>
+              <a:ea typeface="KoPubWorld돋움체 Medium" panose="00000600000000000000" pitchFamily="2" charset="-127"/>
+              <a:cs typeface="KoPubWorld돋움체 Medium" panose="00000600000000000000" pitchFamily="2" charset="-127"/>
+            </a:endParaRPr>
+          </a:p>
+          <a:p>
+            <a:pPr algn="ctr" fontAlgn="t">
+              <a:lnSpc>
+                <a:spcPct val="150000"/>
+              </a:lnSpc>
+            </a:pPr>
+            <a:r>
+              <a:rPr lang="ko-KR" altLang="en-US" sz="1400" dirty="0">
+                <a:latin typeface="KoPubWorld돋움체 Medium" panose="00000600000000000000" pitchFamily="2" charset="-127"/>
+                <a:ea typeface="KoPubWorld돋움체 Medium" panose="00000600000000000000" pitchFamily="2" charset="-127"/>
+                <a:cs typeface="KoPubWorld돋움체 Medium" panose="00000600000000000000" pitchFamily="2" charset="-127"/>
+              </a:rPr>
+              <a:t>축적된 데이터로 개인의 운동 패턴 분석</a:t>
+            </a:r>
+          </a:p>
+        </p:txBody>
+      </p:sp>
+      <p:pic>
+        <p:nvPicPr>
+          <p:cNvPr id="19" name="그림 18">
+            <a:extLst>
+              <a:ext uri="{FF2B5EF4-FFF2-40B4-BE49-F238E27FC236}">
+                <a16:creationId xmlns:a16="http://schemas.microsoft.com/office/drawing/2014/main" id="{7095896A-768F-466D-9ED9-F863082845CA}"/>
+              </a:ext>
+            </a:extLst>
+          </p:cNvPr>
+          <p:cNvPicPr>
+            <a:picLocks noChangeAspect="1"/>
+          </p:cNvPicPr>
+          <p:nvPr/>
+        </p:nvPicPr>
+        <p:blipFill>
+          <a:blip r:embed="rId4"/>
+          <a:stretch>
+            <a:fillRect/>
+          </a:stretch>
+        </p:blipFill>
+        <p:spPr>
+          <a:xfrm>
+            <a:off x="8407374" y="2473545"/>
+            <a:ext cx="3396312" cy="2441060"/>
+          </a:xfrm>
+          <a:prstGeom prst="rect">
+            <a:avLst/>
+          </a:prstGeom>
+        </p:spPr>
+      </p:pic>
+      <p:sp>
+        <p:nvSpPr>
+          <p:cNvPr id="24" name="직사각형 23">
+            <a:extLst>
+              <a:ext uri="{FF2B5EF4-FFF2-40B4-BE49-F238E27FC236}">
+                <a16:creationId xmlns:a16="http://schemas.microsoft.com/office/drawing/2014/main" id="{FF70AD26-8835-478C-8D88-02041588EF60}"/>
+              </a:ext>
+            </a:extLst>
+          </p:cNvPr>
+          <p:cNvSpPr/>
+          <p:nvPr/>
+        </p:nvSpPr>
+        <p:spPr>
+          <a:xfrm>
+            <a:off x="0" y="0"/>
+            <a:ext cx="12192000" cy="913200"/>
+          </a:xfrm>
+          <a:prstGeom prst="rect">
+            <a:avLst/>
+          </a:prstGeom>
+          <a:gradFill flip="none" rotWithShape="1">
+            <a:gsLst>
+              <a:gs pos="0">
+                <a:srgbClr val="014099">
+                  <a:shade val="30000"/>
+                  <a:satMod val="115000"/>
+                </a:srgbClr>
+              </a:gs>
+              <a:gs pos="50000">
+                <a:srgbClr val="014099">
+                  <a:shade val="67500"/>
+                  <a:satMod val="115000"/>
+                </a:srgbClr>
+              </a:gs>
+              <a:gs pos="100000">
+                <a:srgbClr val="014099">
+                  <a:shade val="100000"/>
+                  <a:satMod val="115000"/>
+                </a:srgbClr>
+              </a:gs>
+            </a:gsLst>
+            <a:path path="circle">
+              <a:fillToRect r="100000" b="100000"/>
+            </a:path>
+            <a:tileRect l="-100000" t="-100000"/>
+          </a:gradFill>
+          <a:ln>
+            <a:noFill/>
+          </a:ln>
+        </p:spPr>
+        <p:style>
+          <a:lnRef idx="2">
+            <a:schemeClr val="accent1">
+              <a:shade val="50000"/>
+            </a:schemeClr>
+          </a:lnRef>
+          <a:fillRef idx="1">
+            <a:schemeClr val="accent1"/>
+          </a:fillRef>
+          <a:effectRef idx="0">
+            <a:schemeClr val="accent1"/>
+          </a:effectRef>
+          <a:fontRef idx="minor">
+            <a:schemeClr val="lt1"/>
+          </a:fontRef>
+        </p:style>
+        <p:txBody>
+          <a:bodyPr rtlCol="0" anchor="ctr"/>
+          <a:lstStyle/>
+          <a:p>
+            <a:pPr algn="ctr"/>
+            <a:endParaRPr lang="ko-KR" altLang="en-US"/>
+          </a:p>
+        </p:txBody>
+      </p:sp>
+      <p:sp>
+        <p:nvSpPr>
+          <p:cNvPr id="25" name="TextBox 24">
+            <a:extLst>
+              <a:ext uri="{FF2B5EF4-FFF2-40B4-BE49-F238E27FC236}">
+                <a16:creationId xmlns:a16="http://schemas.microsoft.com/office/drawing/2014/main" id="{0DFF1540-E033-4CA8-938A-47C77AE6AF0A}"/>
+              </a:ext>
+            </a:extLst>
+          </p:cNvPr>
+          <p:cNvSpPr txBox="1"/>
+          <p:nvPr/>
+        </p:nvSpPr>
+        <p:spPr>
+          <a:xfrm>
+            <a:off x="135645" y="253186"/>
+            <a:ext cx="4857751" cy="553998"/>
+          </a:xfrm>
+          <a:prstGeom prst="rect">
+            <a:avLst/>
+          </a:prstGeom>
+          <a:noFill/>
+          <a:ln>
+            <a:noFill/>
+          </a:ln>
+        </p:spPr>
+        <p:txBody>
+          <a:bodyPr wrap="square" rtlCol="0">
+            <a:spAutoFit/>
+          </a:bodyPr>
+          <a:lstStyle/>
+          <a:p>
+            <a:pPr marL="571500" indent="-571500">
+              <a:buFont typeface="+mj-lt"/>
+              <a:buAutoNum type="romanUcPeriod" startAt="4"/>
+            </a:pPr>
+            <a:r>
+              <a:rPr lang="ko-KR" altLang="en-US" sz="3000" b="1" dirty="0">
+                <a:solidFill>
+                  <a:schemeClr val="bg1"/>
+                </a:solidFill>
+                <a:latin typeface="KoPubWorld돋움체 Bold" panose="00000800000000000000" pitchFamily="2" charset="-127"/>
+                <a:ea typeface="KoPubWorld돋움체 Bold" panose="00000800000000000000" pitchFamily="2" charset="-127"/>
+                <a:cs typeface="KoPubWorld돋움체 Bold" panose="00000800000000000000" pitchFamily="2" charset="-127"/>
+              </a:rPr>
+              <a:t>유사 아이디어</a:t>
+            </a:r>
+          </a:p>
+        </p:txBody>
+      </p:sp>
+      <p:sp>
+        <p:nvSpPr>
+          <p:cNvPr id="42" name="직사각형 41">
+            <a:extLst>
+              <a:ext uri="{FF2B5EF4-FFF2-40B4-BE49-F238E27FC236}">
+                <a16:creationId xmlns:a16="http://schemas.microsoft.com/office/drawing/2014/main" id="{761029DA-6816-48DE-9D9D-365664DD372F}"/>
+              </a:ext>
+            </a:extLst>
+          </p:cNvPr>
+          <p:cNvSpPr/>
+          <p:nvPr/>
+        </p:nvSpPr>
+        <p:spPr>
+          <a:xfrm>
+            <a:off x="308983" y="1451125"/>
+            <a:ext cx="3613303" cy="4738008"/>
+          </a:xfrm>
+          <a:prstGeom prst="rect">
+            <a:avLst/>
+          </a:prstGeom>
+          <a:noFill/>
+          <a:ln>
+            <a:solidFill>
+              <a:srgbClr val="014099"/>
+            </a:solidFill>
+          </a:ln>
+        </p:spPr>
+        <p:style>
+          <a:lnRef idx="2">
+            <a:schemeClr val="accent1">
+              <a:shade val="50000"/>
+            </a:schemeClr>
+          </a:lnRef>
+          <a:fillRef idx="1">
+            <a:schemeClr val="accent1"/>
+          </a:fillRef>
+          <a:effectRef idx="0">
+            <a:schemeClr val="accent1"/>
+          </a:effectRef>
+          <a:fontRef idx="minor">
+            <a:schemeClr val="lt1"/>
+          </a:fontRef>
+        </p:style>
+        <p:txBody>
+          <a:bodyPr rtlCol="0" anchor="ctr"/>
+          <a:lstStyle/>
+          <a:p>
+            <a:pPr algn="ctr"/>
+            <a:endParaRPr lang="ko-KR" altLang="en-US"/>
+          </a:p>
+        </p:txBody>
+      </p:sp>
+      <p:sp>
+        <p:nvSpPr>
+          <p:cNvPr id="43" name="직사각형 42">
+            <a:extLst>
+              <a:ext uri="{FF2B5EF4-FFF2-40B4-BE49-F238E27FC236}">
+                <a16:creationId xmlns:a16="http://schemas.microsoft.com/office/drawing/2014/main" id="{FF10533A-DC27-49F7-8056-295E23F7DDF6}"/>
+              </a:ext>
+            </a:extLst>
+          </p:cNvPr>
+          <p:cNvSpPr/>
+          <p:nvPr/>
+        </p:nvSpPr>
+        <p:spPr>
+          <a:xfrm>
+            <a:off x="4292699" y="1451125"/>
+            <a:ext cx="3613303" cy="4738008"/>
+          </a:xfrm>
+          <a:prstGeom prst="rect">
+            <a:avLst/>
+          </a:prstGeom>
+          <a:noFill/>
+          <a:ln>
+            <a:solidFill>
+              <a:srgbClr val="014099"/>
+            </a:solidFill>
+          </a:ln>
+        </p:spPr>
+        <p:style>
+          <a:lnRef idx="2">
+            <a:schemeClr val="accent1">
+              <a:shade val="50000"/>
+            </a:schemeClr>
+          </a:lnRef>
+          <a:fillRef idx="1">
+            <a:schemeClr val="accent1"/>
+          </a:fillRef>
+          <a:effectRef idx="0">
+            <a:schemeClr val="accent1"/>
+          </a:effectRef>
+          <a:fontRef idx="minor">
+            <a:schemeClr val="lt1"/>
+          </a:fontRef>
+        </p:style>
+        <p:txBody>
+          <a:bodyPr rtlCol="0" anchor="ctr"/>
+          <a:lstStyle/>
+          <a:p>
+            <a:pPr algn="ctr"/>
+            <a:endParaRPr lang="ko-KR" altLang="en-US"/>
+          </a:p>
+        </p:txBody>
+      </p:sp>
+      <p:sp>
+        <p:nvSpPr>
+          <p:cNvPr id="44" name="직사각형 43">
+            <a:extLst>
+              <a:ext uri="{FF2B5EF4-FFF2-40B4-BE49-F238E27FC236}">
+                <a16:creationId xmlns:a16="http://schemas.microsoft.com/office/drawing/2014/main" id="{2C16E9C9-08B0-476C-BECA-D7640D844DC3}"/>
+              </a:ext>
+            </a:extLst>
+          </p:cNvPr>
+          <p:cNvSpPr/>
+          <p:nvPr/>
+        </p:nvSpPr>
+        <p:spPr>
+          <a:xfrm>
+            <a:off x="8298879" y="1451125"/>
+            <a:ext cx="3613303" cy="4738008"/>
+          </a:xfrm>
+          <a:prstGeom prst="rect">
+            <a:avLst/>
+          </a:prstGeom>
+          <a:noFill/>
+          <a:ln>
+            <a:solidFill>
+              <a:srgbClr val="014099"/>
+            </a:solidFill>
+          </a:ln>
+        </p:spPr>
+        <p:style>
+          <a:lnRef idx="2">
+            <a:schemeClr val="accent1">
+              <a:shade val="50000"/>
+            </a:schemeClr>
+          </a:lnRef>
+          <a:fillRef idx="1">
+            <a:schemeClr val="accent1"/>
+          </a:fillRef>
+          <a:effectRef idx="0">
+            <a:schemeClr val="accent1"/>
+          </a:effectRef>
+          <a:fontRef idx="minor">
+            <a:schemeClr val="lt1"/>
+          </a:fontRef>
+        </p:style>
+        <p:txBody>
+          <a:bodyPr rtlCol="0" anchor="ctr"/>
+          <a:lstStyle/>
+          <a:p>
+            <a:pPr algn="ctr"/>
             <a:endParaRPr lang="ko-KR" altLang="en-US"/>
           </a:p>
         </p:txBody>
@@ -12572,7 +13148,7 @@
 </p:sld>
 </file>
 
-<file path=ppt/slides/slide7.xml><?xml version="1.0" encoding="utf-8"?>
+<file path=ppt/slides/slide8.xml><?xml version="1.0" encoding="utf-8"?>
 <p:sld xmlns:a="http://schemas.openxmlformats.org/drawingml/2006/main" xmlns:r="http://schemas.openxmlformats.org/officeDocument/2006/relationships" xmlns:p="http://schemas.openxmlformats.org/presentationml/2006/main">
   <p:cSld>
     <p:spTree>
@@ -14427,582 +15003,6 @@
     <p:extLst>
       <p:ext uri="{BB962C8B-B14F-4D97-AF65-F5344CB8AC3E}">
         <p14:creationId xmlns:p14="http://schemas.microsoft.com/office/powerpoint/2010/main" val="681951114"/>
-      </p:ext>
-    </p:extLst>
-  </p:cSld>
-  <p:clrMapOvr>
-    <a:masterClrMapping/>
-  </p:clrMapOvr>
-</p:sld>
-</file>
-
-<file path=ppt/slides/slide8.xml><?xml version="1.0" encoding="utf-8"?>
-<p:sld xmlns:a="http://schemas.openxmlformats.org/drawingml/2006/main" xmlns:r="http://schemas.openxmlformats.org/officeDocument/2006/relationships" xmlns:p="http://schemas.openxmlformats.org/presentationml/2006/main">
-  <p:cSld>
-    <p:spTree>
-      <p:nvGrpSpPr>
-        <p:cNvPr id="1" name=""/>
-        <p:cNvGrpSpPr/>
-        <p:nvPr/>
-      </p:nvGrpSpPr>
-      <p:grpSpPr>
-        <a:xfrm>
-          <a:off x="0" y="0"/>
-          <a:ext cx="0" cy="0"/>
-          <a:chOff x="0" y="0"/>
-          <a:chExt cx="0" cy="0"/>
-        </a:xfrm>
-      </p:grpSpPr>
-      <p:sp>
-        <p:nvSpPr>
-          <p:cNvPr id="40" name="TextBox 39">
-            <a:extLst>
-              <a:ext uri="{FF2B5EF4-FFF2-40B4-BE49-F238E27FC236}">
-                <a16:creationId xmlns:a16="http://schemas.microsoft.com/office/drawing/2014/main" id="{5EE9CE64-DDEB-4CE2-834A-BA164EFBFA69}"/>
-              </a:ext>
-            </a:extLst>
-          </p:cNvPr>
-          <p:cNvSpPr txBox="1"/>
-          <p:nvPr/>
-        </p:nvSpPr>
-        <p:spPr>
-          <a:xfrm>
-            <a:off x="268843" y="247013"/>
-            <a:ext cx="4857751" cy="523220"/>
-          </a:xfrm>
-          <a:prstGeom prst="rect">
-            <a:avLst/>
-          </a:prstGeom>
-          <a:noFill/>
-          <a:ln>
-            <a:noFill/>
-          </a:ln>
-        </p:spPr>
-        <p:txBody>
-          <a:bodyPr wrap="square" rtlCol="0">
-            <a:spAutoFit/>
-          </a:bodyPr>
-          <a:lstStyle/>
-          <a:p>
-            <a:r>
-              <a:rPr lang="ko-KR" altLang="en-US" sz="2800" b="1" dirty="0">
-                <a:solidFill>
-                  <a:schemeClr val="bg1"/>
-                </a:solidFill>
-                <a:latin typeface="KoPubWorld돋움체 Bold" panose="00000800000000000000" pitchFamily="2" charset="-127"/>
-                <a:ea typeface="KoPubWorld돋움체 Bold" panose="00000800000000000000" pitchFamily="2" charset="-127"/>
-                <a:cs typeface="KoPubWorld돋움체 Bold" panose="00000800000000000000" pitchFamily="2" charset="-127"/>
-              </a:rPr>
-              <a:t>추진 배경</a:t>
-            </a:r>
-          </a:p>
-        </p:txBody>
-      </p:sp>
-      <p:sp>
-        <p:nvSpPr>
-          <p:cNvPr id="48" name="직사각형 47">
-            <a:extLst>
-              <a:ext uri="{FF2B5EF4-FFF2-40B4-BE49-F238E27FC236}">
-                <a16:creationId xmlns:a16="http://schemas.microsoft.com/office/drawing/2014/main" id="{1CC6E647-2803-4F3E-ADCB-CB0C9D33EEA3}"/>
-              </a:ext>
-            </a:extLst>
-          </p:cNvPr>
-          <p:cNvSpPr/>
-          <p:nvPr/>
-        </p:nvSpPr>
-        <p:spPr>
-          <a:xfrm>
-            <a:off x="0" y="0"/>
-            <a:ext cx="12192000" cy="913200"/>
-          </a:xfrm>
-          <a:prstGeom prst="rect">
-            <a:avLst/>
-          </a:prstGeom>
-          <a:gradFill flip="none" rotWithShape="1">
-            <a:gsLst>
-              <a:gs pos="0">
-                <a:srgbClr val="014099">
-                  <a:shade val="30000"/>
-                  <a:satMod val="115000"/>
-                </a:srgbClr>
-              </a:gs>
-              <a:gs pos="50000">
-                <a:srgbClr val="014099">
-                  <a:shade val="67500"/>
-                  <a:satMod val="115000"/>
-                </a:srgbClr>
-              </a:gs>
-              <a:gs pos="100000">
-                <a:srgbClr val="014099">
-                  <a:shade val="100000"/>
-                  <a:satMod val="115000"/>
-                </a:srgbClr>
-              </a:gs>
-            </a:gsLst>
-            <a:path path="circle">
-              <a:fillToRect r="100000" b="100000"/>
-            </a:path>
-            <a:tileRect l="-100000" t="-100000"/>
-          </a:gradFill>
-          <a:ln>
-            <a:noFill/>
-          </a:ln>
-        </p:spPr>
-        <p:style>
-          <a:lnRef idx="2">
-            <a:schemeClr val="accent1">
-              <a:shade val="50000"/>
-            </a:schemeClr>
-          </a:lnRef>
-          <a:fillRef idx="1">
-            <a:schemeClr val="accent1"/>
-          </a:fillRef>
-          <a:effectRef idx="0">
-            <a:schemeClr val="accent1"/>
-          </a:effectRef>
-          <a:fontRef idx="minor">
-            <a:schemeClr val="lt1"/>
-          </a:fontRef>
-        </p:style>
-        <p:txBody>
-          <a:bodyPr rtlCol="0" anchor="ctr"/>
-          <a:lstStyle/>
-          <a:p>
-            <a:pPr algn="ctr"/>
-            <a:endParaRPr lang="ko-KR" altLang="en-US"/>
-          </a:p>
-        </p:txBody>
-      </p:sp>
-      <p:sp>
-        <p:nvSpPr>
-          <p:cNvPr id="49" name="TextBox 48">
-            <a:extLst>
-              <a:ext uri="{FF2B5EF4-FFF2-40B4-BE49-F238E27FC236}">
-                <a16:creationId xmlns:a16="http://schemas.microsoft.com/office/drawing/2014/main" id="{33FE0734-10E8-4254-ABB1-7B20EE7F536D}"/>
-              </a:ext>
-            </a:extLst>
-          </p:cNvPr>
-          <p:cNvSpPr txBox="1"/>
-          <p:nvPr/>
-        </p:nvSpPr>
-        <p:spPr>
-          <a:xfrm>
-            <a:off x="135645" y="253186"/>
-            <a:ext cx="4857751" cy="584775"/>
-          </a:xfrm>
-          <a:prstGeom prst="rect">
-            <a:avLst/>
-          </a:prstGeom>
-          <a:noFill/>
-          <a:ln>
-            <a:noFill/>
-          </a:ln>
-        </p:spPr>
-        <p:txBody>
-          <a:bodyPr wrap="square" rtlCol="0">
-            <a:spAutoFit/>
-          </a:bodyPr>
-          <a:lstStyle/>
-          <a:p>
-            <a:r>
-              <a:rPr lang="en-US" altLang="ko-KR" sz="3200" b="1">
-                <a:solidFill>
-                  <a:schemeClr val="bg1"/>
-                </a:solidFill>
-                <a:latin typeface="KoPubWorld돋움체 Bold" panose="00000800000000000000" pitchFamily="2" charset="-127"/>
-                <a:ea typeface="KoPubWorld돋움체 Bold" panose="00000800000000000000" pitchFamily="2" charset="-127"/>
-                <a:cs typeface="KoPubWorld돋움체 Bold" panose="00000800000000000000" pitchFamily="2" charset="-127"/>
-              </a:rPr>
-              <a:t>ll</a:t>
-            </a:r>
-            <a:r>
-              <a:rPr lang="en-US" altLang="ko-KR" sz="3000" b="1">
-                <a:solidFill>
-                  <a:schemeClr val="bg1"/>
-                </a:solidFill>
-                <a:latin typeface="KoPubWorld돋움체 Bold" panose="00000800000000000000" pitchFamily="2" charset="-127"/>
-                <a:ea typeface="KoPubWorld돋움체 Bold" panose="00000800000000000000" pitchFamily="2" charset="-127"/>
-                <a:cs typeface="KoPubWorld돋움체 Bold" panose="00000800000000000000" pitchFamily="2" charset="-127"/>
-              </a:rPr>
-              <a:t>. </a:t>
-            </a:r>
-            <a:r>
-              <a:rPr lang="ko-KR" altLang="en-US" sz="3000" b="1">
-                <a:solidFill>
-                  <a:schemeClr val="bg1"/>
-                </a:solidFill>
-                <a:latin typeface="KoPubWorld돋움체 Bold" panose="00000800000000000000" pitchFamily="2" charset="-127"/>
-                <a:ea typeface="KoPubWorld돋움체 Bold" panose="00000800000000000000" pitchFamily="2" charset="-127"/>
-                <a:cs typeface="KoPubWorld돋움체 Bold" panose="00000800000000000000" pitchFamily="2" charset="-127"/>
-              </a:rPr>
-              <a:t>아이디어 소개</a:t>
-            </a:r>
-            <a:endParaRPr lang="ko-KR" altLang="en-US" sz="3000" b="1" dirty="0">
-              <a:solidFill>
-                <a:schemeClr val="bg1"/>
-              </a:solidFill>
-              <a:latin typeface="KoPubWorld돋움체 Bold" panose="00000800000000000000" pitchFamily="2" charset="-127"/>
-              <a:ea typeface="KoPubWorld돋움체 Bold" panose="00000800000000000000" pitchFamily="2" charset="-127"/>
-              <a:cs typeface="KoPubWorld돋움체 Bold" panose="00000800000000000000" pitchFamily="2" charset="-127"/>
-            </a:endParaRPr>
-          </a:p>
-        </p:txBody>
-      </p:sp>
-      <p:pic>
-        <p:nvPicPr>
-          <p:cNvPr id="13" name="그림 12">
-            <a:extLst>
-              <a:ext uri="{FF2B5EF4-FFF2-40B4-BE49-F238E27FC236}">
-                <a16:creationId xmlns:a16="http://schemas.microsoft.com/office/drawing/2014/main" id="{076985C6-A989-44B5-B2AC-12D199959BC3}"/>
-              </a:ext>
-            </a:extLst>
-          </p:cNvPr>
-          <p:cNvPicPr>
-            <a:picLocks noChangeAspect="1"/>
-          </p:cNvPicPr>
-          <p:nvPr/>
-        </p:nvPicPr>
-        <p:blipFill rotWithShape="1">
-          <a:blip r:embed="rId2"/>
-          <a:srcRect t="4839" b="2625"/>
-          <a:stretch/>
-        </p:blipFill>
-        <p:spPr>
-          <a:xfrm>
-            <a:off x="910203" y="2142358"/>
-            <a:ext cx="5339594" cy="3915322"/>
-          </a:xfrm>
-          <a:prstGeom prst="rect">
-            <a:avLst/>
-          </a:prstGeom>
-        </p:spPr>
-      </p:pic>
-      <p:sp>
-        <p:nvSpPr>
-          <p:cNvPr id="14" name="직사각형 13">
-            <a:extLst>
-              <a:ext uri="{FF2B5EF4-FFF2-40B4-BE49-F238E27FC236}">
-                <a16:creationId xmlns:a16="http://schemas.microsoft.com/office/drawing/2014/main" id="{A8BED20A-35AE-4AFC-B2B4-3299BC62A4A5}"/>
-              </a:ext>
-            </a:extLst>
-          </p:cNvPr>
-          <p:cNvSpPr/>
-          <p:nvPr/>
-        </p:nvSpPr>
-        <p:spPr>
-          <a:xfrm>
-            <a:off x="4407482" y="1296051"/>
-            <a:ext cx="3377035" cy="557915"/>
-          </a:xfrm>
-          <a:prstGeom prst="rect">
-            <a:avLst/>
-          </a:prstGeom>
-          <a:solidFill>
-            <a:schemeClr val="accent5">
-              <a:lumMod val="20000"/>
-              <a:lumOff val="80000"/>
-            </a:schemeClr>
-          </a:solidFill>
-          <a:ln>
-            <a:noFill/>
-          </a:ln>
-        </p:spPr>
-        <p:style>
-          <a:lnRef idx="2">
-            <a:schemeClr val="accent1">
-              <a:shade val="50000"/>
-            </a:schemeClr>
-          </a:lnRef>
-          <a:fillRef idx="1">
-            <a:schemeClr val="accent1"/>
-          </a:fillRef>
-          <a:effectRef idx="0">
-            <a:schemeClr val="accent1"/>
-          </a:effectRef>
-          <a:fontRef idx="minor">
-            <a:schemeClr val="lt1"/>
-          </a:fontRef>
-        </p:style>
-        <p:txBody>
-          <a:bodyPr rtlCol="0" anchor="ctr"/>
-          <a:lstStyle/>
-          <a:p>
-            <a:pPr algn="ctr"/>
-            <a:r>
-              <a:rPr lang="en-US" altLang="ko-KR" sz="2000" b="1">
-                <a:solidFill>
-                  <a:schemeClr val="tx1"/>
-                </a:solidFill>
-                <a:latin typeface="KoPubWorld돋움체 Medium" panose="00000600000000000000" pitchFamily="2" charset="-127"/>
-                <a:ea typeface="KoPubWorld돋움체 Medium" panose="00000600000000000000" pitchFamily="2" charset="-127"/>
-                <a:cs typeface="KoPubWorld돋움체 Medium" panose="00000600000000000000" pitchFamily="2" charset="-127"/>
-              </a:rPr>
-              <a:t>AI </a:t>
-            </a:r>
-            <a:r>
-              <a:rPr lang="ko-KR" altLang="en-US" sz="2000" b="1">
-                <a:solidFill>
-                  <a:schemeClr val="tx1"/>
-                </a:solidFill>
-                <a:latin typeface="KoPubWorld돋움체 Medium" panose="00000600000000000000" pitchFamily="2" charset="-127"/>
-                <a:ea typeface="KoPubWorld돋움체 Medium" panose="00000600000000000000" pitchFamily="2" charset="-127"/>
-                <a:cs typeface="KoPubWorld돋움체 Medium" panose="00000600000000000000" pitchFamily="2" charset="-127"/>
-              </a:rPr>
-              <a:t>비대면 독서실</a:t>
-            </a:r>
-            <a:endParaRPr lang="ko-KR" altLang="en-US" sz="2000" b="1" dirty="0">
-              <a:solidFill>
-                <a:schemeClr val="tx1"/>
-              </a:solidFill>
-              <a:latin typeface="KoPubWorld돋움체 Medium" panose="00000600000000000000" pitchFamily="2" charset="-127"/>
-              <a:ea typeface="KoPubWorld돋움체 Medium" panose="00000600000000000000" pitchFamily="2" charset="-127"/>
-              <a:cs typeface="KoPubWorld돋움체 Medium" panose="00000600000000000000" pitchFamily="2" charset="-127"/>
-            </a:endParaRPr>
-          </a:p>
-        </p:txBody>
-      </p:sp>
-      <p:sp>
-        <p:nvSpPr>
-          <p:cNvPr id="15" name="제목 1">
-            <a:extLst>
-              <a:ext uri="{FF2B5EF4-FFF2-40B4-BE49-F238E27FC236}">
-                <a16:creationId xmlns:a16="http://schemas.microsoft.com/office/drawing/2014/main" id="{70B1C1F7-E3FF-4701-9F51-4773C578AD6E}"/>
-              </a:ext>
-            </a:extLst>
-          </p:cNvPr>
-          <p:cNvSpPr txBox="1">
-            <a:spLocks/>
-          </p:cNvSpPr>
-          <p:nvPr/>
-        </p:nvSpPr>
-        <p:spPr>
-          <a:xfrm>
-            <a:off x="6249797" y="2579540"/>
-            <a:ext cx="4892186" cy="671019"/>
-          </a:xfrm>
-          <a:prstGeom prst="rect">
-            <a:avLst/>
-          </a:prstGeom>
-          <a:solidFill>
-            <a:schemeClr val="accent4">
-              <a:lumMod val="60000"/>
-              <a:lumOff val="40000"/>
-              <a:alpha val="52000"/>
-            </a:schemeClr>
-          </a:solidFill>
-          <a:ln>
-            <a:noFill/>
-          </a:ln>
-        </p:spPr>
-        <p:txBody>
-          <a:bodyPr vert="horz" lIns="91440" tIns="45720" rIns="91440" bIns="45720" rtlCol="0" anchor="ctr">
-            <a:normAutofit/>
-          </a:bodyPr>
-          <a:lstStyle>
-            <a:lvl1pPr algn="l" defTabSz="914400" rtl="0" eaLnBrk="1" latinLnBrk="1" hangingPunct="1">
-              <a:lnSpc>
-                <a:spcPct val="90000"/>
-              </a:lnSpc>
-              <a:spcBef>
-                <a:spcPct val="0"/>
-              </a:spcBef>
-              <a:buNone/>
-              <a:defRPr sz="4400" kern="1200">
-                <a:solidFill>
-                  <a:schemeClr val="tx1"/>
-                </a:solidFill>
-                <a:latin typeface="+mj-lt"/>
-                <a:ea typeface="+mj-ea"/>
-                <a:cs typeface="+mj-cs"/>
-              </a:defRPr>
-            </a:lvl1pPr>
-          </a:lstStyle>
-          <a:p>
-            <a:pPr algn="ctr"/>
-            <a:r>
-              <a:rPr lang="ko-KR" altLang="en-US" sz="1400">
-                <a:latin typeface="KoPubWorld돋움체 Medium" panose="00000600000000000000" pitchFamily="2" charset="-127"/>
-                <a:ea typeface="KoPubWorld돋움체 Medium" panose="00000600000000000000" pitchFamily="2" charset="-127"/>
-                <a:cs typeface="KoPubWorld돋움체 Medium" panose="00000600000000000000" pitchFamily="2" charset="-127"/>
-              </a:rPr>
-              <a:t>스마트폰 카메라를 이용하여 학습자를 촬영</a:t>
-            </a:r>
-            <a:endParaRPr lang="en-US" altLang="ko-KR" sz="1400">
-              <a:latin typeface="KoPubWorld돋움체 Medium" panose="00000600000000000000" pitchFamily="2" charset="-127"/>
-              <a:ea typeface="KoPubWorld돋움체 Medium" panose="00000600000000000000" pitchFamily="2" charset="-127"/>
-              <a:cs typeface="KoPubWorld돋움체 Medium" panose="00000600000000000000" pitchFamily="2" charset="-127"/>
-            </a:endParaRPr>
-          </a:p>
-        </p:txBody>
-      </p:sp>
-      <p:sp>
-        <p:nvSpPr>
-          <p:cNvPr id="16" name="제목 1">
-            <a:extLst>
-              <a:ext uri="{FF2B5EF4-FFF2-40B4-BE49-F238E27FC236}">
-                <a16:creationId xmlns:a16="http://schemas.microsoft.com/office/drawing/2014/main" id="{1F772658-1014-4816-9589-CCBE6054FD1F}"/>
-              </a:ext>
-            </a:extLst>
-          </p:cNvPr>
-          <p:cNvSpPr txBox="1">
-            <a:spLocks/>
-          </p:cNvSpPr>
-          <p:nvPr/>
-        </p:nvSpPr>
-        <p:spPr>
-          <a:xfrm>
-            <a:off x="6249798" y="3701276"/>
-            <a:ext cx="4892187" cy="671019"/>
-          </a:xfrm>
-          <a:prstGeom prst="rect">
-            <a:avLst/>
-          </a:prstGeom>
-          <a:solidFill>
-            <a:schemeClr val="accent4">
-              <a:lumMod val="60000"/>
-              <a:lumOff val="40000"/>
-              <a:alpha val="52000"/>
-            </a:schemeClr>
-          </a:solidFill>
-          <a:ln>
-            <a:noFill/>
-          </a:ln>
-        </p:spPr>
-        <p:txBody>
-          <a:bodyPr vert="horz" lIns="91440" tIns="45720" rIns="91440" bIns="45720" rtlCol="0" anchor="ctr">
-            <a:normAutofit/>
-          </a:bodyPr>
-          <a:lstStyle>
-            <a:lvl1pPr algn="l" defTabSz="914400" rtl="0" eaLnBrk="1" latinLnBrk="1" hangingPunct="1">
-              <a:lnSpc>
-                <a:spcPct val="90000"/>
-              </a:lnSpc>
-              <a:spcBef>
-                <a:spcPct val="0"/>
-              </a:spcBef>
-              <a:buNone/>
-              <a:defRPr sz="4400" kern="1200">
-                <a:solidFill>
-                  <a:schemeClr val="tx1"/>
-                </a:solidFill>
-                <a:latin typeface="+mj-lt"/>
-                <a:ea typeface="+mj-ea"/>
-                <a:cs typeface="+mj-cs"/>
-              </a:defRPr>
-            </a:lvl1pPr>
-          </a:lstStyle>
-          <a:p>
-            <a:pPr algn="ctr"/>
-            <a:r>
-              <a:rPr lang="ko-KR" altLang="en-US" sz="1400">
-                <a:latin typeface="KoPubWorld돋움체 Medium" panose="00000600000000000000" pitchFamily="2" charset="-127"/>
-                <a:ea typeface="KoPubWorld돋움체 Medium" panose="00000600000000000000" pitchFamily="2" charset="-127"/>
-                <a:cs typeface="KoPubWorld돋움체 Medium" panose="00000600000000000000" pitchFamily="2" charset="-127"/>
-              </a:rPr>
-              <a:t>학습자의 자세를 실시간으로 분석하여 집중 정도와</a:t>
-            </a:r>
-            <a:r>
-              <a:rPr lang="en-US" altLang="ko-KR" sz="1400">
-                <a:latin typeface="KoPubWorld돋움체 Medium" panose="00000600000000000000" pitchFamily="2" charset="-127"/>
-                <a:ea typeface="KoPubWorld돋움체 Medium" panose="00000600000000000000" pitchFamily="2" charset="-127"/>
-                <a:cs typeface="KoPubWorld돋움체 Medium" panose="00000600000000000000" pitchFamily="2" charset="-127"/>
-              </a:rPr>
-              <a:t> </a:t>
-            </a:r>
-            <a:r>
-              <a:rPr lang="ko-KR" altLang="en-US" sz="1400">
-                <a:latin typeface="KoPubWorld돋움체 Medium" panose="00000600000000000000" pitchFamily="2" charset="-127"/>
-                <a:ea typeface="KoPubWorld돋움체 Medium" panose="00000600000000000000" pitchFamily="2" charset="-127"/>
-                <a:cs typeface="KoPubWorld돋움체 Medium" panose="00000600000000000000" pitchFamily="2" charset="-127"/>
-              </a:rPr>
-              <a:t>시간을 기록</a:t>
-            </a:r>
-            <a:endParaRPr lang="en-US" altLang="ko-KR" sz="1400" dirty="0">
-              <a:latin typeface="KoPubWorld돋움체 Medium" panose="00000600000000000000" pitchFamily="2" charset="-127"/>
-              <a:ea typeface="KoPubWorld돋움체 Medium" panose="00000600000000000000" pitchFamily="2" charset="-127"/>
-              <a:cs typeface="KoPubWorld돋움체 Medium" panose="00000600000000000000" pitchFamily="2" charset="-127"/>
-            </a:endParaRPr>
-          </a:p>
-        </p:txBody>
-      </p:sp>
-      <p:sp>
-        <p:nvSpPr>
-          <p:cNvPr id="17" name="제목 1">
-            <a:extLst>
-              <a:ext uri="{FF2B5EF4-FFF2-40B4-BE49-F238E27FC236}">
-                <a16:creationId xmlns:a16="http://schemas.microsoft.com/office/drawing/2014/main" id="{B0595F82-136B-4DA2-8EE7-9D73CC654AB2}"/>
-              </a:ext>
-            </a:extLst>
-          </p:cNvPr>
-          <p:cNvSpPr txBox="1">
-            <a:spLocks/>
-          </p:cNvSpPr>
-          <p:nvPr/>
-        </p:nvSpPr>
-        <p:spPr>
-          <a:xfrm>
-            <a:off x="6249797" y="4809960"/>
-            <a:ext cx="4892187" cy="671019"/>
-          </a:xfrm>
-          <a:prstGeom prst="rect">
-            <a:avLst/>
-          </a:prstGeom>
-          <a:solidFill>
-            <a:schemeClr val="accent4">
-              <a:lumMod val="60000"/>
-              <a:lumOff val="40000"/>
-              <a:alpha val="52000"/>
-            </a:schemeClr>
-          </a:solidFill>
-          <a:ln>
-            <a:noFill/>
-          </a:ln>
-        </p:spPr>
-        <p:txBody>
-          <a:bodyPr vert="horz" lIns="91440" tIns="45720" rIns="91440" bIns="45720" rtlCol="0" anchor="ctr">
-            <a:normAutofit/>
-          </a:bodyPr>
-          <a:lstStyle>
-            <a:lvl1pPr algn="l" defTabSz="914400" rtl="0" eaLnBrk="1" latinLnBrk="1" hangingPunct="1">
-              <a:lnSpc>
-                <a:spcPct val="90000"/>
-              </a:lnSpc>
-              <a:spcBef>
-                <a:spcPct val="0"/>
-              </a:spcBef>
-              <a:buNone/>
-              <a:defRPr sz="4400" kern="1200">
-                <a:solidFill>
-                  <a:schemeClr val="tx1"/>
-                </a:solidFill>
-                <a:latin typeface="+mj-lt"/>
-                <a:ea typeface="+mj-ea"/>
-                <a:cs typeface="+mj-cs"/>
-              </a:defRPr>
-            </a:lvl1pPr>
-          </a:lstStyle>
-          <a:p>
-            <a:pPr algn="ctr"/>
-            <a:r>
-              <a:rPr lang="ko-KR" altLang="en-US" sz="1400">
-                <a:latin typeface="KoPubWorld돋움체 Medium" panose="00000600000000000000" pitchFamily="2" charset="-127"/>
-                <a:ea typeface="KoPubWorld돋움체 Medium" panose="00000600000000000000" pitchFamily="2" charset="-127"/>
-                <a:cs typeface="KoPubWorld돋움체 Medium" panose="00000600000000000000" pitchFamily="2" charset="-127"/>
-              </a:rPr>
-              <a:t>기록 통계를 관리하고 공유할 수 있는 어플리케이션</a:t>
-            </a:r>
-            <a:endParaRPr lang="en-US" altLang="ko-KR" sz="1400" dirty="0">
-              <a:latin typeface="KoPubWorld돋움체 Medium" panose="00000600000000000000" pitchFamily="2" charset="-127"/>
-              <a:ea typeface="KoPubWorld돋움체 Medium" panose="00000600000000000000" pitchFamily="2" charset="-127"/>
-              <a:cs typeface="KoPubWorld돋움체 Medium" panose="00000600000000000000" pitchFamily="2" charset="-127"/>
-            </a:endParaRPr>
-          </a:p>
-        </p:txBody>
-      </p:sp>
-    </p:spTree>
-    <p:extLst>
-      <p:ext uri="{BB962C8B-B14F-4D97-AF65-F5344CB8AC3E}">
-        <p14:creationId xmlns:p14="http://schemas.microsoft.com/office/powerpoint/2010/main" val="3910594837"/>
       </p:ext>
     </p:extLst>
   </p:cSld>
